--- a/documentation.pptx
+++ b/documentation.pptx
@@ -47,12 +47,31 @@
     <p:sldId id="289" r:id="rId41"/>
     <p:sldId id="290" r:id="rId42"/>
     <p:sldId id="282" r:id="rId43"/>
-    <p:sldId id="275" r:id="rId44"/>
-    <p:sldId id="266" r:id="rId45"/>
-    <p:sldId id="272" r:id="rId46"/>
-    <p:sldId id="270" r:id="rId47"/>
-    <p:sldId id="274" r:id="rId48"/>
-    <p:sldId id="259" r:id="rId49"/>
+    <p:sldId id="266" r:id="rId44"/>
+    <p:sldId id="291" r:id="rId45"/>
+    <p:sldId id="293" r:id="rId46"/>
+    <p:sldId id="294" r:id="rId47"/>
+    <p:sldId id="295" r:id="rId48"/>
+    <p:sldId id="296" r:id="rId49"/>
+    <p:sldId id="298" r:id="rId50"/>
+    <p:sldId id="297" r:id="rId51"/>
+    <p:sldId id="299" r:id="rId52"/>
+    <p:sldId id="303" r:id="rId53"/>
+    <p:sldId id="300" r:id="rId54"/>
+    <p:sldId id="304" r:id="rId55"/>
+    <p:sldId id="305" r:id="rId56"/>
+    <p:sldId id="307" r:id="rId57"/>
+    <p:sldId id="306" r:id="rId58"/>
+    <p:sldId id="309" r:id="rId59"/>
+    <p:sldId id="310" r:id="rId60"/>
+    <p:sldId id="311" r:id="rId61"/>
+    <p:sldId id="312" r:id="rId62"/>
+    <p:sldId id="313" r:id="rId63"/>
+    <p:sldId id="314" r:id="rId64"/>
+    <p:sldId id="315" r:id="rId65"/>
+    <p:sldId id="316" r:id="rId66"/>
+    <p:sldId id="317" r:id="rId67"/>
+    <p:sldId id="275" r:id="rId68"/>
   </p:sldIdLst>
   <p:sldSz cx="9144000" cy="5143500" type="screen16x9"/>
   <p:notesSz cx="6858000" cy="9144000"/>
@@ -365,6 +384,118 @@
 </file>
 
 <file path=ppt/slideLayouts/slideLayout13.xml><?xml version="1.0" encoding="utf-8"?>
+<p:sldLayout xmlns:a="http://schemas.openxmlformats.org/drawingml/2006/main" xmlns:r="http://schemas.openxmlformats.org/officeDocument/2006/relationships" xmlns:p="http://schemas.openxmlformats.org/presentationml/2006/main" type="title">
+  <p:cSld name="TITLE">
+    <p:spTree>
+      <p:nvGrpSpPr>
+        <p:cNvPr id="1" name=""/>
+        <p:cNvGrpSpPr/>
+        <p:nvPr/>
+      </p:nvGrpSpPr>
+      <p:grpSpPr>
+        <a:xfrm>
+          <a:off x="0" y="0"/>
+          <a:ext cx="0" cy="0"/>
+          <a:chOff x="0" y="0"/>
+          <a:chExt cx="0" cy="0"/>
+        </a:xfrm>
+      </p:grpSpPr>
+      <p:sp>
+        <p:nvSpPr>
+          <p:cNvPr id="6" name="PlaceHolder 1"/>
+          <p:cNvSpPr>
+            <a:spLocks noGrp="1"/>
+          </p:cNvSpPr>
+          <p:nvPr>
+            <p:ph type="title"/>
+          </p:nvPr>
+        </p:nvSpPr>
+        <p:spPr>
+          <a:xfrm>
+            <a:off x="2099160" y="539640"/>
+            <a:ext cx="4945320" cy="1107720"/>
+          </a:xfrm>
+          <a:prstGeom prst="rect">
+            <a:avLst/>
+          </a:prstGeom>
+          <a:noFill/>
+          <a:ln w="0">
+            <a:noFill/>
+          </a:ln>
+        </p:spPr>
+        <p:txBody>
+          <a:bodyPr lIns="0" tIns="0" rIns="0" bIns="0" anchor="ctr">
+            <a:noAutofit/>
+          </a:bodyPr>
+          <a:lstStyle/>
+          <a:p>
+            <a:pPr indent="0">
+              <a:buNone/>
+            </a:pPr>
+            <a:endParaRPr lang="fr-FR" sz="1800" b="0" strike="noStrike" spc="-1">
+              <a:solidFill>
+                <a:schemeClr val="dk1"/>
+              </a:solidFill>
+              <a:latin typeface="Arial"/>
+            </a:endParaRPr>
+          </a:p>
+        </p:txBody>
+      </p:sp>
+      <p:sp>
+        <p:nvSpPr>
+          <p:cNvPr id="7" name="PlaceHolder 2"/>
+          <p:cNvSpPr>
+            <a:spLocks noGrp="1"/>
+          </p:cNvSpPr>
+          <p:nvPr>
+            <p:ph type="subTitle"/>
+          </p:nvPr>
+        </p:nvSpPr>
+        <p:spPr>
+          <a:xfrm>
+            <a:off x="457200" y="1203480"/>
+            <a:ext cx="8229240" cy="2982960"/>
+          </a:xfrm>
+          <a:prstGeom prst="rect">
+            <a:avLst/>
+          </a:prstGeom>
+          <a:noFill/>
+          <a:ln w="0">
+            <a:noFill/>
+          </a:ln>
+        </p:spPr>
+        <p:txBody>
+          <a:bodyPr lIns="0" tIns="0" rIns="0" bIns="0" anchor="ctr">
+            <a:noAutofit/>
+          </a:bodyPr>
+          <a:lstStyle/>
+          <a:p>
+            <a:pPr indent="0" algn="ctr">
+              <a:buNone/>
+            </a:pPr>
+            <a:endParaRPr lang="en-US" sz="3200" b="0" strike="noStrike" spc="-1">
+              <a:solidFill>
+                <a:srgbClr val="FFFFFF"/>
+              </a:solidFill>
+              <a:latin typeface="OpenSymbol"/>
+            </a:endParaRPr>
+          </a:p>
+        </p:txBody>
+      </p:sp>
+    </p:spTree>
+    <p:extLst>
+      <p:ext uri="{BB962C8B-B14F-4D97-AF65-F5344CB8AC3E}">
+        <p14:creationId xmlns:p14="http://schemas.microsoft.com/office/powerpoint/2010/main" val="333800482"/>
+      </p:ext>
+    </p:extLst>
+  </p:cSld>
+  <p:clrMapOvr>
+    <a:masterClrMapping/>
+  </p:clrMapOvr>
+</p:sldLayout>
+</file>
+
+<file path=ppt/slideLayouts/slideLayout14.xml><?xml version="1.0" encoding="utf-8"?>
 <p:sldLayout xmlns:a="http://schemas.openxmlformats.org/drawingml/2006/main" xmlns:r="http://schemas.openxmlformats.org/officeDocument/2006/relationships" xmlns:p="http://schemas.openxmlformats.org/presentationml/2006/main" type="blank" preserve="1">
   <p:cSld name="CUSTOM_5">
     <p:spTree>
@@ -389,7 +520,7 @@
 </p:sldLayout>
 </file>
 
-<file path=ppt/slideLayouts/slideLayout14.xml><?xml version="1.0" encoding="utf-8"?>
+<file path=ppt/slideLayouts/slideLayout15.xml><?xml version="1.0" encoding="utf-8"?>
 <p:sldLayout xmlns:a="http://schemas.openxmlformats.org/drawingml/2006/main" xmlns:r="http://schemas.openxmlformats.org/officeDocument/2006/relationships" xmlns:p="http://schemas.openxmlformats.org/presentationml/2006/main" type="blank" preserve="1">
   <p:cSld name="CUSTOM_7">
     <p:spTree>
@@ -414,7 +545,7 @@
 </p:sldLayout>
 </file>
 
-<file path=ppt/slideLayouts/slideLayout15.xml><?xml version="1.0" encoding="utf-8"?>
+<file path=ppt/slideLayouts/slideLayout16.xml><?xml version="1.0" encoding="utf-8"?>
 <p:sldLayout xmlns:a="http://schemas.openxmlformats.org/drawingml/2006/main" xmlns:r="http://schemas.openxmlformats.org/officeDocument/2006/relationships" xmlns:p="http://schemas.openxmlformats.org/presentationml/2006/main" type="blank" preserve="1">
   <p:cSld name="CUSTOM_8">
     <p:spTree>
@@ -439,7 +570,7 @@
 </p:sldLayout>
 </file>
 
-<file path=ppt/slideLayouts/slideLayout16.xml><?xml version="1.0" encoding="utf-8"?>
+<file path=ppt/slideLayouts/slideLayout17.xml><?xml version="1.0" encoding="utf-8"?>
 <p:sldLayout xmlns:a="http://schemas.openxmlformats.org/drawingml/2006/main" xmlns:r="http://schemas.openxmlformats.org/officeDocument/2006/relationships" xmlns:p="http://schemas.openxmlformats.org/presentationml/2006/main" type="blank" preserve="1">
   <p:cSld name="CUSTOM_9">
     <p:spTree>
@@ -464,7 +595,7 @@
 </p:sldLayout>
 </file>
 
-<file path=ppt/slideLayouts/slideLayout17.xml><?xml version="1.0" encoding="utf-8"?>
+<file path=ppt/slideLayouts/slideLayout18.xml><?xml version="1.0" encoding="utf-8"?>
 <p:sldLayout xmlns:a="http://schemas.openxmlformats.org/drawingml/2006/main" xmlns:r="http://schemas.openxmlformats.org/officeDocument/2006/relationships" xmlns:p="http://schemas.openxmlformats.org/presentationml/2006/main" type="blank" preserve="1">
   <p:cSld name="CUSTOM_9_1">
     <p:spTree>
@@ -489,7 +620,7 @@
 </p:sldLayout>
 </file>
 
-<file path=ppt/slideLayouts/slideLayout18.xml><?xml version="1.0" encoding="utf-8"?>
+<file path=ppt/slideLayouts/slideLayout19.xml><?xml version="1.0" encoding="utf-8"?>
 <p:sldLayout xmlns:a="http://schemas.openxmlformats.org/drawingml/2006/main" xmlns:r="http://schemas.openxmlformats.org/officeDocument/2006/relationships" xmlns:p="http://schemas.openxmlformats.org/presentationml/2006/main" type="tx" preserve="1">
   <p:cSld name="TITLE_AND_BODY">
     <p:spTree>
@@ -599,7 +730,32 @@
 </p:sldLayout>
 </file>
 
-<file path=ppt/slideLayouts/slideLayout19.xml><?xml version="1.0" encoding="utf-8"?>
+<file path=ppt/slideLayouts/slideLayout2.xml><?xml version="1.0" encoding="utf-8"?>
+<p:sldLayout xmlns:a="http://schemas.openxmlformats.org/drawingml/2006/main" xmlns:r="http://schemas.openxmlformats.org/officeDocument/2006/relationships" xmlns:p="http://schemas.openxmlformats.org/presentationml/2006/main" type="blank" preserve="1">
+  <p:cSld name="BIG_NUMBER">
+    <p:spTree>
+      <p:nvGrpSpPr>
+        <p:cNvPr id="1" name=""/>
+        <p:cNvGrpSpPr/>
+        <p:nvPr/>
+      </p:nvGrpSpPr>
+      <p:grpSpPr>
+        <a:xfrm>
+          <a:off x="0" y="0"/>
+          <a:ext cx="0" cy="0"/>
+          <a:chOff x="0" y="0"/>
+          <a:chExt cx="0" cy="0"/>
+        </a:xfrm>
+      </p:grpSpPr>
+    </p:spTree>
+  </p:cSld>
+  <p:clrMapOvr>
+    <a:masterClrMapping/>
+  </p:clrMapOvr>
+</p:sldLayout>
+</file>
+
+<file path=ppt/slideLayouts/slideLayout20.xml><?xml version="1.0" encoding="utf-8"?>
 <p:sldLayout xmlns:a="http://schemas.openxmlformats.org/drawingml/2006/main" xmlns:r="http://schemas.openxmlformats.org/officeDocument/2006/relationships" xmlns:p="http://schemas.openxmlformats.org/presentationml/2006/main" type="twoObj" preserve="1">
   <p:cSld name="TITLE_AND_TWO_COLUMNS">
     <p:spTree>
@@ -753,32 +909,7 @@
 </p:sldLayout>
 </file>
 
-<file path=ppt/slideLayouts/slideLayout2.xml><?xml version="1.0" encoding="utf-8"?>
-<p:sldLayout xmlns:a="http://schemas.openxmlformats.org/drawingml/2006/main" xmlns:r="http://schemas.openxmlformats.org/officeDocument/2006/relationships" xmlns:p="http://schemas.openxmlformats.org/presentationml/2006/main" type="blank" preserve="1">
-  <p:cSld name="BIG_NUMBER">
-    <p:spTree>
-      <p:nvGrpSpPr>
-        <p:cNvPr id="1" name=""/>
-        <p:cNvGrpSpPr/>
-        <p:nvPr/>
-      </p:nvGrpSpPr>
-      <p:grpSpPr>
-        <a:xfrm>
-          <a:off x="0" y="0"/>
-          <a:ext cx="0" cy="0"/>
-          <a:chOff x="0" y="0"/>
-          <a:chExt cx="0" cy="0"/>
-        </a:xfrm>
-      </p:grpSpPr>
-    </p:spTree>
-  </p:cSld>
-  <p:clrMapOvr>
-    <a:masterClrMapping/>
-  </p:clrMapOvr>
-</p:sldLayout>
-</file>
-
-<file path=ppt/slideLayouts/slideLayout20.xml><?xml version="1.0" encoding="utf-8"?>
+<file path=ppt/slideLayouts/slideLayout21.xml><?xml version="1.0" encoding="utf-8"?>
 <p:sldLayout xmlns:a="http://schemas.openxmlformats.org/drawingml/2006/main" xmlns:r="http://schemas.openxmlformats.org/officeDocument/2006/relationships" xmlns:p="http://schemas.openxmlformats.org/presentationml/2006/main" type="blank" preserve="1">
   <p:cSld name="ONE_COLUMN_TEXT">
     <p:spTree>
@@ -803,7 +934,7 @@
 </p:sldLayout>
 </file>
 
-<file path=ppt/slideLayouts/slideLayout21.xml><?xml version="1.0" encoding="utf-8"?>
+<file path=ppt/slideLayouts/slideLayout22.xml><?xml version="1.0" encoding="utf-8"?>
 <p:sldLayout xmlns:a="http://schemas.openxmlformats.org/drawingml/2006/main" xmlns:r="http://schemas.openxmlformats.org/officeDocument/2006/relationships" xmlns:p="http://schemas.openxmlformats.org/presentationml/2006/main" type="blank" preserve="1">
   <p:cSld name="MAIN_POINT">
     <p:spTree>
@@ -828,7 +959,7 @@
 </p:sldLayout>
 </file>
 
-<file path=ppt/slideLayouts/slideLayout22.xml><?xml version="1.0" encoding="utf-8"?>
+<file path=ppt/slideLayouts/slideLayout23.xml><?xml version="1.0" encoding="utf-8"?>
 <p:sldLayout xmlns:a="http://schemas.openxmlformats.org/drawingml/2006/main" xmlns:r="http://schemas.openxmlformats.org/officeDocument/2006/relationships" xmlns:p="http://schemas.openxmlformats.org/presentationml/2006/main" type="blank" preserve="1">
   <p:cSld name="SECTION_TITLE_AND_DESCRIPTION">
     <p:spTree>
@@ -853,7 +984,7 @@
 </p:sldLayout>
 </file>
 
-<file path=ppt/slideLayouts/slideLayout23.xml><?xml version="1.0" encoding="utf-8"?>
+<file path=ppt/slideLayouts/slideLayout24.xml><?xml version="1.0" encoding="utf-8"?>
 <p:sldLayout xmlns:a="http://schemas.openxmlformats.org/drawingml/2006/main" xmlns:r="http://schemas.openxmlformats.org/officeDocument/2006/relationships" xmlns:p="http://schemas.openxmlformats.org/presentationml/2006/main" type="blank" preserve="1">
   <p:cSld name="CAPTION_ONLY">
     <p:spTree>
@@ -878,7 +1009,7 @@
 </p:sldLayout>
 </file>
 
-<file path=ppt/slideLayouts/slideLayout24.xml><?xml version="1.0" encoding="utf-8"?>
+<file path=ppt/slideLayouts/slideLayout25.xml><?xml version="1.0" encoding="utf-8"?>
 <p:sldLayout xmlns:a="http://schemas.openxmlformats.org/drawingml/2006/main" xmlns:r="http://schemas.openxmlformats.org/officeDocument/2006/relationships" xmlns:p="http://schemas.openxmlformats.org/presentationml/2006/main" type="blank" preserve="1">
   <p:cSld name="simple-light-2">
     <p:spTree>
@@ -903,7 +1034,7 @@
 </p:sldLayout>
 </file>
 
-<file path=ppt/slideLayouts/slideLayout25.xml><?xml version="1.0" encoding="utf-8"?>
+<file path=ppt/slideLayouts/slideLayout26.xml><?xml version="1.0" encoding="utf-8"?>
 <p:sldLayout xmlns:a="http://schemas.openxmlformats.org/drawingml/2006/main" xmlns:r="http://schemas.openxmlformats.org/officeDocument/2006/relationships" xmlns:p="http://schemas.openxmlformats.org/presentationml/2006/main" type="blank" preserve="1">
   <p:cSld name="CUSTOM">
     <p:spTree>
@@ -3507,7 +3638,7 @@
           <p:nvPr/>
         </p:nvPicPr>
         <p:blipFill>
-          <a:blip r:embed="rId3"/>
+          <a:blip r:embed="rId4"/>
           <a:stretch/>
         </p:blipFill>
         <p:spPr>
@@ -3813,6 +3944,7 @@
   <p:clrMap bg1="lt1" tx1="dk1" bg2="lt2" tx2="dk2" accent1="accent1" accent2="accent2" accent3="accent3" accent4="accent4" accent5="accent5" accent6="accent6" hlink="hlink" folHlink="folHlink"/>
   <p:sldLayoutIdLst>
     <p:sldLayoutId id="2147483671" r:id="rId1"/>
+    <p:sldLayoutId id="2147483702" r:id="rId2"/>
   </p:sldLayoutIdLst>
   <p:txStyles>
     <p:titleStyle>
@@ -16573,7 +16705,7 @@
           </a:bodyPr>
           <a:lstStyle/>
           <a:p>
-            <a:pPr marL="514350" indent="-285750">
+            <a:pPr marL="514350" indent="-285750" algn="just">
               <a:lnSpc>
                 <a:spcPct val="100000"/>
               </a:lnSpc>
@@ -16593,7 +16725,7 @@
             </a:r>
           </a:p>
           <a:p>
-            <a:pPr marL="514350" indent="-285750">
+            <a:pPr marL="514350" indent="-285750" algn="just">
               <a:lnSpc>
                 <a:spcPct val="100000"/>
               </a:lnSpc>
@@ -16613,7 +16745,7 @@
             </a:r>
           </a:p>
           <a:p>
-            <a:pPr marL="514350" indent="-285750">
+            <a:pPr marL="514350" indent="-285750" algn="just">
               <a:lnSpc>
                 <a:spcPct val="100000"/>
               </a:lnSpc>
@@ -16633,7 +16765,7 @@
             </a:r>
           </a:p>
           <a:p>
-            <a:pPr marL="514350" indent="-285750">
+            <a:pPr marL="514350" indent="-285750" algn="just">
               <a:lnSpc>
                 <a:spcPct val="100000"/>
               </a:lnSpc>
@@ -16653,7 +16785,7 @@
             </a:r>
           </a:p>
           <a:p>
-            <a:pPr marL="514350" indent="-285750">
+            <a:pPr marL="514350" indent="-285750" algn="just">
               <a:lnSpc>
                 <a:spcPct val="100000"/>
               </a:lnSpc>
@@ -16673,7 +16805,7 @@
             </a:r>
           </a:p>
           <a:p>
-            <a:pPr marL="514350" indent="-285750">
+            <a:pPr marL="514350" indent="-285750" algn="just">
               <a:lnSpc>
                 <a:spcPct val="100000"/>
               </a:lnSpc>
@@ -16917,6 +17049,7 @@
           </a:bodyPr>
           <a:lstStyle/>
           <a:p>
+            <a:pPr algn="just"/>
             <a:r>
               <a:rPr lang="hu-HU" sz="1200" b="0" strike="noStrike" spc="-1" dirty="0">
                 <a:solidFill>
@@ -16929,6 +17062,7 @@
             </a:r>
           </a:p>
           <a:p>
+            <a:pPr algn="just"/>
             <a:r>
               <a:rPr lang="hu-HU" sz="1200" b="0" strike="noStrike" spc="-1" dirty="0">
                 <a:solidFill>
@@ -16941,6 +17075,7 @@
             </a:r>
           </a:p>
           <a:p>
+            <a:pPr algn="just"/>
             <a:r>
               <a:rPr lang="hu-HU" sz="1200" b="0" strike="noStrike" spc="-1" dirty="0">
                 <a:solidFill>
@@ -16953,6 +17088,7 @@
             </a:r>
           </a:p>
           <a:p>
+            <a:pPr algn="just"/>
             <a:r>
               <a:rPr lang="hu-HU" sz="1200" b="0" strike="noStrike" spc="-1" dirty="0">
                 <a:solidFill>
@@ -17249,7 +17385,7 @@
           </a:bodyPr>
           <a:lstStyle/>
           <a:p>
-            <a:pPr marL="514350" indent="-285750">
+            <a:pPr marL="514350" indent="-285750" algn="just">
               <a:lnSpc>
                 <a:spcPct val="100000"/>
               </a:lnSpc>
@@ -17269,7 +17405,7 @@
             </a:r>
           </a:p>
           <a:p>
-            <a:pPr marL="514350" indent="-285750">
+            <a:pPr marL="514350" indent="-285750" algn="just">
               <a:lnSpc>
                 <a:spcPct val="100000"/>
               </a:lnSpc>
@@ -17289,7 +17425,7 @@
             </a:r>
           </a:p>
           <a:p>
-            <a:pPr marL="514350" indent="-285750">
+            <a:pPr marL="514350" indent="-285750" algn="just">
               <a:lnSpc>
                 <a:spcPct val="100000"/>
               </a:lnSpc>
@@ -17309,7 +17445,7 @@
             </a:r>
           </a:p>
           <a:p>
-            <a:pPr marL="514350" indent="-285750">
+            <a:pPr marL="514350" indent="-285750" algn="just">
               <a:lnSpc>
                 <a:spcPct val="100000"/>
               </a:lnSpc>
@@ -17329,7 +17465,7 @@
             </a:r>
           </a:p>
           <a:p>
-            <a:pPr marL="514350" indent="-285750">
+            <a:pPr marL="514350" indent="-285750" algn="just">
               <a:lnSpc>
                 <a:spcPct val="100000"/>
               </a:lnSpc>
@@ -17349,7 +17485,7 @@
             </a:r>
           </a:p>
           <a:p>
-            <a:pPr marL="514350" indent="-285750">
+            <a:pPr marL="514350" indent="-285750" algn="just">
               <a:lnSpc>
                 <a:spcPct val="100000"/>
               </a:lnSpc>
@@ -17369,7 +17505,7 @@
             </a:r>
           </a:p>
           <a:p>
-            <a:pPr marL="514350" indent="-285750">
+            <a:pPr marL="514350" indent="-285750" algn="just">
               <a:lnSpc>
                 <a:spcPct val="100000"/>
               </a:lnSpc>
@@ -17560,6 +17696,7 @@
           </a:bodyPr>
           <a:lstStyle/>
           <a:p>
+            <a:pPr algn="just"/>
             <a:r>
               <a:rPr lang="hu-HU" sz="1200" b="0" strike="noStrike" spc="-1" dirty="0">
                 <a:solidFill>
@@ -17572,6 +17709,7 @@
             </a:r>
           </a:p>
           <a:p>
+            <a:pPr algn="just"/>
             <a:r>
               <a:rPr lang="hu-HU" sz="1200" b="0" strike="noStrike" spc="-1" dirty="0">
                 <a:solidFill>
@@ -17604,6 +17742,7 @@
             </a:r>
           </a:p>
           <a:p>
+            <a:pPr algn="just"/>
             <a:r>
               <a:rPr lang="hu-HU" sz="1200" b="0" strike="noStrike" spc="-1" dirty="0">
                 <a:solidFill>
@@ -17616,6 +17755,7 @@
             </a:r>
           </a:p>
           <a:p>
+            <a:pPr algn="just"/>
             <a:r>
               <a:rPr lang="hu-HU" sz="1200" spc="-1" dirty="0">
                 <a:solidFill>
@@ -17800,6 +17940,7 @@
           </a:bodyPr>
           <a:lstStyle/>
           <a:p>
+            <a:pPr algn="just"/>
             <a:r>
               <a:rPr lang="hu-HU" sz="1200" b="0" strike="noStrike" spc="-1" dirty="0">
                 <a:solidFill>
@@ -17812,6 +17953,7 @@
             </a:r>
           </a:p>
           <a:p>
+            <a:pPr algn="just"/>
             <a:r>
               <a:rPr lang="hu-HU" sz="1200" b="0" strike="noStrike" spc="-1" dirty="0">
                 <a:solidFill>
@@ -17824,6 +17966,7 @@
             </a:r>
           </a:p>
           <a:p>
+            <a:pPr algn="just"/>
             <a:r>
               <a:rPr lang="hu-HU" sz="1200" b="0" strike="noStrike" spc="-1" dirty="0">
                 <a:solidFill>
@@ -18001,6 +18144,7 @@
           </a:bodyPr>
           <a:lstStyle/>
           <a:p>
+            <a:pPr algn="just"/>
             <a:r>
               <a:rPr lang="hu-HU" sz="1200" b="0" strike="noStrike" spc="-1" dirty="0">
                 <a:solidFill>
@@ -18013,6 +18157,7 @@
             </a:r>
           </a:p>
           <a:p>
+            <a:pPr algn="just"/>
             <a:r>
               <a:rPr lang="hu-HU" sz="1200" b="0" strike="noStrike" spc="-1" dirty="0">
                 <a:solidFill>
@@ -18025,6 +18170,7 @@
             </a:r>
           </a:p>
           <a:p>
+            <a:pPr algn="just"/>
             <a:r>
               <a:rPr lang="hu-HU" sz="1200" b="0" strike="noStrike" spc="-1" dirty="0">
                 <a:solidFill>
@@ -18312,13 +18458,7 @@
   <p:cSld>
     <p:spTree>
       <p:nvGrpSpPr>
-        <p:cNvPr id="1" name="">
-          <a:extLst>
-            <a:ext uri="{FF2B5EF4-FFF2-40B4-BE49-F238E27FC236}">
-              <a16:creationId xmlns:a16="http://schemas.microsoft.com/office/drawing/2014/main" id="{D34D56A3-E66B-765D-25BA-1B9AEE567EAD}"/>
-            </a:ext>
-          </a:extLst>
-        </p:cNvPr>
+        <p:cNvPr id="1" name=""/>
         <p:cNvGrpSpPr/>
         <p:nvPr/>
       </p:nvGrpSpPr>
@@ -18332,13 +18472,7 @@
       </p:grpSpPr>
       <p:sp>
         <p:nvSpPr>
-          <p:cNvPr id="254" name="PlaceHolder 1">
-            <a:extLst>
-              <a:ext uri="{FF2B5EF4-FFF2-40B4-BE49-F238E27FC236}">
-                <a16:creationId xmlns:a16="http://schemas.microsoft.com/office/drawing/2014/main" id="{F088E733-CB02-6D4F-2E2C-77A1BE530F01}"/>
-              </a:ext>
-            </a:extLst>
-          </p:cNvPr>
+          <p:cNvPr id="236" name="PlaceHolder 1"/>
           <p:cNvSpPr>
             <a:spLocks noGrp="1"/>
           </p:cNvSpPr>
@@ -18348,71 +18482,8 @@
         </p:nvSpPr>
         <p:spPr>
           <a:xfrm>
-            <a:off x="1371600" y="942840"/>
-            <a:ext cx="6400440" cy="1199880"/>
-          </a:xfrm>
-          <a:prstGeom prst="rect">
-            <a:avLst/>
-          </a:prstGeom>
-          <a:noFill/>
-          <a:ln w="0">
-            <a:noFill/>
-          </a:ln>
-        </p:spPr>
-        <p:txBody>
-          <a:bodyPr lIns="91440" tIns="91440" rIns="91440" bIns="91440" anchor="ctr">
-            <a:normAutofit/>
-          </a:bodyPr>
-          <a:lstStyle/>
-          <a:p>
-            <a:pPr indent="0" algn="ctr">
-              <a:lnSpc>
-                <a:spcPct val="100000"/>
-              </a:lnSpc>
-              <a:buNone/>
-              <a:tabLst>
-                <a:tab pos="0" algn="l"/>
-              </a:tabLst>
-            </a:pPr>
-            <a:r>
-              <a:rPr lang="hu-HU" sz="4000" b="0" strike="noStrike" spc="-1" dirty="0">
-                <a:solidFill>
-                  <a:schemeClr val="dk1"/>
-                </a:solidFill>
-                <a:latin typeface="Inter"/>
-                <a:ea typeface="Inter"/>
-              </a:rPr>
-              <a:t>Átirányítás</a:t>
-            </a:r>
-            <a:endParaRPr lang="fr-FR" sz="4000" b="0" strike="noStrike" spc="-1" dirty="0">
-              <a:solidFill>
-                <a:schemeClr val="dk1"/>
-              </a:solidFill>
-              <a:latin typeface="Arial"/>
-            </a:endParaRPr>
-          </a:p>
-        </p:txBody>
-      </p:sp>
-      <p:sp>
-        <p:nvSpPr>
-          <p:cNvPr id="255" name="PlaceHolder 2">
-            <a:extLst>
-              <a:ext uri="{FF2B5EF4-FFF2-40B4-BE49-F238E27FC236}">
-                <a16:creationId xmlns:a16="http://schemas.microsoft.com/office/drawing/2014/main" id="{F2717DDC-F150-F86E-9D8F-AC9C294E7E6D}"/>
-              </a:ext>
-            </a:extLst>
-          </p:cNvPr>
-          <p:cNvSpPr>
-            <a:spLocks noGrp="1"/>
-          </p:cNvSpPr>
-          <p:nvPr>
-            <p:ph type="subTitle"/>
-          </p:nvPr>
-        </p:nvSpPr>
-        <p:spPr>
-          <a:xfrm>
-            <a:off x="2133720" y="2371680"/>
-            <a:ext cx="4876560" cy="1371240"/>
+            <a:off x="4219560" y="2666880"/>
+            <a:ext cx="3933360" cy="923400"/>
           </a:xfrm>
           <a:prstGeom prst="rect">
             <a:avLst/>
@@ -18424,11 +18495,11 @@
         </p:spPr>
         <p:txBody>
           <a:bodyPr lIns="91440" tIns="91440" rIns="91440" bIns="91440" anchor="t">
-            <a:normAutofit fontScale="97576"/>
+            <a:normAutofit fontScale="90000"/>
           </a:bodyPr>
           <a:lstStyle/>
           <a:p>
-            <a:pPr indent="0" algn="ctr">
+            <a:pPr indent="0">
               <a:lnSpc>
                 <a:spcPct val="100000"/>
               </a:lnSpc>
@@ -18438,47 +18509,141 @@
               </a:tabLst>
             </a:pPr>
             <a:r>
-              <a:rPr lang="hu-HU" sz="1600" b="0" strike="noStrike" spc="-1" dirty="0">
+              <a:rPr lang="hu-HU" sz="4800" b="0" strike="noStrike" spc="-1" dirty="0">
                 <a:solidFill>
-                  <a:srgbClr val="FFFFFF"/>
+                  <a:schemeClr val="dk1"/>
                 </a:solidFill>
-                <a:latin typeface="OpenSymbol"/>
-              </a:rPr>
-              <a:t>A weboldal az alábbi linken elérhető:</a:t>
-            </a:r>
-            <a:br>
-              <a:rPr lang="hu-HU" sz="1600" b="0" strike="noStrike" spc="-1" dirty="0">
-                <a:solidFill>
-                  <a:srgbClr val="FFFFFF"/>
-                </a:solidFill>
-                <a:latin typeface="OpenSymbol"/>
-              </a:rPr>
-            </a:br>
-            <a:r>
-              <a:rPr lang="hu-HU" sz="1600" b="0" strike="noStrike" spc="-1" dirty="0">
-                <a:solidFill>
-                  <a:srgbClr val="FFFFFF"/>
-                </a:solidFill>
-                <a:latin typeface="OpenSymbol"/>
-                <a:hlinkClick r:id="rId2"/>
-              </a:rPr>
-              <a:t>http://weissesvagyok.infy.uk/</a:t>
-            </a:r>
-            <a:endParaRPr lang="en-US" sz="1600" b="0" strike="noStrike" spc="-1" dirty="0">
+                <a:latin typeface="Inter"/>
+                <a:ea typeface="Inter"/>
+              </a:rPr>
+              <a:t>Fejlesztői dokumentáció</a:t>
+            </a:r>
+            <a:endParaRPr lang="fr-FR" sz="4800" b="0" strike="noStrike" spc="-1" dirty="0">
               <a:solidFill>
-                <a:srgbClr val="FFFFFF"/>
+                <a:schemeClr val="dk1"/>
               </a:solidFill>
-              <a:latin typeface="OpenSymbol"/>
+              <a:latin typeface="Arial"/>
             </a:endParaRPr>
           </a:p>
         </p:txBody>
       </p:sp>
+      <p:sp>
+        <p:nvSpPr>
+          <p:cNvPr id="237" name="PlaceHolder 2"/>
+          <p:cNvSpPr>
+            <a:spLocks noGrp="1"/>
+          </p:cNvSpPr>
+          <p:nvPr>
+            <p:ph type="title"/>
+          </p:nvPr>
+        </p:nvSpPr>
+        <p:spPr>
+          <a:xfrm>
+            <a:off x="4219560" y="1704960"/>
+            <a:ext cx="1238040" cy="647280"/>
+          </a:xfrm>
+          <a:prstGeom prst="rect">
+            <a:avLst/>
+          </a:prstGeom>
+          <a:noFill/>
+          <a:ln w="0">
+            <a:noFill/>
+          </a:ln>
+        </p:spPr>
+        <p:txBody>
+          <a:bodyPr lIns="91440" tIns="91440" rIns="91440" bIns="91440" anchor="b">
+            <a:normAutofit/>
+          </a:bodyPr>
+          <a:lstStyle/>
+          <a:p>
+            <a:pPr indent="0">
+              <a:lnSpc>
+                <a:spcPct val="100000"/>
+              </a:lnSpc>
+              <a:buNone/>
+              <a:tabLst>
+                <a:tab pos="0" algn="l"/>
+              </a:tabLst>
+            </a:pPr>
+            <a:r>
+              <a:rPr lang="en" sz="3000" b="0" strike="noStrike" spc="-1" dirty="0">
+                <a:solidFill>
+                  <a:schemeClr val="accent2"/>
+                </a:solidFill>
+                <a:latin typeface="Inter"/>
+                <a:ea typeface="Inter"/>
+              </a:rPr>
+              <a:t>0</a:t>
+            </a:r>
+            <a:r>
+              <a:rPr lang="hu-HU" sz="3000" b="0" strike="noStrike" spc="-1" dirty="0">
+                <a:solidFill>
+                  <a:schemeClr val="accent2"/>
+                </a:solidFill>
+                <a:latin typeface="Inter"/>
+                <a:ea typeface="Inter"/>
+              </a:rPr>
+              <a:t>3</a:t>
+            </a:r>
+            <a:endParaRPr lang="fr-FR" sz="3000" b="0" strike="noStrike" spc="-1" dirty="0">
+              <a:solidFill>
+                <a:schemeClr val="dk1"/>
+              </a:solidFill>
+              <a:latin typeface="Arial"/>
+            </a:endParaRPr>
+          </a:p>
+        </p:txBody>
+      </p:sp>
+      <p:pic>
+        <p:nvPicPr>
+          <p:cNvPr id="238" name="Google Shape;330;p35"/>
+          <p:cNvPicPr/>
+          <p:nvPr/>
+        </p:nvPicPr>
+        <p:blipFill>
+          <a:blip r:embed="rId2"/>
+          <a:srcRect t="923" b="923"/>
+          <a:stretch/>
+        </p:blipFill>
+        <p:spPr>
+          <a:xfrm>
+            <a:off x="528480" y="539640"/>
+            <a:ext cx="2760120" cy="4064040"/>
+          </a:xfrm>
+          <a:prstGeom prst="rect">
+            <a:avLst/>
+          </a:prstGeom>
+          <a:ln w="9525">
+            <a:solidFill>
+              <a:srgbClr val="FFFFFF"/>
+            </a:solidFill>
+            <a:round/>
+          </a:ln>
+        </p:spPr>
+      </p:pic>
+      <p:cxnSp>
+        <p:nvCxnSpPr>
+          <p:cNvPr id="239" name="Google Shape;331;p35"/>
+          <p:cNvCxnSpPr/>
+          <p:nvPr/>
+        </p:nvCxnSpPr>
+        <p:spPr>
+          <a:xfrm>
+            <a:off x="4311720" y="2507760"/>
+            <a:ext cx="3869280" cy="360"/>
+          </a:xfrm>
+          <a:prstGeom prst="straightConnector1">
+            <a:avLst/>
+          </a:prstGeom>
+          <a:ln w="9525">
+            <a:solidFill>
+              <a:srgbClr val="FFFFFF"/>
+            </a:solidFill>
+            <a:round/>
+          </a:ln>
+        </p:spPr>
+      </p:cxnSp>
     </p:spTree>
-    <p:extLst>
-      <p:ext uri="{BB962C8B-B14F-4D97-AF65-F5344CB8AC3E}">
-        <p14:creationId xmlns:p14="http://schemas.microsoft.com/office/powerpoint/2010/main" val="3805621568"/>
-      </p:ext>
-    </p:extLst>
   </p:cSld>
   <p:clrMapOvr>
     <a:masterClrMapping/>
@@ -18679,7 +18844,13 @@
   <p:cSld>
     <p:spTree>
       <p:nvGrpSpPr>
-        <p:cNvPr id="1" name=""/>
+        <p:cNvPr id="1" name="">
+          <a:extLst>
+            <a:ext uri="{FF2B5EF4-FFF2-40B4-BE49-F238E27FC236}">
+              <a16:creationId xmlns:a16="http://schemas.microsoft.com/office/drawing/2014/main" id="{59AF8DCE-60B6-4601-D5DF-A2591F2514B3}"/>
+            </a:ext>
+          </a:extLst>
+        </p:cNvPr>
         <p:cNvGrpSpPr/>
         <p:nvPr/>
       </p:nvGrpSpPr>
@@ -18693,7 +18864,229 @@
       </p:grpSpPr>
       <p:sp>
         <p:nvSpPr>
-          <p:cNvPr id="236" name="PlaceHolder 1"/>
+          <p:cNvPr id="7" name="PlaceHolder 1">
+            <a:extLst>
+              <a:ext uri="{FF2B5EF4-FFF2-40B4-BE49-F238E27FC236}">
+                <a16:creationId xmlns:a16="http://schemas.microsoft.com/office/drawing/2014/main" id="{8B6C07C1-A4CA-C39D-21D7-87B9F8BDEF99}"/>
+              </a:ext>
+            </a:extLst>
+          </p:cNvPr>
+          <p:cNvSpPr txBox="1">
+            <a:spLocks/>
+          </p:cNvSpPr>
+          <p:nvPr/>
+        </p:nvSpPr>
+        <p:spPr>
+          <a:xfrm>
+            <a:off x="2610765" y="2730510"/>
+            <a:ext cx="4422552" cy="923400"/>
+          </a:xfrm>
+          <a:prstGeom prst="rect">
+            <a:avLst/>
+          </a:prstGeom>
+          <a:noFill/>
+          <a:ln w="0">
+            <a:noFill/>
+          </a:ln>
+        </p:spPr>
+        <p:txBody>
+          <a:bodyPr lIns="91440" tIns="91440" rIns="91440" bIns="91440" anchor="t">
+            <a:normAutofit fontScale="97500"/>
+          </a:bodyPr>
+          <a:lstStyle>
+            <a:lvl1pPr algn="l" defTabSz="914400" rtl="0" eaLnBrk="1" latinLnBrk="0" hangingPunct="1">
+              <a:lnSpc>
+                <a:spcPct val="90000"/>
+              </a:lnSpc>
+              <a:spcBef>
+                <a:spcPct val="0"/>
+              </a:spcBef>
+              <a:buNone/>
+              <a:defRPr sz="4400" kern="1200">
+                <a:solidFill>
+                  <a:schemeClr val="tx1"/>
+                </a:solidFill>
+                <a:latin typeface="+mj-lt"/>
+                <a:ea typeface="+mj-ea"/>
+                <a:cs typeface="+mj-cs"/>
+              </a:defRPr>
+            </a:lvl1pPr>
+          </a:lstStyle>
+          <a:p>
+            <a:pPr>
+              <a:lnSpc>
+                <a:spcPct val="100000"/>
+              </a:lnSpc>
+              <a:tabLst>
+                <a:tab pos="0" algn="l"/>
+              </a:tabLst>
+            </a:pPr>
+            <a:r>
+              <a:rPr lang="hu-HU" sz="4800" dirty="0">
+                <a:latin typeface="Inter"/>
+              </a:rPr>
+              <a:t>Közösségi média</a:t>
+            </a:r>
+            <a:endParaRPr lang="fr-FR" sz="4800" spc="-1" dirty="0">
+              <a:solidFill>
+                <a:schemeClr val="dk1"/>
+              </a:solidFill>
+              <a:latin typeface="Inter"/>
+            </a:endParaRPr>
+          </a:p>
+        </p:txBody>
+      </p:sp>
+      <p:sp>
+        <p:nvSpPr>
+          <p:cNvPr id="8" name="PlaceHolder 2">
+            <a:extLst>
+              <a:ext uri="{FF2B5EF4-FFF2-40B4-BE49-F238E27FC236}">
+                <a16:creationId xmlns:a16="http://schemas.microsoft.com/office/drawing/2014/main" id="{BA95CC89-552A-74A9-D4A6-0EF951B8469C}"/>
+              </a:ext>
+            </a:extLst>
+          </p:cNvPr>
+          <p:cNvSpPr txBox="1">
+            <a:spLocks/>
+          </p:cNvSpPr>
+          <p:nvPr/>
+        </p:nvSpPr>
+        <p:spPr>
+          <a:xfrm>
+            <a:off x="2610765" y="1768590"/>
+            <a:ext cx="1238040" cy="647280"/>
+          </a:xfrm>
+          <a:prstGeom prst="rect">
+            <a:avLst/>
+          </a:prstGeom>
+          <a:noFill/>
+          <a:ln w="0">
+            <a:noFill/>
+          </a:ln>
+        </p:spPr>
+        <p:txBody>
+          <a:bodyPr lIns="91440" tIns="91440" rIns="91440" bIns="91440" anchor="b">
+            <a:normAutofit/>
+          </a:bodyPr>
+          <a:lstStyle>
+            <a:lvl1pPr algn="l" defTabSz="914400" rtl="0" eaLnBrk="1" latinLnBrk="0" hangingPunct="1">
+              <a:lnSpc>
+                <a:spcPct val="90000"/>
+              </a:lnSpc>
+              <a:spcBef>
+                <a:spcPct val="0"/>
+              </a:spcBef>
+              <a:buNone/>
+              <a:defRPr sz="4400" kern="1200">
+                <a:solidFill>
+                  <a:schemeClr val="tx1"/>
+                </a:solidFill>
+                <a:latin typeface="+mj-lt"/>
+                <a:ea typeface="+mj-ea"/>
+                <a:cs typeface="+mj-cs"/>
+              </a:defRPr>
+            </a:lvl1pPr>
+          </a:lstStyle>
+          <a:p>
+            <a:pPr>
+              <a:lnSpc>
+                <a:spcPct val="100000"/>
+              </a:lnSpc>
+              <a:tabLst>
+                <a:tab pos="0" algn="l"/>
+              </a:tabLst>
+            </a:pPr>
+            <a:r>
+              <a:rPr lang="hu-HU" sz="3000" spc="-1" dirty="0">
+                <a:solidFill>
+                  <a:schemeClr val="accent2"/>
+                </a:solidFill>
+                <a:latin typeface="Inter"/>
+                <a:ea typeface="Inter"/>
+              </a:rPr>
+              <a:t>3.1</a:t>
+            </a:r>
+            <a:endParaRPr lang="fr-FR" sz="3000" spc="-1" dirty="0">
+              <a:solidFill>
+                <a:schemeClr val="dk1"/>
+              </a:solidFill>
+              <a:latin typeface="Arial"/>
+            </a:endParaRPr>
+          </a:p>
+        </p:txBody>
+      </p:sp>
+      <p:cxnSp>
+        <p:nvCxnSpPr>
+          <p:cNvPr id="9" name="Google Shape;331;p35">
+            <a:extLst>
+              <a:ext uri="{FF2B5EF4-FFF2-40B4-BE49-F238E27FC236}">
+                <a16:creationId xmlns:a16="http://schemas.microsoft.com/office/drawing/2014/main" id="{62121620-7E33-CB52-04FA-A739A27DDC70}"/>
+              </a:ext>
+            </a:extLst>
+          </p:cNvPr>
+          <p:cNvCxnSpPr/>
+          <p:nvPr/>
+        </p:nvCxnSpPr>
+        <p:spPr>
+          <a:xfrm>
+            <a:off x="2702925" y="2571390"/>
+            <a:ext cx="3869280" cy="360"/>
+          </a:xfrm>
+          <a:prstGeom prst="straightConnector1">
+            <a:avLst/>
+          </a:prstGeom>
+          <a:ln w="9525">
+            <a:solidFill>
+              <a:srgbClr val="FFFFFF"/>
+            </a:solidFill>
+            <a:round/>
+          </a:ln>
+        </p:spPr>
+      </p:cxnSp>
+    </p:spTree>
+    <p:extLst>
+      <p:ext uri="{BB962C8B-B14F-4D97-AF65-F5344CB8AC3E}">
+        <p14:creationId xmlns:p14="http://schemas.microsoft.com/office/powerpoint/2010/main" val="2302421834"/>
+      </p:ext>
+    </p:extLst>
+  </p:cSld>
+  <p:clrMapOvr>
+    <a:masterClrMapping/>
+  </p:clrMapOvr>
+</p:sld>
+</file>
+
+<file path=ppt/slides/slide21.xml><?xml version="1.0" encoding="utf-8"?>
+<p:sld xmlns:a="http://schemas.openxmlformats.org/drawingml/2006/main" xmlns:r="http://schemas.openxmlformats.org/officeDocument/2006/relationships" xmlns:p="http://schemas.openxmlformats.org/presentationml/2006/main">
+  <p:cSld>
+    <p:spTree>
+      <p:nvGrpSpPr>
+        <p:cNvPr id="1" name="">
+          <a:extLst>
+            <a:ext uri="{FF2B5EF4-FFF2-40B4-BE49-F238E27FC236}">
+              <a16:creationId xmlns:a16="http://schemas.microsoft.com/office/drawing/2014/main" id="{5D7640DB-0DA2-D119-F987-3A5C68239C8B}"/>
+            </a:ext>
+          </a:extLst>
+        </p:cNvPr>
+        <p:cNvGrpSpPr/>
+        <p:nvPr/>
+      </p:nvGrpSpPr>
+      <p:grpSpPr>
+        <a:xfrm>
+          <a:off x="0" y="0"/>
+          <a:ext cx="0" cy="0"/>
+          <a:chOff x="0" y="0"/>
+          <a:chExt cx="0" cy="0"/>
+        </a:xfrm>
+      </p:grpSpPr>
+      <p:sp>
+        <p:nvSpPr>
+          <p:cNvPr id="202" name="PlaceHolder 1">
+            <a:extLst>
+              <a:ext uri="{FF2B5EF4-FFF2-40B4-BE49-F238E27FC236}">
+                <a16:creationId xmlns:a16="http://schemas.microsoft.com/office/drawing/2014/main" id="{80D24207-6C01-5F87-E37D-034EA7E4EB51}"/>
+              </a:ext>
+            </a:extLst>
+          </p:cNvPr>
           <p:cNvSpPr>
             <a:spLocks noGrp="1"/>
           </p:cNvSpPr>
@@ -18703,8 +19096,67 @@
         </p:nvSpPr>
         <p:spPr>
           <a:xfrm>
-            <a:off x="4219560" y="2666880"/>
-            <a:ext cx="3933360" cy="923400"/>
+            <a:off x="714240" y="752400"/>
+            <a:ext cx="4675907" cy="1018800"/>
+          </a:xfrm>
+          <a:prstGeom prst="rect">
+            <a:avLst/>
+          </a:prstGeom>
+          <a:noFill/>
+          <a:ln w="0">
+            <a:noFill/>
+          </a:ln>
+        </p:spPr>
+        <p:txBody>
+          <a:bodyPr lIns="91440" tIns="91440" rIns="91440" bIns="91440" anchor="b">
+            <a:noAutofit/>
+          </a:bodyPr>
+          <a:lstStyle/>
+          <a:p>
+            <a:pPr indent="0">
+              <a:lnSpc>
+                <a:spcPct val="100000"/>
+              </a:lnSpc>
+              <a:buNone/>
+              <a:tabLst>
+                <a:tab pos="0" algn="l"/>
+              </a:tabLst>
+            </a:pPr>
+            <a:r>
+              <a:rPr lang="hu-HU" sz="3200" dirty="0">
+                <a:latin typeface="Inter"/>
+              </a:rPr>
+              <a:t>3.1.1 A program létrejöttének indoklása</a:t>
+            </a:r>
+            <a:endParaRPr lang="fr-FR" sz="3000" b="0" strike="noStrike" spc="-1" dirty="0">
+              <a:solidFill>
+                <a:schemeClr val="dk1"/>
+              </a:solidFill>
+              <a:latin typeface="Inter"/>
+            </a:endParaRPr>
+          </a:p>
+        </p:txBody>
+      </p:sp>
+      <p:sp>
+        <p:nvSpPr>
+          <p:cNvPr id="203" name="PlaceHolder 2">
+            <a:extLst>
+              <a:ext uri="{FF2B5EF4-FFF2-40B4-BE49-F238E27FC236}">
+                <a16:creationId xmlns:a16="http://schemas.microsoft.com/office/drawing/2014/main" id="{1B15470C-23D3-AC25-96BC-52632A1F4034}"/>
+              </a:ext>
+            </a:extLst>
+          </p:cNvPr>
+          <p:cNvSpPr>
+            <a:spLocks noGrp="1"/>
+          </p:cNvSpPr>
+          <p:nvPr>
+            <p:ph type="subTitle"/>
+          </p:nvPr>
+        </p:nvSpPr>
+        <p:spPr>
+          <a:xfrm>
+            <a:off x="714240" y="1897552"/>
+            <a:ext cx="5026542" cy="3135085"/>
           </a:xfrm>
           <a:prstGeom prst="rect">
             <a:avLst/>
@@ -18720,6 +19172,150 @@
           </a:bodyPr>
           <a:lstStyle/>
           <a:p>
+            <a:pPr algn="just"/>
+            <a:r>
+              <a:rPr lang="hu-HU" sz="1200" dirty="0">
+                <a:latin typeface="Raleway" pitchFamily="2" charset="-18"/>
+              </a:rPr>
+              <a:t>Hiányos kommunikáció</a:t>
+            </a:r>
+          </a:p>
+          <a:p>
+            <a:pPr algn="just"/>
+            <a:r>
+              <a:rPr lang="hu-HU" sz="1200" dirty="0">
+                <a:latin typeface="Raleway" pitchFamily="2" charset="-18"/>
+              </a:rPr>
+              <a:t>Valódi igény diákplatformra</a:t>
+            </a:r>
+          </a:p>
+          <a:p>
+            <a:pPr lvl="1" algn="just"/>
+            <a:r>
+              <a:rPr lang="hu-HU" sz="1000" dirty="0">
+                <a:latin typeface="Raleway" pitchFamily="2" charset="-18"/>
+              </a:rPr>
+              <a:t>Diákönkormányzat és osztályközösség támogatása</a:t>
+            </a:r>
+          </a:p>
+          <a:p>
+            <a:pPr lvl="1" algn="just"/>
+            <a:r>
+              <a:rPr lang="hu-HU" sz="1000" dirty="0">
+                <a:latin typeface="Raleway" pitchFamily="2" charset="-18"/>
+              </a:rPr>
+              <a:t>Közös felület szavazásra, fájlmegosztásra, eseményekre</a:t>
+            </a:r>
+          </a:p>
+          <a:p>
+            <a:pPr algn="just"/>
+            <a:r>
+              <a:rPr lang="hu-HU" sz="1200" dirty="0">
+                <a:latin typeface="Raleway" pitchFamily="2" charset="-18"/>
+              </a:rPr>
+              <a:t>Meglévő rendszerek hiányosságai</a:t>
+            </a:r>
+          </a:p>
+          <a:p>
+            <a:pPr lvl="1" algn="just"/>
+            <a:r>
+              <a:rPr lang="hu-HU" sz="1000" dirty="0">
+                <a:latin typeface="Raleway" pitchFamily="2" charset="-18"/>
+              </a:rPr>
+              <a:t>Nem kifejezetten diákoknak szól (pl. Telegram)</a:t>
+            </a:r>
+          </a:p>
+          <a:p>
+            <a:pPr algn="just"/>
+            <a:r>
+              <a:rPr lang="hu-HU" sz="1200" dirty="0">
+                <a:latin typeface="Raleway" pitchFamily="2" charset="-18"/>
+              </a:rPr>
+              <a:t>Cél: egyszerű, hasznos funkcióközpontú rendszer</a:t>
+            </a:r>
+          </a:p>
+          <a:p>
+            <a:pPr lvl="1" algn="just"/>
+            <a:r>
+              <a:rPr lang="hu-HU" sz="1000" dirty="0">
+                <a:latin typeface="Raleway" pitchFamily="2" charset="-18"/>
+              </a:rPr>
+              <a:t>Csak regisztrált, tényleges diákok számára</a:t>
+            </a:r>
+          </a:p>
+        </p:txBody>
+      </p:sp>
+    </p:spTree>
+    <p:extLst>
+      <p:ext uri="{BB962C8B-B14F-4D97-AF65-F5344CB8AC3E}">
+        <p14:creationId xmlns:p14="http://schemas.microsoft.com/office/powerpoint/2010/main" val="2285515001"/>
+      </p:ext>
+    </p:extLst>
+  </p:cSld>
+  <p:clrMapOvr>
+    <a:masterClrMapping/>
+  </p:clrMapOvr>
+</p:sld>
+</file>
+
+<file path=ppt/slides/slide22.xml><?xml version="1.0" encoding="utf-8"?>
+<p:sld xmlns:a="http://schemas.openxmlformats.org/drawingml/2006/main" xmlns:r="http://schemas.openxmlformats.org/officeDocument/2006/relationships" xmlns:p="http://schemas.openxmlformats.org/presentationml/2006/main">
+  <p:cSld>
+    <p:spTree>
+      <p:nvGrpSpPr>
+        <p:cNvPr id="1" name="">
+          <a:extLst>
+            <a:ext uri="{FF2B5EF4-FFF2-40B4-BE49-F238E27FC236}">
+              <a16:creationId xmlns:a16="http://schemas.microsoft.com/office/drawing/2014/main" id="{122B4728-0F87-F52E-5F26-6C81C89D9CF9}"/>
+            </a:ext>
+          </a:extLst>
+        </p:cNvPr>
+        <p:cNvGrpSpPr/>
+        <p:nvPr/>
+      </p:nvGrpSpPr>
+      <p:grpSpPr>
+        <a:xfrm>
+          <a:off x="0" y="0"/>
+          <a:ext cx="0" cy="0"/>
+          <a:chOff x="0" y="0"/>
+          <a:chExt cx="0" cy="0"/>
+        </a:xfrm>
+      </p:grpSpPr>
+      <p:sp>
+        <p:nvSpPr>
+          <p:cNvPr id="202" name="PlaceHolder 1">
+            <a:extLst>
+              <a:ext uri="{FF2B5EF4-FFF2-40B4-BE49-F238E27FC236}">
+                <a16:creationId xmlns:a16="http://schemas.microsoft.com/office/drawing/2014/main" id="{279D0196-ADAB-EF73-1D5B-FCECDA212675}"/>
+              </a:ext>
+            </a:extLst>
+          </p:cNvPr>
+          <p:cNvSpPr>
+            <a:spLocks noGrp="1"/>
+          </p:cNvSpPr>
+          <p:nvPr>
+            <p:ph type="title"/>
+          </p:nvPr>
+        </p:nvSpPr>
+        <p:spPr>
+          <a:xfrm>
+            <a:off x="714240" y="752400"/>
+            <a:ext cx="6724713" cy="1018800"/>
+          </a:xfrm>
+          <a:prstGeom prst="rect">
+            <a:avLst/>
+          </a:prstGeom>
+          <a:noFill/>
+          <a:ln w="0">
+            <a:noFill/>
+          </a:ln>
+        </p:spPr>
+        <p:txBody>
+          <a:bodyPr lIns="91440" tIns="91440" rIns="91440" bIns="91440" anchor="b">
+            <a:noAutofit/>
+          </a:bodyPr>
+          <a:lstStyle/>
+          <a:p>
             <a:pPr indent="0">
               <a:lnSpc>
                 <a:spcPct val="100000"/>
@@ -18730,27 +19326,194 @@
               </a:tabLst>
             </a:pPr>
             <a:r>
-              <a:rPr lang="hu-HU" sz="4800" b="0" strike="noStrike" spc="-1" dirty="0">
-                <a:solidFill>
-                  <a:schemeClr val="dk1"/>
-                </a:solidFill>
+              <a:rPr lang="hu-HU" sz="3200" dirty="0">
                 <a:latin typeface="Inter"/>
-                <a:ea typeface="Inter"/>
-              </a:rPr>
-              <a:t>Összefoglalás</a:t>
-            </a:r>
-            <a:endParaRPr lang="fr-FR" sz="4800" b="0" strike="noStrike" spc="-1" dirty="0">
+              </a:rPr>
+              <a:t>3.1.2 Használt hardver környezet</a:t>
+            </a:r>
+            <a:endParaRPr lang="fr-FR" sz="3000" b="0" strike="noStrike" spc="-1" dirty="0">
               <a:solidFill>
                 <a:schemeClr val="dk1"/>
               </a:solidFill>
-              <a:latin typeface="Arial"/>
+              <a:latin typeface="Inter"/>
             </a:endParaRPr>
           </a:p>
         </p:txBody>
       </p:sp>
       <p:sp>
         <p:nvSpPr>
-          <p:cNvPr id="237" name="PlaceHolder 2"/>
+          <p:cNvPr id="203" name="PlaceHolder 2">
+            <a:extLst>
+              <a:ext uri="{FF2B5EF4-FFF2-40B4-BE49-F238E27FC236}">
+                <a16:creationId xmlns:a16="http://schemas.microsoft.com/office/drawing/2014/main" id="{7C171EFD-C876-CBC5-DAF0-A3B06592B572}"/>
+              </a:ext>
+            </a:extLst>
+          </p:cNvPr>
+          <p:cNvSpPr>
+            <a:spLocks noGrp="1"/>
+          </p:cNvSpPr>
+          <p:nvPr>
+            <p:ph type="subTitle"/>
+          </p:nvPr>
+        </p:nvSpPr>
+        <p:spPr>
+          <a:xfrm>
+            <a:off x="714240" y="1914479"/>
+            <a:ext cx="5026542" cy="2565541"/>
+          </a:xfrm>
+          <a:prstGeom prst="rect">
+            <a:avLst/>
+          </a:prstGeom>
+          <a:noFill/>
+          <a:ln w="0">
+            <a:noFill/>
+          </a:ln>
+        </p:spPr>
+        <p:txBody>
+          <a:bodyPr lIns="91440" tIns="91440" rIns="91440" bIns="91440" anchor="t">
+            <a:normAutofit/>
+          </a:bodyPr>
+          <a:lstStyle/>
+          <a:p>
+            <a:pPr algn="just"/>
+            <a:r>
+              <a:rPr lang="hu-HU" sz="1200" dirty="0">
+                <a:latin typeface="Raleway" pitchFamily="2" charset="-18"/>
+              </a:rPr>
+              <a:t>Fejlesztés főként asztali számítógépen</a:t>
+            </a:r>
+          </a:p>
+          <a:p>
+            <a:pPr lvl="1" algn="just"/>
+            <a:r>
+              <a:rPr lang="hu-HU" sz="1000" dirty="0">
+                <a:latin typeface="Raleway" pitchFamily="2" charset="-18"/>
+              </a:rPr>
+              <a:t>AMD </a:t>
+            </a:r>
+            <a:r>
+              <a:rPr lang="hu-HU" sz="1000" dirty="0" err="1">
+                <a:latin typeface="Raleway" pitchFamily="2" charset="-18"/>
+              </a:rPr>
+              <a:t>Ryzen</a:t>
+            </a:r>
+            <a:r>
+              <a:rPr lang="hu-HU" sz="1000" dirty="0">
+                <a:latin typeface="Raleway" pitchFamily="2" charset="-18"/>
+              </a:rPr>
+              <a:t> 5 7600X3D processzor</a:t>
+            </a:r>
+          </a:p>
+          <a:p>
+            <a:pPr lvl="1" algn="just"/>
+            <a:r>
+              <a:rPr lang="hu-HU" sz="1000" dirty="0">
+                <a:latin typeface="Raleway" pitchFamily="2" charset="-18"/>
+              </a:rPr>
+              <a:t>32 GB RAM</a:t>
+            </a:r>
+          </a:p>
+          <a:p>
+            <a:pPr lvl="1" algn="just"/>
+            <a:r>
+              <a:rPr lang="hu-HU" sz="1000" dirty="0" err="1">
+                <a:latin typeface="Raleway" pitchFamily="2" charset="-18"/>
+              </a:rPr>
+              <a:t>FullHD</a:t>
+            </a:r>
+            <a:r>
+              <a:rPr lang="hu-HU" sz="1000" dirty="0">
+                <a:latin typeface="Raleway" pitchFamily="2" charset="-18"/>
+              </a:rPr>
+              <a:t> monitor (1920×1080) </a:t>
+            </a:r>
+          </a:p>
+          <a:p>
+            <a:pPr algn="just"/>
+            <a:r>
+              <a:rPr lang="hu-HU" sz="1200" dirty="0">
+                <a:latin typeface="Raleway" pitchFamily="2" charset="-18"/>
+              </a:rPr>
+              <a:t>Tesztelés:</a:t>
+            </a:r>
+          </a:p>
+          <a:p>
+            <a:pPr lvl="1" algn="just"/>
+            <a:r>
+              <a:rPr lang="hu-HU" sz="1000" dirty="0">
+                <a:latin typeface="Raleway" pitchFamily="2" charset="-18"/>
+              </a:rPr>
+              <a:t>Android</a:t>
+            </a:r>
+          </a:p>
+          <a:p>
+            <a:pPr lvl="1" algn="just"/>
+            <a:r>
+              <a:rPr lang="hu-HU" sz="1000" dirty="0">
+                <a:latin typeface="Raleway" pitchFamily="2" charset="-18"/>
+              </a:rPr>
+              <a:t>iOS</a:t>
+            </a:r>
+          </a:p>
+          <a:p>
+            <a:pPr lvl="1" algn="just"/>
+            <a:r>
+              <a:rPr lang="hu-HU" sz="1000" dirty="0" err="1">
+                <a:latin typeface="Raleway" pitchFamily="2" charset="-18"/>
+              </a:rPr>
+              <a:t>DevTools</a:t>
+            </a:r>
+            <a:endParaRPr lang="hu-HU" sz="1000" dirty="0">
+              <a:latin typeface="Raleway" pitchFamily="2" charset="-18"/>
+            </a:endParaRPr>
+          </a:p>
+        </p:txBody>
+      </p:sp>
+    </p:spTree>
+    <p:extLst>
+      <p:ext uri="{BB962C8B-B14F-4D97-AF65-F5344CB8AC3E}">
+        <p14:creationId xmlns:p14="http://schemas.microsoft.com/office/powerpoint/2010/main" val="2832741772"/>
+      </p:ext>
+    </p:extLst>
+  </p:cSld>
+  <p:clrMapOvr>
+    <a:masterClrMapping/>
+  </p:clrMapOvr>
+</p:sld>
+</file>
+
+<file path=ppt/slides/slide23.xml><?xml version="1.0" encoding="utf-8"?>
+<p:sld xmlns:a="http://schemas.openxmlformats.org/drawingml/2006/main" xmlns:r="http://schemas.openxmlformats.org/officeDocument/2006/relationships" xmlns:p="http://schemas.openxmlformats.org/presentationml/2006/main">
+  <p:cSld>
+    <p:spTree>
+      <p:nvGrpSpPr>
+        <p:cNvPr id="1" name="">
+          <a:extLst>
+            <a:ext uri="{FF2B5EF4-FFF2-40B4-BE49-F238E27FC236}">
+              <a16:creationId xmlns:a16="http://schemas.microsoft.com/office/drawing/2014/main" id="{98C16B52-4B78-9559-B877-8754D538FF31}"/>
+            </a:ext>
+          </a:extLst>
+        </p:cNvPr>
+        <p:cNvGrpSpPr/>
+        <p:nvPr/>
+      </p:nvGrpSpPr>
+      <p:grpSpPr>
+        <a:xfrm>
+          <a:off x="0" y="0"/>
+          <a:ext cx="0" cy="0"/>
+          <a:chOff x="0" y="0"/>
+          <a:chExt cx="0" cy="0"/>
+        </a:xfrm>
+      </p:grpSpPr>
+      <p:sp>
+        <p:nvSpPr>
+          <p:cNvPr id="202" name="PlaceHolder 1">
+            <a:extLst>
+              <a:ext uri="{FF2B5EF4-FFF2-40B4-BE49-F238E27FC236}">
+                <a16:creationId xmlns:a16="http://schemas.microsoft.com/office/drawing/2014/main" id="{7E9D58BB-85BE-DDB5-83F1-002606C34FD2}"/>
+              </a:ext>
+            </a:extLst>
+          </p:cNvPr>
           <p:cNvSpPr>
             <a:spLocks noGrp="1"/>
           </p:cNvSpPr>
@@ -18760,7 +19523,593 @@
         </p:nvSpPr>
         <p:spPr>
           <a:xfrm>
-            <a:off x="4219560" y="1704960"/>
+            <a:off x="714240" y="752400"/>
+            <a:ext cx="6724713" cy="1018800"/>
+          </a:xfrm>
+          <a:prstGeom prst="rect">
+            <a:avLst/>
+          </a:prstGeom>
+          <a:noFill/>
+          <a:ln w="0">
+            <a:noFill/>
+          </a:ln>
+        </p:spPr>
+        <p:txBody>
+          <a:bodyPr lIns="91440" tIns="91440" rIns="91440" bIns="91440" anchor="b">
+            <a:noAutofit/>
+          </a:bodyPr>
+          <a:lstStyle/>
+          <a:p>
+            <a:pPr indent="0">
+              <a:lnSpc>
+                <a:spcPct val="100000"/>
+              </a:lnSpc>
+              <a:buNone/>
+              <a:tabLst>
+                <a:tab pos="0" algn="l"/>
+              </a:tabLst>
+            </a:pPr>
+            <a:r>
+              <a:rPr lang="hu-HU" sz="3200" dirty="0">
+                <a:latin typeface="Inter"/>
+              </a:rPr>
+              <a:t>3.1.3 Használt szoftverek</a:t>
+            </a:r>
+            <a:endParaRPr lang="fr-FR" sz="3000" b="0" strike="noStrike" spc="-1" dirty="0">
+              <a:solidFill>
+                <a:schemeClr val="dk1"/>
+              </a:solidFill>
+              <a:latin typeface="Inter"/>
+            </a:endParaRPr>
+          </a:p>
+        </p:txBody>
+      </p:sp>
+      <p:sp>
+        <p:nvSpPr>
+          <p:cNvPr id="203" name="PlaceHolder 2">
+            <a:extLst>
+              <a:ext uri="{FF2B5EF4-FFF2-40B4-BE49-F238E27FC236}">
+                <a16:creationId xmlns:a16="http://schemas.microsoft.com/office/drawing/2014/main" id="{35EA6287-95E8-7F88-7355-B489F4995E98}"/>
+              </a:ext>
+            </a:extLst>
+          </p:cNvPr>
+          <p:cNvSpPr>
+            <a:spLocks noGrp="1"/>
+          </p:cNvSpPr>
+          <p:nvPr>
+            <p:ph type="subTitle"/>
+          </p:nvPr>
+        </p:nvSpPr>
+        <p:spPr>
+          <a:xfrm>
+            <a:off x="714240" y="1914479"/>
+            <a:ext cx="5026542" cy="2565541"/>
+          </a:xfrm>
+          <a:prstGeom prst="rect">
+            <a:avLst/>
+          </a:prstGeom>
+          <a:noFill/>
+          <a:ln w="0">
+            <a:noFill/>
+          </a:ln>
+        </p:spPr>
+        <p:txBody>
+          <a:bodyPr lIns="91440" tIns="91440" rIns="91440" bIns="91440" anchor="t">
+            <a:normAutofit/>
+          </a:bodyPr>
+          <a:lstStyle/>
+          <a:p>
+            <a:pPr algn="just"/>
+            <a:r>
+              <a:rPr lang="hu-HU" sz="1200" dirty="0">
+                <a:latin typeface="Raleway" pitchFamily="2" charset="-18"/>
+              </a:rPr>
+              <a:t>Fejlesztőkörnyezet:</a:t>
+            </a:r>
+          </a:p>
+          <a:p>
+            <a:pPr lvl="1" algn="just"/>
+            <a:r>
+              <a:rPr lang="hu-HU" sz="1000" dirty="0">
+                <a:latin typeface="Raleway" pitchFamily="2" charset="-18"/>
+              </a:rPr>
+              <a:t>Visual </a:t>
+            </a:r>
+            <a:r>
+              <a:rPr lang="hu-HU" sz="1000" dirty="0" err="1">
+                <a:latin typeface="Raleway" pitchFamily="2" charset="-18"/>
+              </a:rPr>
+              <a:t>Studio</a:t>
+            </a:r>
+            <a:r>
+              <a:rPr lang="hu-HU" sz="1000" dirty="0">
+                <a:latin typeface="Raleway" pitchFamily="2" charset="-18"/>
+              </a:rPr>
+              <a:t> </a:t>
+            </a:r>
+            <a:r>
+              <a:rPr lang="hu-HU" sz="1000" dirty="0" err="1">
+                <a:latin typeface="Raleway" pitchFamily="2" charset="-18"/>
+              </a:rPr>
+              <a:t>Code</a:t>
+            </a:r>
+            <a:r>
+              <a:rPr lang="hu-HU" sz="1000" dirty="0">
+                <a:latin typeface="Raleway" pitchFamily="2" charset="-18"/>
+              </a:rPr>
+              <a:t> (kódolás) </a:t>
+            </a:r>
+          </a:p>
+          <a:p>
+            <a:pPr lvl="1" algn="just"/>
+            <a:r>
+              <a:rPr lang="hu-HU" sz="1000" dirty="0">
+                <a:latin typeface="Raleway" pitchFamily="2" charset="-18"/>
+              </a:rPr>
+              <a:t>XAMPP (lokális webszerver, adatbázis) </a:t>
+            </a:r>
+          </a:p>
+          <a:p>
+            <a:pPr lvl="1" algn="just"/>
+            <a:r>
+              <a:rPr lang="hu-HU" sz="1000" dirty="0" err="1">
+                <a:latin typeface="Raleway" pitchFamily="2" charset="-18"/>
+              </a:rPr>
+              <a:t>phpMyAdmin</a:t>
+            </a:r>
+            <a:r>
+              <a:rPr lang="hu-HU" sz="1000" dirty="0">
+                <a:latin typeface="Raleway" pitchFamily="2" charset="-18"/>
+              </a:rPr>
+              <a:t> (adatbázis-kezelés) </a:t>
+            </a:r>
+          </a:p>
+          <a:p>
+            <a:pPr lvl="1" algn="just"/>
+            <a:r>
+              <a:rPr lang="hu-HU" sz="1000" dirty="0">
+                <a:latin typeface="Raleway" pitchFamily="2" charset="-18"/>
+              </a:rPr>
+              <a:t>GitHub (biztonsági mentés)</a:t>
+            </a:r>
+          </a:p>
+          <a:p>
+            <a:pPr algn="just"/>
+            <a:r>
+              <a:rPr lang="hu-HU" sz="1200" dirty="0">
+                <a:latin typeface="Raleway" pitchFamily="2" charset="-18"/>
+              </a:rPr>
+              <a:t>Kiegészítő eszközök:</a:t>
+            </a:r>
+          </a:p>
+          <a:p>
+            <a:pPr lvl="1" algn="just"/>
+            <a:r>
+              <a:rPr lang="hu-HU" sz="1000" dirty="0">
+                <a:latin typeface="Raleway" pitchFamily="2" charset="-18"/>
+              </a:rPr>
+              <a:t>Google Chrome</a:t>
+            </a:r>
+          </a:p>
+          <a:p>
+            <a:pPr lvl="1" algn="just"/>
+            <a:r>
+              <a:rPr lang="hu-HU" sz="1000" dirty="0">
+                <a:latin typeface="Raleway" pitchFamily="2" charset="-18"/>
+              </a:rPr>
+              <a:t>Total </a:t>
+            </a:r>
+            <a:r>
+              <a:rPr lang="hu-HU" sz="1000" dirty="0" err="1">
+                <a:latin typeface="Raleway" pitchFamily="2" charset="-18"/>
+              </a:rPr>
+              <a:t>Commander</a:t>
+            </a:r>
+            <a:r>
+              <a:rPr lang="hu-HU" sz="1000" dirty="0">
+                <a:latin typeface="Raleway" pitchFamily="2" charset="-18"/>
+              </a:rPr>
+              <a:t> (FTP kapcsolat)</a:t>
+            </a:r>
+          </a:p>
+          <a:p>
+            <a:pPr lvl="1" algn="just"/>
+            <a:r>
+              <a:rPr lang="hu-HU" sz="1000" dirty="0">
+                <a:latin typeface="Raleway" pitchFamily="2" charset="-18"/>
+              </a:rPr>
+              <a:t>icons8</a:t>
+            </a:r>
+          </a:p>
+        </p:txBody>
+      </p:sp>
+    </p:spTree>
+    <p:extLst>
+      <p:ext uri="{BB962C8B-B14F-4D97-AF65-F5344CB8AC3E}">
+        <p14:creationId xmlns:p14="http://schemas.microsoft.com/office/powerpoint/2010/main" val="4181712106"/>
+      </p:ext>
+    </p:extLst>
+  </p:cSld>
+  <p:clrMapOvr>
+    <a:masterClrMapping/>
+  </p:clrMapOvr>
+</p:sld>
+</file>
+
+<file path=ppt/slides/slide24.xml><?xml version="1.0" encoding="utf-8"?>
+<p:sld xmlns:a="http://schemas.openxmlformats.org/drawingml/2006/main" xmlns:r="http://schemas.openxmlformats.org/officeDocument/2006/relationships" xmlns:p="http://schemas.openxmlformats.org/presentationml/2006/main">
+  <p:cSld>
+    <p:spTree>
+      <p:nvGrpSpPr>
+        <p:cNvPr id="1" name="">
+          <a:extLst>
+            <a:ext uri="{FF2B5EF4-FFF2-40B4-BE49-F238E27FC236}">
+              <a16:creationId xmlns:a16="http://schemas.microsoft.com/office/drawing/2014/main" id="{16365E17-7F32-136F-682E-8C5190A2EE11}"/>
+            </a:ext>
+          </a:extLst>
+        </p:cNvPr>
+        <p:cNvGrpSpPr/>
+        <p:nvPr/>
+      </p:nvGrpSpPr>
+      <p:grpSpPr>
+        <a:xfrm>
+          <a:off x="0" y="0"/>
+          <a:ext cx="0" cy="0"/>
+          <a:chOff x="0" y="0"/>
+          <a:chExt cx="0" cy="0"/>
+        </a:xfrm>
+      </p:grpSpPr>
+      <p:sp>
+        <p:nvSpPr>
+          <p:cNvPr id="202" name="PlaceHolder 1">
+            <a:extLst>
+              <a:ext uri="{FF2B5EF4-FFF2-40B4-BE49-F238E27FC236}">
+                <a16:creationId xmlns:a16="http://schemas.microsoft.com/office/drawing/2014/main" id="{EE1B0820-8EC1-6946-FF8D-D9A31913E05D}"/>
+              </a:ext>
+            </a:extLst>
+          </p:cNvPr>
+          <p:cNvSpPr>
+            <a:spLocks noGrp="1"/>
+          </p:cNvSpPr>
+          <p:nvPr>
+            <p:ph type="title"/>
+          </p:nvPr>
+        </p:nvSpPr>
+        <p:spPr>
+          <a:xfrm>
+            <a:off x="714240" y="752400"/>
+            <a:ext cx="6724713" cy="1018800"/>
+          </a:xfrm>
+          <a:prstGeom prst="rect">
+            <a:avLst/>
+          </a:prstGeom>
+          <a:noFill/>
+          <a:ln w="0">
+            <a:noFill/>
+          </a:ln>
+        </p:spPr>
+        <p:txBody>
+          <a:bodyPr lIns="91440" tIns="91440" rIns="91440" bIns="91440" anchor="b">
+            <a:noAutofit/>
+          </a:bodyPr>
+          <a:lstStyle/>
+          <a:p>
+            <a:pPr indent="0">
+              <a:lnSpc>
+                <a:spcPct val="100000"/>
+              </a:lnSpc>
+              <a:buNone/>
+              <a:tabLst>
+                <a:tab pos="0" algn="l"/>
+              </a:tabLst>
+            </a:pPr>
+            <a:r>
+              <a:rPr lang="hu-HU" sz="3200" dirty="0">
+                <a:latin typeface="Inter"/>
+              </a:rPr>
+              <a:t>3.1.4 Választott nyelvek, eszközök</a:t>
+            </a:r>
+            <a:endParaRPr lang="fr-FR" sz="3000" b="0" strike="noStrike" spc="-1" dirty="0">
+              <a:solidFill>
+                <a:schemeClr val="dk1"/>
+              </a:solidFill>
+              <a:latin typeface="Inter"/>
+            </a:endParaRPr>
+          </a:p>
+        </p:txBody>
+      </p:sp>
+      <p:sp>
+        <p:nvSpPr>
+          <p:cNvPr id="203" name="PlaceHolder 2">
+            <a:extLst>
+              <a:ext uri="{FF2B5EF4-FFF2-40B4-BE49-F238E27FC236}">
+                <a16:creationId xmlns:a16="http://schemas.microsoft.com/office/drawing/2014/main" id="{DEA127B8-190F-B2E0-0C83-D7A44EC94977}"/>
+              </a:ext>
+            </a:extLst>
+          </p:cNvPr>
+          <p:cNvSpPr>
+            <a:spLocks noGrp="1"/>
+          </p:cNvSpPr>
+          <p:nvPr>
+            <p:ph type="subTitle"/>
+          </p:nvPr>
+        </p:nvSpPr>
+        <p:spPr>
+          <a:xfrm>
+            <a:off x="714240" y="1852602"/>
+            <a:ext cx="5026542" cy="2746898"/>
+          </a:xfrm>
+          <a:prstGeom prst="rect">
+            <a:avLst/>
+          </a:prstGeom>
+          <a:noFill/>
+          <a:ln w="0">
+            <a:noFill/>
+          </a:ln>
+        </p:spPr>
+        <p:txBody>
+          <a:bodyPr lIns="91440" tIns="91440" rIns="91440" bIns="91440" anchor="t">
+            <a:normAutofit/>
+          </a:bodyPr>
+          <a:lstStyle/>
+          <a:p>
+            <a:pPr algn="just"/>
+            <a:r>
+              <a:rPr lang="hu-HU" sz="1200" dirty="0">
+                <a:latin typeface="Raleway" pitchFamily="2" charset="-18"/>
+              </a:rPr>
+              <a:t>Frontend:</a:t>
+            </a:r>
+          </a:p>
+          <a:p>
+            <a:pPr lvl="1" algn="just"/>
+            <a:r>
+              <a:rPr lang="hu-HU" sz="1000" dirty="0">
+                <a:latin typeface="Raleway" pitchFamily="2" charset="-18"/>
+              </a:rPr>
+              <a:t>HTML – alapvető webes struktúra kialakításához elengedhetetlen</a:t>
+            </a:r>
+          </a:p>
+          <a:p>
+            <a:pPr lvl="1" algn="just"/>
+            <a:r>
+              <a:rPr lang="hu-HU" sz="1000" dirty="0">
+                <a:latin typeface="Raleway" pitchFamily="2" charset="-18"/>
+              </a:rPr>
+              <a:t>CSS – </a:t>
+            </a:r>
+            <a:r>
+              <a:rPr lang="hu-HU" sz="1000" dirty="0" err="1">
+                <a:latin typeface="Raleway" pitchFamily="2" charset="-18"/>
+              </a:rPr>
+              <a:t>testreszabható</a:t>
+            </a:r>
+            <a:r>
+              <a:rPr lang="hu-HU" sz="1000" dirty="0">
+                <a:latin typeface="Raleway" pitchFamily="2" charset="-18"/>
+              </a:rPr>
+              <a:t>, reszponzív megjelenés biztosítása</a:t>
+            </a:r>
+          </a:p>
+          <a:p>
+            <a:pPr lvl="1" algn="just"/>
+            <a:r>
+              <a:rPr lang="hu-HU" sz="1000" dirty="0">
+                <a:latin typeface="Raleway" pitchFamily="2" charset="-18"/>
+              </a:rPr>
+              <a:t>JavaScript – dinamikus elemek, eseménykezelés megvalósítása</a:t>
+            </a:r>
+          </a:p>
+          <a:p>
+            <a:pPr algn="just"/>
+            <a:r>
+              <a:rPr lang="hu-HU" sz="1200" dirty="0">
+                <a:latin typeface="Raleway" pitchFamily="2" charset="-18"/>
+              </a:rPr>
+              <a:t>Backend:</a:t>
+            </a:r>
+          </a:p>
+          <a:p>
+            <a:pPr lvl="1" algn="just"/>
+            <a:r>
+              <a:rPr lang="hu-HU" sz="1000" dirty="0">
+                <a:latin typeface="Raleway" pitchFamily="2" charset="-18"/>
+              </a:rPr>
+              <a:t>PHP – egyszerűen integrálható HTML-lel, szerveroldali feldolgozás</a:t>
+            </a:r>
+          </a:p>
+          <a:p>
+            <a:pPr lvl="1" algn="just"/>
+            <a:r>
+              <a:rPr lang="hu-HU" sz="1000" dirty="0" err="1">
+                <a:latin typeface="Raleway" pitchFamily="2" charset="-18"/>
+              </a:rPr>
+              <a:t>MySQL</a:t>
+            </a:r>
+            <a:r>
+              <a:rPr lang="hu-HU" sz="1000" dirty="0">
+                <a:latin typeface="Raleway" pitchFamily="2" charset="-18"/>
+              </a:rPr>
+              <a:t> – hatékony relációs adatbázis-kezelés, PHP-vel jól együttműködik</a:t>
+            </a:r>
+          </a:p>
+          <a:p>
+            <a:pPr lvl="1" algn="just"/>
+            <a:r>
+              <a:rPr lang="hu-HU" sz="1000" dirty="0">
+                <a:latin typeface="Raleway" pitchFamily="2" charset="-18"/>
+              </a:rPr>
+              <a:t>.</a:t>
+            </a:r>
+            <a:r>
+              <a:rPr lang="hu-HU" sz="1000" dirty="0" err="1">
+                <a:latin typeface="Raleway" pitchFamily="2" charset="-18"/>
+              </a:rPr>
+              <a:t>htaccess</a:t>
+            </a:r>
+            <a:r>
+              <a:rPr lang="hu-HU" sz="1000" dirty="0">
+                <a:latin typeface="Raleway" pitchFamily="2" charset="-18"/>
+              </a:rPr>
+              <a:t> – URL átírás, jogosultságkezelés megvalósítása</a:t>
+            </a:r>
+          </a:p>
+          <a:p>
+            <a:pPr algn="just"/>
+            <a:r>
+              <a:rPr lang="hu-HU" sz="1200" dirty="0">
+                <a:latin typeface="Raleway" pitchFamily="2" charset="-18"/>
+              </a:rPr>
+              <a:t>Választási szempontok:</a:t>
+            </a:r>
+          </a:p>
+          <a:p>
+            <a:pPr lvl="1" algn="just"/>
+            <a:r>
+              <a:rPr lang="hu-HU" sz="1000" dirty="0">
+                <a:latin typeface="Raleway" pitchFamily="2" charset="-18"/>
+              </a:rPr>
+              <a:t>Jól dokumentált eszközök</a:t>
+            </a:r>
+          </a:p>
+          <a:p>
+            <a:pPr lvl="1" algn="just"/>
+            <a:r>
+              <a:rPr lang="hu-HU" sz="1000" dirty="0">
+                <a:latin typeface="Raleway" pitchFamily="2" charset="-18"/>
+              </a:rPr>
+              <a:t>Személyes tapasztalat, tanulmányok során már használt technológiák</a:t>
+            </a:r>
+          </a:p>
+        </p:txBody>
+      </p:sp>
+    </p:spTree>
+    <p:extLst>
+      <p:ext uri="{BB962C8B-B14F-4D97-AF65-F5344CB8AC3E}">
+        <p14:creationId xmlns:p14="http://schemas.microsoft.com/office/powerpoint/2010/main" val="3925590399"/>
+      </p:ext>
+    </p:extLst>
+  </p:cSld>
+  <p:clrMapOvr>
+    <a:masterClrMapping/>
+  </p:clrMapOvr>
+</p:sld>
+</file>
+
+<file path=ppt/slides/slide25.xml><?xml version="1.0" encoding="utf-8"?>
+<p:sld xmlns:a="http://schemas.openxmlformats.org/drawingml/2006/main" xmlns:r="http://schemas.openxmlformats.org/officeDocument/2006/relationships" xmlns:p="http://schemas.openxmlformats.org/presentationml/2006/main">
+  <p:cSld>
+    <p:spTree>
+      <p:nvGrpSpPr>
+        <p:cNvPr id="1" name="">
+          <a:extLst>
+            <a:ext uri="{FF2B5EF4-FFF2-40B4-BE49-F238E27FC236}">
+              <a16:creationId xmlns:a16="http://schemas.microsoft.com/office/drawing/2014/main" id="{B03F88CA-C23E-E738-8655-CDF7605F5C2F}"/>
+            </a:ext>
+          </a:extLst>
+        </p:cNvPr>
+        <p:cNvGrpSpPr/>
+        <p:nvPr/>
+      </p:nvGrpSpPr>
+      <p:grpSpPr>
+        <a:xfrm>
+          <a:off x="0" y="0"/>
+          <a:ext cx="0" cy="0"/>
+          <a:chOff x="0" y="0"/>
+          <a:chExt cx="0" cy="0"/>
+        </a:xfrm>
+      </p:grpSpPr>
+      <p:sp>
+        <p:nvSpPr>
+          <p:cNvPr id="7" name="PlaceHolder 1">
+            <a:extLst>
+              <a:ext uri="{FF2B5EF4-FFF2-40B4-BE49-F238E27FC236}">
+                <a16:creationId xmlns:a16="http://schemas.microsoft.com/office/drawing/2014/main" id="{FD8C1963-2114-A372-8D87-51F2A1AE4252}"/>
+              </a:ext>
+            </a:extLst>
+          </p:cNvPr>
+          <p:cNvSpPr txBox="1">
+            <a:spLocks/>
+          </p:cNvSpPr>
+          <p:nvPr/>
+        </p:nvSpPr>
+        <p:spPr>
+          <a:xfrm>
+            <a:off x="2610765" y="2730510"/>
+            <a:ext cx="4422552" cy="923400"/>
+          </a:xfrm>
+          <a:prstGeom prst="rect">
+            <a:avLst/>
+          </a:prstGeom>
+          <a:noFill/>
+          <a:ln w="0">
+            <a:noFill/>
+          </a:ln>
+        </p:spPr>
+        <p:txBody>
+          <a:bodyPr lIns="91440" tIns="91440" rIns="91440" bIns="91440" anchor="t">
+            <a:normAutofit fontScale="97500"/>
+          </a:bodyPr>
+          <a:lstStyle>
+            <a:lvl1pPr algn="l" defTabSz="914400" rtl="0" eaLnBrk="1" latinLnBrk="0" hangingPunct="1">
+              <a:lnSpc>
+                <a:spcPct val="90000"/>
+              </a:lnSpc>
+              <a:spcBef>
+                <a:spcPct val="0"/>
+              </a:spcBef>
+              <a:buNone/>
+              <a:defRPr sz="4400" kern="1200">
+                <a:solidFill>
+                  <a:schemeClr val="tx1"/>
+                </a:solidFill>
+                <a:latin typeface="+mj-lt"/>
+                <a:ea typeface="+mj-ea"/>
+                <a:cs typeface="+mj-cs"/>
+              </a:defRPr>
+            </a:lvl1pPr>
+          </a:lstStyle>
+          <a:p>
+            <a:pPr algn="ctr">
+              <a:lnSpc>
+                <a:spcPct val="100000"/>
+              </a:lnSpc>
+              <a:tabLst>
+                <a:tab pos="0" algn="l"/>
+              </a:tabLst>
+            </a:pPr>
+            <a:r>
+              <a:rPr lang="hu-HU" sz="4800" dirty="0">
+                <a:latin typeface="Inter"/>
+              </a:rPr>
+              <a:t>Adatszerkezetek</a:t>
+            </a:r>
+            <a:endParaRPr lang="fr-FR" sz="4800" spc="-1" dirty="0">
+              <a:solidFill>
+                <a:schemeClr val="dk1"/>
+              </a:solidFill>
+              <a:latin typeface="Inter"/>
+            </a:endParaRPr>
+          </a:p>
+        </p:txBody>
+      </p:sp>
+      <p:sp>
+        <p:nvSpPr>
+          <p:cNvPr id="8" name="PlaceHolder 2">
+            <a:extLst>
+              <a:ext uri="{FF2B5EF4-FFF2-40B4-BE49-F238E27FC236}">
+                <a16:creationId xmlns:a16="http://schemas.microsoft.com/office/drawing/2014/main" id="{37E130BD-D471-A6F0-4E68-B44F377D5625}"/>
+              </a:ext>
+            </a:extLst>
+          </p:cNvPr>
+          <p:cNvSpPr txBox="1">
+            <a:spLocks/>
+          </p:cNvSpPr>
+          <p:nvPr/>
+        </p:nvSpPr>
+        <p:spPr>
+          <a:xfrm>
+            <a:off x="2610765" y="1768590"/>
             <a:ext cx="1238040" cy="647280"/>
           </a:xfrm>
           <a:prstGeom prst="rect">
@@ -18775,28 +20124,45 @@
           <a:bodyPr lIns="91440" tIns="91440" rIns="91440" bIns="91440" anchor="b">
             <a:normAutofit/>
           </a:bodyPr>
-          <a:lstStyle/>
-          <a:p>
-            <a:pPr indent="0">
+          <a:lstStyle>
+            <a:lvl1pPr algn="l" defTabSz="914400" rtl="0" eaLnBrk="1" latinLnBrk="0" hangingPunct="1">
+              <a:lnSpc>
+                <a:spcPct val="90000"/>
+              </a:lnSpc>
+              <a:spcBef>
+                <a:spcPct val="0"/>
+              </a:spcBef>
+              <a:buNone/>
+              <a:defRPr sz="4400" kern="1200">
+                <a:solidFill>
+                  <a:schemeClr val="tx1"/>
+                </a:solidFill>
+                <a:latin typeface="+mj-lt"/>
+                <a:ea typeface="+mj-ea"/>
+                <a:cs typeface="+mj-cs"/>
+              </a:defRPr>
+            </a:lvl1pPr>
+          </a:lstStyle>
+          <a:p>
+            <a:pPr>
               <a:lnSpc>
                 <a:spcPct val="100000"/>
               </a:lnSpc>
-              <a:buNone/>
               <a:tabLst>
                 <a:tab pos="0" algn="l"/>
               </a:tabLst>
             </a:pPr>
             <a:r>
-              <a:rPr lang="en" sz="3000" b="0" strike="noStrike" spc="-1">
+              <a:rPr lang="hu-HU" sz="3000" spc="-1" dirty="0">
                 <a:solidFill>
                   <a:schemeClr val="accent2"/>
                 </a:solidFill>
                 <a:latin typeface="Inter"/>
                 <a:ea typeface="Inter"/>
               </a:rPr>
-              <a:t>03</a:t>
-            </a:r>
-            <a:endParaRPr lang="fr-FR" sz="3000" b="0" strike="noStrike" spc="-1">
+              <a:t>3.1.5</a:t>
+            </a:r>
+            <a:endParaRPr lang="fr-FR" sz="3000" spc="-1" dirty="0">
               <a:solidFill>
                 <a:schemeClr val="dk1"/>
               </a:solidFill>
@@ -18805,42 +20171,21 @@
           </a:p>
         </p:txBody>
       </p:sp>
-      <p:pic>
-        <p:nvPicPr>
-          <p:cNvPr id="238" name="Google Shape;330;p35"/>
-          <p:cNvPicPr/>
-          <p:nvPr/>
-        </p:nvPicPr>
-        <p:blipFill>
-          <a:blip r:embed="rId2"/>
-          <a:srcRect t="923" b="923"/>
-          <a:stretch/>
-        </p:blipFill>
-        <p:spPr>
-          <a:xfrm>
-            <a:off x="528480" y="539640"/>
-            <a:ext cx="2760120" cy="4064040"/>
-          </a:xfrm>
-          <a:prstGeom prst="rect">
-            <a:avLst/>
-          </a:prstGeom>
-          <a:ln w="9525">
-            <a:solidFill>
-              <a:srgbClr val="FFFFFF"/>
-            </a:solidFill>
-            <a:round/>
-          </a:ln>
-        </p:spPr>
-      </p:pic>
       <p:cxnSp>
         <p:nvCxnSpPr>
-          <p:cNvPr id="239" name="Google Shape;331;p35"/>
+          <p:cNvPr id="9" name="Google Shape;331;p35">
+            <a:extLst>
+              <a:ext uri="{FF2B5EF4-FFF2-40B4-BE49-F238E27FC236}">
+                <a16:creationId xmlns:a16="http://schemas.microsoft.com/office/drawing/2014/main" id="{35B824AB-9126-B4DB-28B1-88297252CFCB}"/>
+              </a:ext>
+            </a:extLst>
+          </p:cNvPr>
           <p:cNvCxnSpPr/>
           <p:nvPr/>
         </p:nvCxnSpPr>
         <p:spPr>
           <a:xfrm>
-            <a:off x="4311720" y="2507760"/>
+            <a:off x="2702925" y="2571390"/>
             <a:ext cx="3869280" cy="360"/>
           </a:xfrm>
           <a:prstGeom prst="straightConnector1">
@@ -18855,6 +20200,11 @@
         </p:spPr>
       </p:cxnSp>
     </p:spTree>
+    <p:extLst>
+      <p:ext uri="{BB962C8B-B14F-4D97-AF65-F5344CB8AC3E}">
+        <p14:creationId xmlns:p14="http://schemas.microsoft.com/office/powerpoint/2010/main" val="1460760096"/>
+      </p:ext>
+    </p:extLst>
   </p:cSld>
   <p:clrMapOvr>
     <a:masterClrMapping/>
@@ -18862,12 +20212,18 @@
 </p:sld>
 </file>
 
-<file path=ppt/slides/slide21.xml><?xml version="1.0" encoding="utf-8"?>
+<file path=ppt/slides/slide26.xml><?xml version="1.0" encoding="utf-8"?>
 <p:sld xmlns:a="http://schemas.openxmlformats.org/drawingml/2006/main" xmlns:r="http://schemas.openxmlformats.org/officeDocument/2006/relationships" xmlns:p="http://schemas.openxmlformats.org/presentationml/2006/main">
   <p:cSld>
     <p:spTree>
       <p:nvGrpSpPr>
-        <p:cNvPr id="1" name=""/>
+        <p:cNvPr id="1" name="">
+          <a:extLst>
+            <a:ext uri="{FF2B5EF4-FFF2-40B4-BE49-F238E27FC236}">
+              <a16:creationId xmlns:a16="http://schemas.microsoft.com/office/drawing/2014/main" id="{FE1AD7E1-030A-EA30-0D31-055F2E2E30D4}"/>
+            </a:ext>
+          </a:extLst>
+        </p:cNvPr>
         <p:cNvGrpSpPr/>
         <p:nvPr/>
       </p:nvGrpSpPr>
@@ -18881,7 +20237,13 @@
       </p:grpSpPr>
       <p:sp>
         <p:nvSpPr>
-          <p:cNvPr id="256" name="PlaceHolder 1"/>
+          <p:cNvPr id="202" name="PlaceHolder 1">
+            <a:extLst>
+              <a:ext uri="{FF2B5EF4-FFF2-40B4-BE49-F238E27FC236}">
+                <a16:creationId xmlns:a16="http://schemas.microsoft.com/office/drawing/2014/main" id="{85F8E5B4-2F2B-C951-37E4-A98594340C11}"/>
+              </a:ext>
+            </a:extLst>
+          </p:cNvPr>
           <p:cNvSpPr>
             <a:spLocks noGrp="1"/>
           </p:cNvSpPr>
@@ -18892,7 +20254,7 @@
         <p:spPr>
           <a:xfrm>
             <a:off x="714240" y="752400"/>
-            <a:ext cx="4161960" cy="1018800"/>
+            <a:ext cx="6724713" cy="1018800"/>
           </a:xfrm>
           <a:prstGeom prst="rect">
             <a:avLst/>
@@ -18918,27 +20280,29 @@
               </a:tabLst>
             </a:pPr>
             <a:r>
-              <a:rPr lang="hu-HU" sz="3000" b="0" strike="noStrike" spc="-1" dirty="0">
-                <a:solidFill>
-                  <a:schemeClr val="dk1"/>
-                </a:solidFill>
+              <a:rPr lang="hu-HU" sz="3200" dirty="0">
                 <a:latin typeface="Inter"/>
-                <a:ea typeface="Inter"/>
-              </a:rPr>
-              <a:t>2.1.6 Beviteli mezők</a:t>
+              </a:rPr>
+              <a:t>3.1.5.1 Általános felépítés</a:t>
             </a:r>
             <a:endParaRPr lang="fr-FR" sz="3000" b="0" strike="noStrike" spc="-1" dirty="0">
               <a:solidFill>
                 <a:schemeClr val="dk1"/>
               </a:solidFill>
-              <a:latin typeface="Arial"/>
+              <a:latin typeface="Inter"/>
             </a:endParaRPr>
           </a:p>
         </p:txBody>
       </p:sp>
       <p:sp>
         <p:nvSpPr>
-          <p:cNvPr id="257" name="PlaceHolder 2"/>
+          <p:cNvPr id="203" name="PlaceHolder 2">
+            <a:extLst>
+              <a:ext uri="{FF2B5EF4-FFF2-40B4-BE49-F238E27FC236}">
+                <a16:creationId xmlns:a16="http://schemas.microsoft.com/office/drawing/2014/main" id="{A8E7199E-EEAE-E5FA-D4C6-9B1D29057988}"/>
+              </a:ext>
+            </a:extLst>
+          </p:cNvPr>
           <p:cNvSpPr>
             <a:spLocks noGrp="1"/>
           </p:cNvSpPr>
@@ -18948,8 +20312,8 @@
         </p:nvSpPr>
         <p:spPr>
           <a:xfrm>
-            <a:off x="714240" y="1914480"/>
-            <a:ext cx="4161960" cy="2104560"/>
+            <a:off x="714240" y="1914479"/>
+            <a:ext cx="5026542" cy="2565541"/>
           </a:xfrm>
           <a:prstGeom prst="rect">
             <a:avLst/>
@@ -18965,303 +20329,160 @@
           </a:bodyPr>
           <a:lstStyle/>
           <a:p>
-            <a:pPr marL="400050" indent="-171450">
-              <a:lnSpc>
-                <a:spcPct val="100000"/>
-              </a:lnSpc>
-              <a:tabLst>
-                <a:tab pos="0" algn="l"/>
-              </a:tabLst>
-            </a:pPr>
-            <a:r>
-              <a:rPr lang="hu-HU" sz="1200" b="0" strike="noStrike" spc="-1" dirty="0">
-                <a:solidFill>
-                  <a:schemeClr val="dk1"/>
-                </a:solidFill>
-                <a:latin typeface="Raleway"/>
-                <a:ea typeface="Raleway"/>
-              </a:rPr>
-              <a:t>Minden mező kötelező (pl. poszt szöveg)</a:t>
-            </a:r>
-          </a:p>
-          <a:p>
-            <a:pPr marL="400050" indent="-171450">
-              <a:lnSpc>
-                <a:spcPct val="100000"/>
-              </a:lnSpc>
-              <a:tabLst>
-                <a:tab pos="0" algn="l"/>
-              </a:tabLst>
-            </a:pPr>
-            <a:r>
-              <a:rPr lang="hu-HU" sz="1200" b="0" strike="noStrike" spc="-1" dirty="0">
-                <a:solidFill>
-                  <a:schemeClr val="dk1"/>
-                </a:solidFill>
-                <a:latin typeface="Raleway"/>
-                <a:ea typeface="Raleway"/>
-              </a:rPr>
-              <a:t>Hibaüzenet hiány esetén (pl. esemény dátum)</a:t>
-            </a:r>
-          </a:p>
-          <a:p>
-            <a:pPr marL="400050" indent="-171450">
-              <a:lnSpc>
-                <a:spcPct val="100000"/>
-              </a:lnSpc>
-              <a:tabLst>
-                <a:tab pos="0" algn="l"/>
-              </a:tabLst>
-            </a:pPr>
-            <a:r>
-              <a:rPr lang="hu-HU" sz="1200" b="0" strike="noStrike" spc="-1" dirty="0">
-                <a:solidFill>
-                  <a:schemeClr val="dk1"/>
-                </a:solidFill>
-                <a:latin typeface="Raleway"/>
-                <a:ea typeface="Raleway"/>
-              </a:rPr>
-              <a:t>Szavazás opciók automatikus felismerése</a:t>
-            </a:r>
-          </a:p>
-          <a:p>
-            <a:pPr marL="400050" indent="-171450">
-              <a:lnSpc>
-                <a:spcPct val="100000"/>
-              </a:lnSpc>
-              <a:tabLst>
-                <a:tab pos="0" algn="l"/>
-              </a:tabLst>
-            </a:pPr>
-            <a:r>
-              <a:rPr lang="hu-HU" sz="1200" b="0" strike="noStrike" spc="-1" dirty="0">
-                <a:solidFill>
-                  <a:schemeClr val="dk1"/>
-                </a:solidFill>
-                <a:latin typeface="Raleway"/>
-                <a:ea typeface="Raleway"/>
-              </a:rPr>
-              <a:t>Karakterlimit:</a:t>
-            </a:r>
-          </a:p>
-          <a:p>
-            <a:pPr marL="857250" lvl="1" indent="-171450">
-              <a:lnSpc>
-                <a:spcPct val="100000"/>
-              </a:lnSpc>
-              <a:tabLst>
-                <a:tab pos="0" algn="l"/>
-              </a:tabLst>
-            </a:pPr>
-            <a:r>
-              <a:rPr lang="hu-HU" sz="800" b="0" strike="noStrike" spc="-1" dirty="0">
-                <a:solidFill>
-                  <a:schemeClr val="dk1"/>
-                </a:solidFill>
-                <a:latin typeface="Raleway"/>
-                <a:ea typeface="Raleway"/>
-              </a:rPr>
-              <a:t>Szavazás opció: </a:t>
-            </a:r>
-            <a:r>
-              <a:rPr lang="hu-HU" sz="800" b="0" strike="noStrike" spc="-1" dirty="0" err="1">
-                <a:solidFill>
-                  <a:schemeClr val="dk1"/>
-                </a:solidFill>
-                <a:latin typeface="Raleway"/>
-                <a:ea typeface="Raleway"/>
-              </a:rPr>
-              <a:t>max</a:t>
-            </a:r>
-            <a:r>
-              <a:rPr lang="hu-HU" sz="800" b="0" strike="noStrike" spc="-1" dirty="0">
-                <a:solidFill>
-                  <a:schemeClr val="dk1"/>
-                </a:solidFill>
-                <a:latin typeface="Raleway"/>
-                <a:ea typeface="Raleway"/>
-              </a:rPr>
-              <a:t>. 26 karakter</a:t>
-            </a:r>
-          </a:p>
-          <a:p>
-            <a:pPr marL="857250" lvl="1" indent="-171450">
-              <a:lnSpc>
-                <a:spcPct val="100000"/>
-              </a:lnSpc>
-              <a:tabLst>
-                <a:tab pos="0" algn="l"/>
-              </a:tabLst>
-            </a:pPr>
-            <a:r>
-              <a:rPr lang="hu-HU" sz="800" b="0" strike="noStrike" spc="-1" dirty="0">
-                <a:solidFill>
-                  <a:schemeClr val="dk1"/>
-                </a:solidFill>
-                <a:latin typeface="Raleway"/>
-                <a:ea typeface="Raleway"/>
-              </a:rPr>
-              <a:t>Támogatja ékezetes karaktereket</a:t>
-            </a:r>
-          </a:p>
-          <a:p>
-            <a:pPr marL="857250" lvl="1" indent="-171450">
-              <a:lnSpc>
-                <a:spcPct val="100000"/>
-              </a:lnSpc>
-              <a:tabLst>
-                <a:tab pos="0" algn="l"/>
-              </a:tabLst>
-            </a:pPr>
-            <a:r>
-              <a:rPr lang="hu-HU" sz="800" b="0" strike="noStrike" spc="-1" dirty="0">
-                <a:solidFill>
-                  <a:schemeClr val="dk1"/>
-                </a:solidFill>
-                <a:latin typeface="Raleway"/>
-                <a:ea typeface="Raleway"/>
-              </a:rPr>
-              <a:t>Kis- és nagybetű nem megkülönböztetett</a:t>
-            </a:r>
-            <a:endParaRPr lang="en-US" sz="800" b="0" strike="noStrike" spc="-1" dirty="0">
-              <a:solidFill>
-                <a:srgbClr val="FFFFFF"/>
-              </a:solidFill>
-              <a:latin typeface="OpenSymbol"/>
+            <a:pPr algn="just"/>
+            <a:r>
+              <a:rPr lang="hu-HU" sz="1200" dirty="0">
+                <a:latin typeface="Raleway" pitchFamily="2" charset="-18"/>
+              </a:rPr>
+              <a:t>Adatbázis típusa:</a:t>
+            </a:r>
+          </a:p>
+          <a:p>
+            <a:pPr lvl="1" algn="just"/>
+            <a:r>
+              <a:rPr lang="hu-HU" sz="1000" dirty="0" err="1">
+                <a:latin typeface="Raleway" pitchFamily="2" charset="-18"/>
+              </a:rPr>
+              <a:t>MySQL</a:t>
+            </a:r>
+            <a:r>
+              <a:rPr lang="hu-HU" sz="1000" dirty="0">
+                <a:latin typeface="Raleway" pitchFamily="2" charset="-18"/>
+              </a:rPr>
+              <a:t> – relációs adatbázis, </a:t>
+            </a:r>
+            <a:r>
+              <a:rPr lang="hu-HU" sz="1000" dirty="0" err="1">
+                <a:latin typeface="Raleway" pitchFamily="2" charset="-18"/>
+              </a:rPr>
+              <a:t>phpMyAdmin-on</a:t>
+            </a:r>
+            <a:r>
+              <a:rPr lang="hu-HU" sz="1000" dirty="0">
+                <a:latin typeface="Raleway" pitchFamily="2" charset="-18"/>
+              </a:rPr>
+              <a:t> keresztül kezelve</a:t>
+            </a:r>
+          </a:p>
+          <a:p>
+            <a:pPr algn="just"/>
+            <a:r>
+              <a:rPr lang="hu-HU" sz="1200" dirty="0">
+                <a:latin typeface="Raleway" pitchFamily="2" charset="-18"/>
+              </a:rPr>
+              <a:t>Főbb entitások (táblák):</a:t>
+            </a:r>
+          </a:p>
+          <a:p>
+            <a:pPr lvl="1" algn="just"/>
+            <a:r>
+              <a:rPr lang="hu-HU" sz="1000" dirty="0" err="1">
+                <a:latin typeface="Raleway" pitchFamily="2" charset="-18"/>
+              </a:rPr>
+              <a:t>user</a:t>
+            </a:r>
+            <a:r>
+              <a:rPr lang="hu-HU" sz="1000" dirty="0">
+                <a:latin typeface="Raleway" pitchFamily="2" charset="-18"/>
+              </a:rPr>
+              <a:t> – felhasználói adatok</a:t>
+            </a:r>
+          </a:p>
+          <a:p>
+            <a:pPr lvl="1" algn="just"/>
+            <a:r>
+              <a:rPr lang="hu-HU" sz="1000" dirty="0" err="1">
+                <a:latin typeface="Raleway" pitchFamily="2" charset="-18"/>
+              </a:rPr>
+              <a:t>dok</a:t>
+            </a:r>
+            <a:r>
+              <a:rPr lang="hu-HU" sz="1000" dirty="0">
+                <a:latin typeface="Raleway" pitchFamily="2" charset="-18"/>
+              </a:rPr>
+              <a:t> – bejegyzések és azok tulajdonságai</a:t>
+            </a:r>
+          </a:p>
+          <a:p>
+            <a:pPr lvl="1" algn="just"/>
+            <a:r>
+              <a:rPr lang="hu-HU" sz="1000" dirty="0" err="1">
+                <a:latin typeface="Raleway" pitchFamily="2" charset="-18"/>
+              </a:rPr>
+              <a:t>votelog</a:t>
+            </a:r>
+            <a:r>
+              <a:rPr lang="hu-HU" sz="1000" dirty="0">
+                <a:latin typeface="Raleway" pitchFamily="2" charset="-18"/>
+              </a:rPr>
+              <a:t> – szavazatok tárolása</a:t>
+            </a:r>
+          </a:p>
+          <a:p>
+            <a:pPr algn="just"/>
+            <a:r>
+              <a:rPr lang="hu-HU" sz="1200" dirty="0">
+                <a:latin typeface="Raleway" pitchFamily="2" charset="-18"/>
+              </a:rPr>
+              <a:t>Kapcsolatok:</a:t>
+            </a:r>
+          </a:p>
+          <a:p>
+            <a:pPr lvl="1" algn="just"/>
+            <a:r>
+              <a:rPr lang="hu-HU" sz="1000" dirty="0" err="1">
+                <a:latin typeface="Raleway" pitchFamily="2" charset="-18"/>
+              </a:rPr>
+              <a:t>votelog</a:t>
+            </a:r>
+            <a:r>
+              <a:rPr lang="hu-HU" sz="1000" dirty="0">
+                <a:latin typeface="Raleway" pitchFamily="2" charset="-18"/>
+              </a:rPr>
+              <a:t> -&gt; </a:t>
+            </a:r>
+            <a:r>
+              <a:rPr lang="hu-HU" sz="1000" dirty="0" err="1">
+                <a:latin typeface="Raleway" pitchFamily="2" charset="-18"/>
+              </a:rPr>
+              <a:t>dok</a:t>
+            </a:r>
+            <a:endParaRPr lang="hu-HU" sz="1000" dirty="0">
+              <a:latin typeface="Raleway" pitchFamily="2" charset="-18"/>
+            </a:endParaRPr>
+          </a:p>
+          <a:p>
+            <a:pPr lvl="1" algn="just"/>
+            <a:r>
+              <a:rPr lang="hu-HU" sz="1000" dirty="0" err="1">
+                <a:latin typeface="Raleway" pitchFamily="2" charset="-18"/>
+              </a:rPr>
+              <a:t>user</a:t>
+            </a:r>
+            <a:r>
+              <a:rPr lang="hu-HU" sz="1000" dirty="0">
+                <a:latin typeface="Raleway" pitchFamily="2" charset="-18"/>
+              </a:rPr>
+              <a:t> -&gt; </a:t>
+            </a:r>
+            <a:r>
+              <a:rPr lang="hu-HU" sz="1000" dirty="0" err="1">
+                <a:latin typeface="Raleway" pitchFamily="2" charset="-18"/>
+              </a:rPr>
+              <a:t>dok</a:t>
+            </a:r>
+            <a:endParaRPr lang="hu-HU" sz="1000" dirty="0">
+              <a:latin typeface="Raleway" pitchFamily="2" charset="-18"/>
             </a:endParaRPr>
           </a:p>
         </p:txBody>
       </p:sp>
-      <p:grpSp>
-        <p:nvGrpSpPr>
-          <p:cNvPr id="259" name="Google Shape;321;p34"/>
-          <p:cNvGrpSpPr/>
-          <p:nvPr/>
-        </p:nvGrpSpPr>
-        <p:grpSpPr>
-          <a:xfrm>
-            <a:off x="4878360" y="663480"/>
-            <a:ext cx="600120" cy="226800"/>
-            <a:chOff x="4878360" y="663480"/>
-            <a:chExt cx="600120" cy="226800"/>
-          </a:xfrm>
-        </p:grpSpPr>
-        <p:sp>
-          <p:nvSpPr>
-            <p:cNvPr id="260" name="Google Shape;322;p34"/>
-            <p:cNvSpPr/>
-            <p:nvPr/>
-          </p:nvSpPr>
-          <p:spPr>
-            <a:xfrm>
-              <a:off x="4878360" y="663480"/>
-              <a:ext cx="226800" cy="226800"/>
-            </a:xfrm>
-            <a:prstGeom prst="rect">
-              <a:avLst/>
-            </a:prstGeom>
-            <a:noFill/>
-            <a:ln w="9525">
-              <a:solidFill>
-                <a:srgbClr val="FFFFFF"/>
-              </a:solidFill>
-              <a:round/>
-            </a:ln>
-          </p:spPr>
-          <p:style>
-            <a:lnRef idx="0">
-              <a:scrgbClr r="0" g="0" b="0"/>
-            </a:lnRef>
-            <a:fillRef idx="0">
-              <a:scrgbClr r="0" g="0" b="0"/>
-            </a:fillRef>
-            <a:effectRef idx="0">
-              <a:scrgbClr r="0" g="0" b="0"/>
-            </a:effectRef>
-            <a:fontRef idx="minor"/>
-          </p:style>
-          <p:txBody>
-            <a:bodyPr tIns="91440" bIns="91440" anchor="ctr">
-              <a:noAutofit/>
-            </a:bodyPr>
-            <a:lstStyle/>
-            <a:p>
-              <a:pPr algn="ctr" defTabSz="914400">
-                <a:lnSpc>
-                  <a:spcPct val="100000"/>
-                </a:lnSpc>
-                <a:tabLst>
-                  <a:tab pos="0" algn="l"/>
-                </a:tabLst>
-              </a:pPr>
-              <a:endParaRPr lang="en-US" sz="1800" b="0" strike="noStrike" spc="-1">
-                <a:solidFill>
-                  <a:srgbClr val="FFFFFF"/>
-                </a:solidFill>
-                <a:latin typeface="OpenSymbol"/>
-              </a:endParaRPr>
-            </a:p>
-          </p:txBody>
-        </p:sp>
-        <p:sp>
-          <p:nvSpPr>
-            <p:cNvPr id="261" name="Google Shape;323;p34"/>
-            <p:cNvSpPr/>
-            <p:nvPr/>
-          </p:nvSpPr>
-          <p:spPr>
-            <a:xfrm>
-              <a:off x="5251680" y="663480"/>
-              <a:ext cx="226800" cy="226800"/>
-            </a:xfrm>
-            <a:prstGeom prst="rect">
-              <a:avLst/>
-            </a:prstGeom>
-            <a:noFill/>
-            <a:ln w="9525">
-              <a:solidFill>
-                <a:srgbClr val="FFFFFF"/>
-              </a:solidFill>
-              <a:round/>
-            </a:ln>
-          </p:spPr>
-          <p:style>
-            <a:lnRef idx="0">
-              <a:scrgbClr r="0" g="0" b="0"/>
-            </a:lnRef>
-            <a:fillRef idx="0">
-              <a:scrgbClr r="0" g="0" b="0"/>
-            </a:fillRef>
-            <a:effectRef idx="0">
-              <a:scrgbClr r="0" g="0" b="0"/>
-            </a:effectRef>
-            <a:fontRef idx="minor"/>
-          </p:style>
-          <p:txBody>
-            <a:bodyPr tIns="91440" bIns="91440" anchor="ctr">
-              <a:noAutofit/>
-            </a:bodyPr>
-            <a:lstStyle/>
-            <a:p>
-              <a:pPr algn="ctr" defTabSz="914400">
-                <a:lnSpc>
-                  <a:spcPct val="100000"/>
-                </a:lnSpc>
-                <a:tabLst>
-                  <a:tab pos="0" algn="l"/>
-                </a:tabLst>
-              </a:pPr>
-              <a:endParaRPr lang="en-US" sz="1800" b="0" strike="noStrike" spc="-1">
-                <a:solidFill>
-                  <a:srgbClr val="FFFFFF"/>
-                </a:solidFill>
-                <a:latin typeface="OpenSymbol"/>
-              </a:endParaRPr>
-            </a:p>
-          </p:txBody>
-        </p:sp>
-      </p:grpSp>
     </p:spTree>
+    <p:extLst>
+      <p:ext uri="{BB962C8B-B14F-4D97-AF65-F5344CB8AC3E}">
+        <p14:creationId xmlns:p14="http://schemas.microsoft.com/office/powerpoint/2010/main" val="2834583451"/>
+      </p:ext>
+    </p:extLst>
   </p:cSld>
   <p:clrMapOvr>
     <a:masterClrMapping/>
@@ -19269,12 +20490,18 @@
 </p:sld>
 </file>
 
-<file path=ppt/slides/slide22.xml><?xml version="1.0" encoding="utf-8"?>
+<file path=ppt/slides/slide27.xml><?xml version="1.0" encoding="utf-8"?>
 <p:sld xmlns:a="http://schemas.openxmlformats.org/drawingml/2006/main" xmlns:r="http://schemas.openxmlformats.org/officeDocument/2006/relationships" xmlns:p="http://schemas.openxmlformats.org/presentationml/2006/main">
   <p:cSld>
     <p:spTree>
       <p:nvGrpSpPr>
-        <p:cNvPr id="1" name=""/>
+        <p:cNvPr id="1" name="">
+          <a:extLst>
+            <a:ext uri="{FF2B5EF4-FFF2-40B4-BE49-F238E27FC236}">
+              <a16:creationId xmlns:a16="http://schemas.microsoft.com/office/drawing/2014/main" id="{646B15BB-1F17-9301-4231-F1963AB5D303}"/>
+            </a:ext>
+          </a:extLst>
+        </p:cNvPr>
         <p:cNvGrpSpPr/>
         <p:nvPr/>
       </p:nvGrpSpPr>
@@ -19288,7 +20515,13 @@
       </p:grpSpPr>
       <p:sp>
         <p:nvSpPr>
-          <p:cNvPr id="250" name="PlaceHolder 1"/>
+          <p:cNvPr id="202" name="PlaceHolder 1">
+            <a:extLst>
+              <a:ext uri="{FF2B5EF4-FFF2-40B4-BE49-F238E27FC236}">
+                <a16:creationId xmlns:a16="http://schemas.microsoft.com/office/drawing/2014/main" id="{3FACCF54-A164-D88E-1C19-323D51F57668}"/>
+              </a:ext>
+            </a:extLst>
+          </p:cNvPr>
           <p:cNvSpPr>
             <a:spLocks noGrp="1"/>
           </p:cNvSpPr>
@@ -19298,8 +20531,67 @@
         </p:nvSpPr>
         <p:spPr>
           <a:xfrm>
-            <a:off x="4219560" y="2666880"/>
-            <a:ext cx="3933360" cy="923400"/>
+            <a:off x="714240" y="752400"/>
+            <a:ext cx="6724713" cy="1018800"/>
+          </a:xfrm>
+          <a:prstGeom prst="rect">
+            <a:avLst/>
+          </a:prstGeom>
+          <a:noFill/>
+          <a:ln w="0">
+            <a:noFill/>
+          </a:ln>
+        </p:spPr>
+        <p:txBody>
+          <a:bodyPr lIns="91440" tIns="91440" rIns="91440" bIns="91440" anchor="b">
+            <a:noAutofit/>
+          </a:bodyPr>
+          <a:lstStyle/>
+          <a:p>
+            <a:pPr indent="0">
+              <a:lnSpc>
+                <a:spcPct val="100000"/>
+              </a:lnSpc>
+              <a:buNone/>
+              <a:tabLst>
+                <a:tab pos="0" algn="l"/>
+              </a:tabLst>
+            </a:pPr>
+            <a:r>
+              <a:rPr lang="hu-HU" sz="3200" dirty="0">
+                <a:latin typeface="Inter"/>
+              </a:rPr>
+              <a:t>3.1.5.2 Táblák mezői</a:t>
+            </a:r>
+            <a:endParaRPr lang="fr-FR" sz="3000" b="0" strike="noStrike" spc="-1" dirty="0">
+              <a:solidFill>
+                <a:schemeClr val="dk1"/>
+              </a:solidFill>
+              <a:latin typeface="Inter"/>
+            </a:endParaRPr>
+          </a:p>
+        </p:txBody>
+      </p:sp>
+      <p:sp>
+        <p:nvSpPr>
+          <p:cNvPr id="203" name="PlaceHolder 2">
+            <a:extLst>
+              <a:ext uri="{FF2B5EF4-FFF2-40B4-BE49-F238E27FC236}">
+                <a16:creationId xmlns:a16="http://schemas.microsoft.com/office/drawing/2014/main" id="{4B962DCC-F923-A325-9CFA-7B394910E28E}"/>
+              </a:ext>
+            </a:extLst>
+          </p:cNvPr>
+          <p:cNvSpPr>
+            <a:spLocks noGrp="1"/>
+          </p:cNvSpPr>
+          <p:nvPr>
+            <p:ph type="subTitle"/>
+          </p:nvPr>
+        </p:nvSpPr>
+        <p:spPr>
+          <a:xfrm>
+            <a:off x="714240" y="2332024"/>
+            <a:ext cx="5026542" cy="1908270"/>
           </a:xfrm>
           <a:prstGeom prst="rect">
             <a:avLst/>
@@ -19315,48 +20607,85 @@
           </a:bodyPr>
           <a:lstStyle/>
           <a:p>
-            <a:pPr indent="0">
-              <a:lnSpc>
-                <a:spcPct val="100000"/>
-              </a:lnSpc>
-              <a:buNone/>
-              <a:tabLst>
-                <a:tab pos="0" algn="l"/>
-              </a:tabLst>
-            </a:pPr>
-            <a:r>
-              <a:rPr lang="en" sz="4800" b="0" strike="noStrike" spc="-1">
-                <a:solidFill>
-                  <a:schemeClr val="dk1"/>
-                </a:solidFill>
-                <a:latin typeface="Inter"/>
-                <a:ea typeface="Inter"/>
-              </a:rPr>
-              <a:t>Esemény fül</a:t>
-            </a:r>
-            <a:endParaRPr lang="fr-FR" sz="4800" b="0" strike="noStrike" spc="-1">
-              <a:solidFill>
-                <a:schemeClr val="dk1"/>
-              </a:solidFill>
-              <a:latin typeface="Arial"/>
-            </a:endParaRPr>
+            <a:pPr algn="just"/>
+            <a:r>
+              <a:rPr lang="hu-HU" sz="1200" dirty="0" err="1">
+                <a:latin typeface="Raleway" pitchFamily="2" charset="-18"/>
+              </a:rPr>
+              <a:t>uid</a:t>
+            </a:r>
+            <a:r>
+              <a:rPr lang="hu-HU" sz="1200" dirty="0">
+                <a:latin typeface="Raleway" pitchFamily="2" charset="-18"/>
+              </a:rPr>
+              <a:t> – egyedi azonosító</a:t>
+            </a:r>
+          </a:p>
+          <a:p>
+            <a:pPr algn="just"/>
+            <a:r>
+              <a:rPr lang="hu-HU" sz="1200" dirty="0" err="1">
+                <a:latin typeface="Raleway" pitchFamily="2" charset="-18"/>
+              </a:rPr>
+              <a:t>unick</a:t>
+            </a:r>
+            <a:r>
+              <a:rPr lang="hu-HU" sz="1200" dirty="0">
+                <a:latin typeface="Raleway" pitchFamily="2" charset="-18"/>
+              </a:rPr>
+              <a:t> – felhasználónév</a:t>
+            </a:r>
+          </a:p>
+          <a:p>
+            <a:pPr algn="just"/>
+            <a:r>
+              <a:rPr lang="hu-HU" sz="1200" dirty="0" err="1">
+                <a:latin typeface="Raleway" pitchFamily="2" charset="-18"/>
+              </a:rPr>
+              <a:t>uprofkepnev</a:t>
+            </a:r>
+            <a:r>
+              <a:rPr lang="hu-HU" sz="1200" dirty="0">
+                <a:latin typeface="Raleway" pitchFamily="2" charset="-18"/>
+              </a:rPr>
+              <a:t> – a profilkép elmentett neve</a:t>
+            </a:r>
+          </a:p>
+          <a:p>
+            <a:pPr algn="just"/>
+            <a:r>
+              <a:rPr lang="hu-HU" sz="1200" dirty="0" err="1">
+                <a:latin typeface="Raleway" pitchFamily="2" charset="-18"/>
+              </a:rPr>
+              <a:t>ustatusz</a:t>
+            </a:r>
+            <a:r>
+              <a:rPr lang="hu-HU" sz="1200" dirty="0">
+                <a:latin typeface="Raleway" pitchFamily="2" charset="-18"/>
+              </a:rPr>
+              <a:t> – jogosultságok</a:t>
+            </a:r>
           </a:p>
         </p:txBody>
       </p:sp>
       <p:sp>
         <p:nvSpPr>
-          <p:cNvPr id="251" name="PlaceHolder 2"/>
-          <p:cNvSpPr>
-            <a:spLocks noGrp="1"/>
+          <p:cNvPr id="4" name="PlaceHolder 1">
+            <a:extLst>
+              <a:ext uri="{FF2B5EF4-FFF2-40B4-BE49-F238E27FC236}">
+                <a16:creationId xmlns:a16="http://schemas.microsoft.com/office/drawing/2014/main" id="{B5FB7C78-6207-C6F9-9EB3-C813B32D5D97}"/>
+              </a:ext>
+            </a:extLst>
+          </p:cNvPr>
+          <p:cNvSpPr txBox="1">
+            <a:spLocks/>
           </p:cNvSpPr>
-          <p:nvPr>
-            <p:ph type="title"/>
-          </p:nvPr>
+          <p:nvPr/>
         </p:nvSpPr>
         <p:spPr>
           <a:xfrm>
-            <a:off x="4219560" y="1704960"/>
-            <a:ext cx="1238040" cy="647280"/>
+            <a:off x="714241" y="1888078"/>
+            <a:ext cx="3857759" cy="379281"/>
           </a:xfrm>
           <a:prstGeom prst="rect">
             <a:avLst/>
@@ -19368,61 +20697,80 @@
         </p:spPr>
         <p:txBody>
           <a:bodyPr lIns="91440" tIns="91440" rIns="91440" bIns="91440" anchor="b">
-            <a:normAutofit/>
+            <a:noAutofit/>
           </a:bodyPr>
-          <a:lstStyle/>
-          <a:p>
-            <a:pPr indent="0">
+          <a:lstStyle>
+            <a:lvl1pPr algn="l" defTabSz="914400" rtl="0" eaLnBrk="1" latinLnBrk="0" hangingPunct="1">
               <a:lnSpc>
-                <a:spcPct val="100000"/>
+                <a:spcPct val="90000"/>
               </a:lnSpc>
+              <a:spcBef>
+                <a:spcPct val="0"/>
+              </a:spcBef>
               <a:buNone/>
-              <a:tabLst>
-                <a:tab pos="0" algn="l"/>
-              </a:tabLst>
-            </a:pPr>
-            <a:r>
-              <a:rPr lang="en" sz="3000" b="0" strike="noStrike" spc="-1">
+              <a:defRPr sz="4400" kern="1200">
                 <a:solidFill>
-                  <a:schemeClr val="accent2"/>
+                  <a:schemeClr val="tx1"/>
                 </a:solidFill>
+                <a:latin typeface="+mj-lt"/>
+                <a:ea typeface="+mj-ea"/>
+                <a:cs typeface="+mj-cs"/>
+              </a:defRPr>
+            </a:lvl1pPr>
+          </a:lstStyle>
+          <a:p>
+            <a:pPr algn="ctr"/>
+            <a:r>
+              <a:rPr lang="hu-HU" sz="1600" u="sng" dirty="0" err="1">
                 <a:latin typeface="Inter"/>
-                <a:ea typeface="Inter"/>
-              </a:rPr>
-              <a:t>04</a:t>
-            </a:r>
-            <a:endParaRPr lang="fr-FR" sz="3000" b="0" strike="noStrike" spc="-1">
-              <a:solidFill>
-                <a:schemeClr val="dk1"/>
-              </a:solidFill>
-              <a:latin typeface="Arial"/>
-            </a:endParaRPr>
+              </a:rPr>
+              <a:t>user</a:t>
+            </a:r>
+            <a:r>
+              <a:rPr lang="hu-HU" sz="1600" u="sng" dirty="0">
+                <a:latin typeface="Inter"/>
+              </a:rPr>
+              <a:t> (felhasznált részei)</a:t>
+            </a:r>
           </a:p>
         </p:txBody>
       </p:sp>
-      <p:cxnSp>
-        <p:nvCxnSpPr>
-          <p:cNvPr id="253" name="Google Shape;331;p35"/>
-          <p:cNvCxnSpPr/>
+      <p:pic>
+        <p:nvPicPr>
+          <p:cNvPr id="6" name="Kép 5">
+            <a:extLst>
+              <a:ext uri="{FF2B5EF4-FFF2-40B4-BE49-F238E27FC236}">
+                <a16:creationId xmlns:a16="http://schemas.microsoft.com/office/drawing/2014/main" id="{B1C22D76-3D43-B933-6A97-7DEF15095D91}"/>
+              </a:ext>
+            </a:extLst>
+          </p:cNvPr>
+          <p:cNvPicPr>
+            <a:picLocks noChangeAspect="1"/>
+          </p:cNvPicPr>
           <p:nvPr/>
-        </p:nvCxnSpPr>
+        </p:nvPicPr>
+        <p:blipFill>
+          <a:blip r:embed="rId2"/>
+          <a:stretch>
+            <a:fillRect/>
+          </a:stretch>
+        </p:blipFill>
         <p:spPr>
           <a:xfrm>
-            <a:off x="4311720" y="2507760"/>
-            <a:ext cx="3869280" cy="360"/>
+            <a:off x="1746299" y="3588564"/>
+            <a:ext cx="2461318" cy="1303459"/>
           </a:xfrm>
-          <a:prstGeom prst="straightConnector1">
+          <a:prstGeom prst="rect">
             <a:avLst/>
           </a:prstGeom>
-          <a:ln w="9525">
-            <a:solidFill>
-              <a:srgbClr val="FFFFFF"/>
-            </a:solidFill>
-            <a:round/>
-          </a:ln>
         </p:spPr>
-      </p:cxnSp>
+      </p:pic>
     </p:spTree>
+    <p:extLst>
+      <p:ext uri="{BB962C8B-B14F-4D97-AF65-F5344CB8AC3E}">
+        <p14:creationId xmlns:p14="http://schemas.microsoft.com/office/powerpoint/2010/main" val="4093878661"/>
+      </p:ext>
+    </p:extLst>
   </p:cSld>
   <p:clrMapOvr>
     <a:masterClrMapping/>
@@ -19430,12 +20778,18 @@
 </p:sld>
 </file>
 
-<file path=ppt/slides/slide23.xml><?xml version="1.0" encoding="utf-8"?>
+<file path=ppt/slides/slide28.xml><?xml version="1.0" encoding="utf-8"?>
 <p:sld xmlns:a="http://schemas.openxmlformats.org/drawingml/2006/main" xmlns:r="http://schemas.openxmlformats.org/officeDocument/2006/relationships" xmlns:p="http://schemas.openxmlformats.org/presentationml/2006/main">
   <p:cSld>
     <p:spTree>
       <p:nvGrpSpPr>
-        <p:cNvPr id="1" name=""/>
+        <p:cNvPr id="1" name="">
+          <a:extLst>
+            <a:ext uri="{FF2B5EF4-FFF2-40B4-BE49-F238E27FC236}">
+              <a16:creationId xmlns:a16="http://schemas.microsoft.com/office/drawing/2014/main" id="{2BC7FF1D-9EBA-DD13-21B0-4C035A414C31}"/>
+            </a:ext>
+          </a:extLst>
+        </p:cNvPr>
         <p:cNvGrpSpPr/>
         <p:nvPr/>
       </p:nvGrpSpPr>
@@ -19449,7 +20803,13 @@
       </p:grpSpPr>
       <p:sp>
         <p:nvSpPr>
-          <p:cNvPr id="264" name="PlaceHolder 1"/>
+          <p:cNvPr id="202" name="PlaceHolder 1">
+            <a:extLst>
+              <a:ext uri="{FF2B5EF4-FFF2-40B4-BE49-F238E27FC236}">
+                <a16:creationId xmlns:a16="http://schemas.microsoft.com/office/drawing/2014/main" id="{55999F76-4628-740A-8E40-A4A3D82DF4B4}"/>
+              </a:ext>
+            </a:extLst>
+          </p:cNvPr>
           <p:cNvSpPr>
             <a:spLocks noGrp="1"/>
           </p:cNvSpPr>
@@ -19459,8 +20819,8 @@
         </p:nvSpPr>
         <p:spPr>
           <a:xfrm>
-            <a:off x="714240" y="752400"/>
-            <a:ext cx="4161960" cy="1018800"/>
+            <a:off x="714240" y="735645"/>
+            <a:ext cx="3857760" cy="485958"/>
           </a:xfrm>
           <a:prstGeom prst="rect">
             <a:avLst/>
@@ -19472,31 +20832,32 @@
         </p:spPr>
         <p:txBody>
           <a:bodyPr lIns="91440" tIns="91440" rIns="91440" bIns="91440" anchor="b">
-            <a:normAutofit/>
+            <a:noAutofit/>
           </a:bodyPr>
           <a:lstStyle/>
           <a:p>
-            <a:pPr indent="0">
-              <a:lnSpc>
-                <a:spcPct val="100000"/>
-              </a:lnSpc>
-              <a:buNone/>
-              <a:tabLst>
-                <a:tab pos="0" algn="l"/>
-              </a:tabLst>
-            </a:pPr>
-            <a:endParaRPr lang="fr-FR" sz="3000" b="0" strike="noStrike" spc="-1" dirty="0">
-              <a:solidFill>
-                <a:schemeClr val="dk1"/>
-              </a:solidFill>
-              <a:latin typeface="Arial"/>
+            <a:pPr algn="ctr"/>
+            <a:r>
+              <a:rPr lang="hu-HU" sz="1600" u="sng" dirty="0" err="1">
+                <a:latin typeface="Inter"/>
+              </a:rPr>
+              <a:t>dok</a:t>
+            </a:r>
+            <a:endParaRPr lang="hu-HU" sz="1600" u="sng" dirty="0">
+              <a:latin typeface="Inter"/>
             </a:endParaRPr>
           </a:p>
         </p:txBody>
       </p:sp>
       <p:sp>
         <p:nvSpPr>
-          <p:cNvPr id="265" name="PlaceHolder 2"/>
+          <p:cNvPr id="203" name="PlaceHolder 2">
+            <a:extLst>
+              <a:ext uri="{FF2B5EF4-FFF2-40B4-BE49-F238E27FC236}">
+                <a16:creationId xmlns:a16="http://schemas.microsoft.com/office/drawing/2014/main" id="{279FEC26-3C10-D365-0F0F-E8C1D3A9BC86}"/>
+              </a:ext>
+            </a:extLst>
+          </p:cNvPr>
           <p:cNvSpPr>
             <a:spLocks noGrp="1"/>
           </p:cNvSpPr>
@@ -19506,8 +20867,352 @@
         </p:nvSpPr>
         <p:spPr>
           <a:xfrm>
-            <a:off x="714240" y="1914480"/>
-            <a:ext cx="4161960" cy="2104560"/>
+            <a:off x="714240" y="1292535"/>
+            <a:ext cx="5026542" cy="2947759"/>
+          </a:xfrm>
+          <a:prstGeom prst="rect">
+            <a:avLst/>
+          </a:prstGeom>
+          <a:noFill/>
+          <a:ln w="0">
+            <a:noFill/>
+          </a:ln>
+        </p:spPr>
+        <p:txBody>
+          <a:bodyPr lIns="91440" tIns="91440" rIns="91440" bIns="91440" anchor="t">
+            <a:noAutofit/>
+          </a:bodyPr>
+          <a:lstStyle/>
+          <a:p>
+            <a:pPr algn="just"/>
+            <a:r>
+              <a:rPr lang="hu-HU" sz="1200" dirty="0" err="1">
+                <a:latin typeface="Raleway" pitchFamily="2" charset="-18"/>
+              </a:rPr>
+              <a:t>did</a:t>
+            </a:r>
+            <a:r>
+              <a:rPr lang="hu-HU" sz="1200" dirty="0">
+                <a:latin typeface="Raleway" pitchFamily="2" charset="-18"/>
+              </a:rPr>
+              <a:t> – </a:t>
+            </a:r>
+            <a:r>
+              <a:rPr lang="hu-HU" sz="1200" dirty="0" err="1">
+                <a:latin typeface="Raleway" pitchFamily="2" charset="-18"/>
+              </a:rPr>
+              <a:t>primary</a:t>
+            </a:r>
+            <a:r>
+              <a:rPr lang="hu-HU" sz="1200" dirty="0">
+                <a:latin typeface="Raleway" pitchFamily="2" charset="-18"/>
+              </a:rPr>
+              <a:t> </a:t>
+            </a:r>
+            <a:r>
+              <a:rPr lang="hu-HU" sz="1200" dirty="0" err="1">
+                <a:latin typeface="Raleway" pitchFamily="2" charset="-18"/>
+              </a:rPr>
+              <a:t>key</a:t>
+            </a:r>
+            <a:endParaRPr lang="hu-HU" sz="1200" dirty="0">
+              <a:latin typeface="Raleway" pitchFamily="2" charset="-18"/>
+            </a:endParaRPr>
+          </a:p>
+          <a:p>
+            <a:pPr algn="just"/>
+            <a:r>
+              <a:rPr lang="hu-HU" sz="1200" dirty="0" err="1">
+                <a:latin typeface="Raleway" pitchFamily="2" charset="-18"/>
+              </a:rPr>
+              <a:t>dpostid</a:t>
+            </a:r>
+            <a:r>
+              <a:rPr lang="hu-HU" sz="1200" dirty="0">
+                <a:latin typeface="Raleway" pitchFamily="2" charset="-18"/>
+              </a:rPr>
+              <a:t> – bejegyzési azonosító</a:t>
+            </a:r>
+          </a:p>
+          <a:p>
+            <a:pPr algn="just"/>
+            <a:r>
+              <a:rPr lang="hu-HU" sz="1200" dirty="0" err="1">
+                <a:latin typeface="Raleway" pitchFamily="2" charset="-18"/>
+              </a:rPr>
+              <a:t>dtextid</a:t>
+            </a:r>
+            <a:r>
+              <a:rPr lang="hu-HU" sz="1200" dirty="0">
+                <a:latin typeface="Raleway" pitchFamily="2" charset="-18"/>
+              </a:rPr>
+              <a:t> – x bejegyzéshez tartozó komment azonosító</a:t>
+            </a:r>
+          </a:p>
+          <a:p>
+            <a:pPr algn="just"/>
+            <a:r>
+              <a:rPr lang="hu-HU" sz="1200" dirty="0" err="1">
+                <a:latin typeface="Raleway" pitchFamily="2" charset="-18"/>
+              </a:rPr>
+              <a:t>dtext</a:t>
+            </a:r>
+            <a:r>
+              <a:rPr lang="hu-HU" sz="1200" dirty="0">
+                <a:latin typeface="Raleway" pitchFamily="2" charset="-18"/>
+              </a:rPr>
+              <a:t> – begépelt szöveg</a:t>
+            </a:r>
+          </a:p>
+          <a:p>
+            <a:pPr algn="just"/>
+            <a:r>
+              <a:rPr lang="hu-HU" sz="1200" dirty="0" err="1">
+                <a:latin typeface="Raleway" pitchFamily="2" charset="-18"/>
+              </a:rPr>
+              <a:t>dfile</a:t>
+            </a:r>
+            <a:r>
+              <a:rPr lang="hu-HU" sz="1200" dirty="0">
+                <a:latin typeface="Raleway" pitchFamily="2" charset="-18"/>
+              </a:rPr>
+              <a:t> – feltöltött fájl tárolt neve(i)</a:t>
+            </a:r>
+          </a:p>
+          <a:p>
+            <a:pPr algn="just"/>
+            <a:r>
+              <a:rPr lang="hu-HU" sz="1200" dirty="0" err="1">
+                <a:latin typeface="Raleway" pitchFamily="2" charset="-18"/>
+              </a:rPr>
+              <a:t>dvote</a:t>
+            </a:r>
+            <a:r>
+              <a:rPr lang="hu-HU" sz="1200" dirty="0">
+                <a:latin typeface="Raleway" pitchFamily="2" charset="-18"/>
+              </a:rPr>
+              <a:t> – szavazati lehetőségek</a:t>
+            </a:r>
+          </a:p>
+          <a:p>
+            <a:pPr algn="just"/>
+            <a:r>
+              <a:rPr lang="hu-HU" sz="1200" dirty="0" err="1">
+                <a:latin typeface="Raleway" pitchFamily="2" charset="-18"/>
+              </a:rPr>
+              <a:t>devent</a:t>
+            </a:r>
+            <a:r>
+              <a:rPr lang="hu-HU" sz="1200" dirty="0">
+                <a:latin typeface="Raleway" pitchFamily="2" charset="-18"/>
+              </a:rPr>
+              <a:t> – „</a:t>
+            </a:r>
+            <a:r>
+              <a:rPr lang="hu-HU" sz="1200" dirty="0" err="1">
+                <a:latin typeface="Raleway" pitchFamily="2" charset="-18"/>
+              </a:rPr>
+              <a:t>boolean</a:t>
+            </a:r>
+            <a:r>
+              <a:rPr lang="hu-HU" sz="1200" dirty="0">
+                <a:latin typeface="Raleway" pitchFamily="2" charset="-18"/>
+              </a:rPr>
+              <a:t>”, Igen / Nem</a:t>
+            </a:r>
+          </a:p>
+          <a:p>
+            <a:pPr algn="just"/>
+            <a:r>
+              <a:rPr lang="hu-HU" sz="1200" dirty="0" err="1">
+                <a:latin typeface="Raleway" pitchFamily="2" charset="-18"/>
+              </a:rPr>
+              <a:t>deventEnd</a:t>
+            </a:r>
+            <a:r>
+              <a:rPr lang="hu-HU" sz="1200" dirty="0">
+                <a:latin typeface="Raleway" pitchFamily="2" charset="-18"/>
+              </a:rPr>
+              <a:t> – esemény lejárati ideje</a:t>
+            </a:r>
+          </a:p>
+          <a:p>
+            <a:pPr algn="just"/>
+            <a:r>
+              <a:rPr lang="hu-HU" sz="1200" dirty="0" err="1">
+                <a:latin typeface="Raleway" pitchFamily="2" charset="-18"/>
+              </a:rPr>
+              <a:t>dtime</a:t>
+            </a:r>
+            <a:r>
+              <a:rPr lang="hu-HU" sz="1200" dirty="0">
+                <a:latin typeface="Raleway" pitchFamily="2" charset="-18"/>
+              </a:rPr>
+              <a:t> – közzététel ideje</a:t>
+            </a:r>
+          </a:p>
+          <a:p>
+            <a:pPr algn="just"/>
+            <a:r>
+              <a:rPr lang="hu-HU" sz="1200" dirty="0" err="1">
+                <a:latin typeface="Raleway" pitchFamily="2" charset="-18"/>
+              </a:rPr>
+              <a:t>dstatus</a:t>
+            </a:r>
+            <a:r>
+              <a:rPr lang="hu-HU" sz="1200" dirty="0">
+                <a:latin typeface="Raleway" pitchFamily="2" charset="-18"/>
+              </a:rPr>
+              <a:t> – aktív / inaktív</a:t>
+            </a:r>
+          </a:p>
+        </p:txBody>
+      </p:sp>
+      <p:pic>
+        <p:nvPicPr>
+          <p:cNvPr id="3" name="Kép 2">
+            <a:extLst>
+              <a:ext uri="{FF2B5EF4-FFF2-40B4-BE49-F238E27FC236}">
+                <a16:creationId xmlns:a16="http://schemas.microsoft.com/office/drawing/2014/main" id="{848B8DA5-962A-3D2D-F14D-3DBE03B4686E}"/>
+              </a:ext>
+            </a:extLst>
+          </p:cNvPr>
+          <p:cNvPicPr>
+            <a:picLocks noChangeAspect="1"/>
+          </p:cNvPicPr>
+          <p:nvPr/>
+        </p:nvPicPr>
+        <p:blipFill>
+          <a:blip r:embed="rId2"/>
+          <a:stretch>
+            <a:fillRect/>
+          </a:stretch>
+        </p:blipFill>
+        <p:spPr>
+          <a:xfrm>
+            <a:off x="0" y="4467664"/>
+            <a:ext cx="9144000" cy="675836"/>
+          </a:xfrm>
+          <a:prstGeom prst="rect">
+            <a:avLst/>
+          </a:prstGeom>
+        </p:spPr>
+      </p:pic>
+    </p:spTree>
+    <p:extLst>
+      <p:ext uri="{BB962C8B-B14F-4D97-AF65-F5344CB8AC3E}">
+        <p14:creationId xmlns:p14="http://schemas.microsoft.com/office/powerpoint/2010/main" val="3039512487"/>
+      </p:ext>
+    </p:extLst>
+  </p:cSld>
+  <p:clrMapOvr>
+    <a:masterClrMapping/>
+  </p:clrMapOvr>
+</p:sld>
+</file>
+
+<file path=ppt/slides/slide29.xml><?xml version="1.0" encoding="utf-8"?>
+<p:sld xmlns:a="http://schemas.openxmlformats.org/drawingml/2006/main" xmlns:r="http://schemas.openxmlformats.org/officeDocument/2006/relationships" xmlns:p="http://schemas.openxmlformats.org/presentationml/2006/main">
+  <p:cSld>
+    <p:spTree>
+      <p:nvGrpSpPr>
+        <p:cNvPr id="1" name="">
+          <a:extLst>
+            <a:ext uri="{FF2B5EF4-FFF2-40B4-BE49-F238E27FC236}">
+              <a16:creationId xmlns:a16="http://schemas.microsoft.com/office/drawing/2014/main" id="{71402AFD-04AD-35D0-7AC3-CDAE4CBB97F2}"/>
+            </a:ext>
+          </a:extLst>
+        </p:cNvPr>
+        <p:cNvGrpSpPr/>
+        <p:nvPr/>
+      </p:nvGrpSpPr>
+      <p:grpSpPr>
+        <a:xfrm>
+          <a:off x="0" y="0"/>
+          <a:ext cx="0" cy="0"/>
+          <a:chOff x="0" y="0"/>
+          <a:chExt cx="0" cy="0"/>
+        </a:xfrm>
+      </p:grpSpPr>
+      <p:sp>
+        <p:nvSpPr>
+          <p:cNvPr id="202" name="PlaceHolder 1">
+            <a:extLst>
+              <a:ext uri="{FF2B5EF4-FFF2-40B4-BE49-F238E27FC236}">
+                <a16:creationId xmlns:a16="http://schemas.microsoft.com/office/drawing/2014/main" id="{C1FE9749-CFA6-6FB5-E677-3FCEE2121A72}"/>
+              </a:ext>
+            </a:extLst>
+          </p:cNvPr>
+          <p:cNvSpPr>
+            <a:spLocks noGrp="1"/>
+          </p:cNvSpPr>
+          <p:nvPr>
+            <p:ph type="title"/>
+          </p:nvPr>
+        </p:nvSpPr>
+        <p:spPr>
+          <a:xfrm>
+            <a:off x="714240" y="752400"/>
+            <a:ext cx="3857759" cy="1018800"/>
+          </a:xfrm>
+          <a:prstGeom prst="rect">
+            <a:avLst/>
+          </a:prstGeom>
+          <a:noFill/>
+          <a:ln w="0">
+            <a:noFill/>
+          </a:ln>
+        </p:spPr>
+        <p:txBody>
+          <a:bodyPr lIns="91440" tIns="91440" rIns="91440" bIns="91440" anchor="b">
+            <a:noAutofit/>
+          </a:bodyPr>
+          <a:lstStyle/>
+          <a:p>
+            <a:pPr indent="0" algn="ctr">
+              <a:lnSpc>
+                <a:spcPct val="100000"/>
+              </a:lnSpc>
+              <a:buNone/>
+              <a:tabLst>
+                <a:tab pos="0" algn="l"/>
+              </a:tabLst>
+            </a:pPr>
+            <a:r>
+              <a:rPr lang="hu-HU" sz="1600" u="sng" dirty="0" err="1">
+                <a:latin typeface="Inter"/>
+              </a:rPr>
+              <a:t>votelog</a:t>
+            </a:r>
+            <a:endParaRPr lang="fr-FR" sz="1600" b="0" u="sng" strike="noStrike" spc="-1" dirty="0">
+              <a:solidFill>
+                <a:schemeClr val="dk1"/>
+              </a:solidFill>
+              <a:latin typeface="Inter"/>
+            </a:endParaRPr>
+          </a:p>
+        </p:txBody>
+      </p:sp>
+      <p:sp>
+        <p:nvSpPr>
+          <p:cNvPr id="203" name="PlaceHolder 2">
+            <a:extLst>
+              <a:ext uri="{FF2B5EF4-FFF2-40B4-BE49-F238E27FC236}">
+                <a16:creationId xmlns:a16="http://schemas.microsoft.com/office/drawing/2014/main" id="{E37A479B-0D46-965F-4F71-6B63DA2BB955}"/>
+              </a:ext>
+            </a:extLst>
+          </p:cNvPr>
+          <p:cNvSpPr>
+            <a:spLocks noGrp="1"/>
+          </p:cNvSpPr>
+          <p:nvPr>
+            <p:ph type="subTitle"/>
+          </p:nvPr>
+        </p:nvSpPr>
+        <p:spPr>
+          <a:xfrm>
+            <a:off x="714240" y="1914479"/>
+            <a:ext cx="5026542" cy="2565541"/>
           </a:xfrm>
           <a:prstGeom prst="rect">
             <a:avLst/>
@@ -19523,513 +21228,124 @@
           </a:bodyPr>
           <a:lstStyle/>
           <a:p>
-            <a:pPr indent="0">
-              <a:lnSpc>
-                <a:spcPct val="100000"/>
-              </a:lnSpc>
-              <a:buNone/>
-              <a:tabLst>
-                <a:tab pos="0" algn="l"/>
-              </a:tabLst>
-            </a:pPr>
-            <a:endParaRPr lang="en-US" sz="1200" b="0" strike="noStrike" spc="-1" dirty="0">
-              <a:solidFill>
-                <a:srgbClr val="FFFFFF"/>
-              </a:solidFill>
-              <a:latin typeface="OpenSymbol"/>
+            <a:pPr algn="just"/>
+            <a:r>
+              <a:rPr lang="hu-HU" sz="1200" dirty="0" err="1">
+                <a:latin typeface="Raleway" pitchFamily="2" charset="-18"/>
+              </a:rPr>
+              <a:t>vid</a:t>
+            </a:r>
+            <a:r>
+              <a:rPr lang="hu-HU" sz="1200" dirty="0">
+                <a:latin typeface="Raleway" pitchFamily="2" charset="-18"/>
+              </a:rPr>
+              <a:t> – </a:t>
+            </a:r>
+            <a:r>
+              <a:rPr lang="hu-HU" sz="1200" dirty="0" err="1">
+                <a:latin typeface="Raleway" pitchFamily="2" charset="-18"/>
+              </a:rPr>
+              <a:t>primary</a:t>
+            </a:r>
+            <a:r>
+              <a:rPr lang="hu-HU" sz="1200" dirty="0">
+                <a:latin typeface="Raleway" pitchFamily="2" charset="-18"/>
+              </a:rPr>
+              <a:t> </a:t>
+            </a:r>
+            <a:r>
+              <a:rPr lang="hu-HU" sz="1200" dirty="0" err="1">
+                <a:latin typeface="Raleway" pitchFamily="2" charset="-18"/>
+              </a:rPr>
+              <a:t>key</a:t>
+            </a:r>
+            <a:endParaRPr lang="hu-HU" sz="1200" dirty="0">
+              <a:latin typeface="Raleway" pitchFamily="2" charset="-18"/>
+            </a:endParaRPr>
+          </a:p>
+          <a:p>
+            <a:pPr algn="just"/>
+            <a:r>
+              <a:rPr lang="hu-HU" sz="1200" dirty="0" err="1">
+                <a:latin typeface="Raleway" pitchFamily="2" charset="-18"/>
+              </a:rPr>
+              <a:t>vdpostid</a:t>
+            </a:r>
+            <a:r>
+              <a:rPr lang="hu-HU" sz="1200" dirty="0">
+                <a:latin typeface="Raleway" pitchFamily="2" charset="-18"/>
+              </a:rPr>
+              <a:t> – szavazott bejegyzés azonosítója</a:t>
+            </a:r>
+          </a:p>
+          <a:p>
+            <a:pPr algn="just"/>
+            <a:r>
+              <a:rPr lang="hu-HU" sz="1200" dirty="0">
+                <a:latin typeface="Raleway" pitchFamily="2" charset="-18"/>
+              </a:rPr>
+              <a:t>vuid – felhasználói azonosító</a:t>
+            </a:r>
+          </a:p>
+          <a:p>
+            <a:pPr algn="just"/>
+            <a:r>
+              <a:rPr lang="hu-HU" sz="1200" dirty="0" err="1">
+                <a:latin typeface="Raleway" pitchFamily="2" charset="-18"/>
+              </a:rPr>
+              <a:t>vchoice</a:t>
+            </a:r>
+            <a:r>
+              <a:rPr lang="hu-HU" sz="1200" dirty="0">
+                <a:latin typeface="Raleway" pitchFamily="2" charset="-18"/>
+              </a:rPr>
+              <a:t> – szavazat szövegként</a:t>
+            </a:r>
+          </a:p>
+          <a:p>
+            <a:pPr algn="just"/>
+            <a:endParaRPr lang="hu-HU" sz="1000" dirty="0">
+              <a:latin typeface="Raleway" pitchFamily="2" charset="-18"/>
             </a:endParaRPr>
           </a:p>
         </p:txBody>
       </p:sp>
       <p:pic>
         <p:nvPicPr>
-          <p:cNvPr id="266" name="Google Shape;320;p34"/>
-          <p:cNvPicPr/>
+          <p:cNvPr id="3" name="Kép 2">
+            <a:extLst>
+              <a:ext uri="{FF2B5EF4-FFF2-40B4-BE49-F238E27FC236}">
+                <a16:creationId xmlns:a16="http://schemas.microsoft.com/office/drawing/2014/main" id="{A1909999-5877-5BBB-C4C9-7F37AC92FC57}"/>
+              </a:ext>
+            </a:extLst>
+          </p:cNvPr>
+          <p:cNvPicPr>
+            <a:picLocks noChangeAspect="1"/>
+          </p:cNvPicPr>
           <p:nvPr/>
         </p:nvPicPr>
         <p:blipFill>
           <a:blip r:embed="rId2"/>
-          <a:srcRect t="1392" b="1392"/>
-          <a:stretch/>
+          <a:stretch>
+            <a:fillRect/>
+          </a:stretch>
         </p:blipFill>
         <p:spPr>
           <a:xfrm>
-            <a:off x="5827320" y="539640"/>
-            <a:ext cx="2786760" cy="4064040"/>
+            <a:off x="420696" y="3536925"/>
+            <a:ext cx="4151303" cy="943095"/>
           </a:xfrm>
           <a:prstGeom prst="rect">
             <a:avLst/>
           </a:prstGeom>
-          <a:ln w="9525">
-            <a:solidFill>
-              <a:srgbClr val="FFFFFF"/>
-            </a:solidFill>
-            <a:round/>
-          </a:ln>
-        </p:spPr>
-      </p:pic>
-      <p:grpSp>
-        <p:nvGrpSpPr>
-          <p:cNvPr id="267" name="Google Shape;321;p34"/>
-          <p:cNvGrpSpPr/>
-          <p:nvPr/>
-        </p:nvGrpSpPr>
-        <p:grpSpPr>
-          <a:xfrm>
-            <a:off x="4878360" y="663480"/>
-            <a:ext cx="600120" cy="226800"/>
-            <a:chOff x="4878360" y="663480"/>
-            <a:chExt cx="600120" cy="226800"/>
-          </a:xfrm>
-        </p:grpSpPr>
-        <p:sp>
-          <p:nvSpPr>
-            <p:cNvPr id="268" name="Google Shape;322;p34"/>
-            <p:cNvSpPr/>
-            <p:nvPr/>
-          </p:nvSpPr>
-          <p:spPr>
-            <a:xfrm>
-              <a:off x="4878360" y="663480"/>
-              <a:ext cx="226800" cy="226800"/>
-            </a:xfrm>
-            <a:prstGeom prst="rect">
-              <a:avLst/>
-            </a:prstGeom>
-            <a:noFill/>
-            <a:ln w="9525">
-              <a:solidFill>
-                <a:srgbClr val="FFFFFF"/>
-              </a:solidFill>
-              <a:round/>
-            </a:ln>
-          </p:spPr>
-          <p:style>
-            <a:lnRef idx="0">
-              <a:scrgbClr r="0" g="0" b="0"/>
-            </a:lnRef>
-            <a:fillRef idx="0">
-              <a:scrgbClr r="0" g="0" b="0"/>
-            </a:fillRef>
-            <a:effectRef idx="0">
-              <a:scrgbClr r="0" g="0" b="0"/>
-            </a:effectRef>
-            <a:fontRef idx="minor"/>
-          </p:style>
-          <p:txBody>
-            <a:bodyPr tIns="91440" bIns="91440" anchor="ctr">
-              <a:noAutofit/>
-            </a:bodyPr>
-            <a:lstStyle/>
-            <a:p>
-              <a:pPr algn="ctr" defTabSz="914400">
-                <a:lnSpc>
-                  <a:spcPct val="100000"/>
-                </a:lnSpc>
-                <a:tabLst>
-                  <a:tab pos="0" algn="l"/>
-                </a:tabLst>
-              </a:pPr>
-              <a:endParaRPr lang="en-US" sz="1800" b="0" strike="noStrike" spc="-1">
-                <a:solidFill>
-                  <a:srgbClr val="FFFFFF"/>
-                </a:solidFill>
-                <a:latin typeface="OpenSymbol"/>
-              </a:endParaRPr>
-            </a:p>
-          </p:txBody>
-        </p:sp>
-        <p:sp>
-          <p:nvSpPr>
-            <p:cNvPr id="269" name="Google Shape;323;p34"/>
-            <p:cNvSpPr/>
-            <p:nvPr/>
-          </p:nvSpPr>
-          <p:spPr>
-            <a:xfrm>
-              <a:off x="5251680" y="663480"/>
-              <a:ext cx="226800" cy="226800"/>
-            </a:xfrm>
-            <a:prstGeom prst="rect">
-              <a:avLst/>
-            </a:prstGeom>
-            <a:noFill/>
-            <a:ln w="9525">
-              <a:solidFill>
-                <a:srgbClr val="FFFFFF"/>
-              </a:solidFill>
-              <a:round/>
-            </a:ln>
-          </p:spPr>
-          <p:style>
-            <a:lnRef idx="0">
-              <a:scrgbClr r="0" g="0" b="0"/>
-            </a:lnRef>
-            <a:fillRef idx="0">
-              <a:scrgbClr r="0" g="0" b="0"/>
-            </a:fillRef>
-            <a:effectRef idx="0">
-              <a:scrgbClr r="0" g="0" b="0"/>
-            </a:effectRef>
-            <a:fontRef idx="minor"/>
-          </p:style>
-          <p:txBody>
-            <a:bodyPr tIns="91440" bIns="91440" anchor="ctr">
-              <a:noAutofit/>
-            </a:bodyPr>
-            <a:lstStyle/>
-            <a:p>
-              <a:pPr algn="ctr" defTabSz="914400">
-                <a:lnSpc>
-                  <a:spcPct val="100000"/>
-                </a:lnSpc>
-                <a:tabLst>
-                  <a:tab pos="0" algn="l"/>
-                </a:tabLst>
-              </a:pPr>
-              <a:endParaRPr lang="en-US" sz="1800" b="0" strike="noStrike" spc="-1">
-                <a:solidFill>
-                  <a:srgbClr val="FFFFFF"/>
-                </a:solidFill>
-                <a:latin typeface="OpenSymbol"/>
-              </a:endParaRPr>
-            </a:p>
-          </p:txBody>
-        </p:sp>
-      </p:grpSp>
-      <p:pic>
-        <p:nvPicPr>
-          <p:cNvPr id="258" name="Google Shape;320;p34"/>
-          <p:cNvPicPr/>
-          <p:nvPr/>
-        </p:nvPicPr>
-        <p:blipFill>
-          <a:blip r:embed="rId3"/>
-          <a:srcRect t="1392" b="1392"/>
-          <a:stretch/>
-        </p:blipFill>
-        <p:spPr>
-          <a:xfrm>
-            <a:off x="239078" y="539730"/>
-            <a:ext cx="2786760" cy="4064040"/>
-          </a:xfrm>
-          <a:prstGeom prst="rect">
-            <a:avLst/>
-          </a:prstGeom>
-          <a:ln w="9525">
-            <a:solidFill>
-              <a:srgbClr val="FFFFFF"/>
-            </a:solidFill>
-            <a:round/>
-          </a:ln>
         </p:spPr>
       </p:pic>
     </p:spTree>
-  </p:cSld>
-  <p:clrMapOvr>
-    <a:masterClrMapping/>
-  </p:clrMapOvr>
-</p:sld>
-</file>
-
-<file path=ppt/slides/slide24.xml><?xml version="1.0" encoding="utf-8"?>
-<p:sld xmlns:a="http://schemas.openxmlformats.org/drawingml/2006/main" xmlns:r="http://schemas.openxmlformats.org/officeDocument/2006/relationships" xmlns:p="http://schemas.openxmlformats.org/presentationml/2006/main">
-  <p:cSld>
-    <p:spTree>
-      <p:nvGrpSpPr>
-        <p:cNvPr id="1" name=""/>
-        <p:cNvGrpSpPr/>
-        <p:nvPr/>
-      </p:nvGrpSpPr>
-      <p:grpSpPr>
-        <a:xfrm>
-          <a:off x="0" y="0"/>
-          <a:ext cx="0" cy="0"/>
-          <a:chOff x="0" y="0"/>
-          <a:chExt cx="0" cy="0"/>
-        </a:xfrm>
-      </p:grpSpPr>
-      <p:sp>
-        <p:nvSpPr>
-          <p:cNvPr id="212" name="PlaceHolder 1"/>
-          <p:cNvSpPr>
-            <a:spLocks noGrp="1"/>
-          </p:cNvSpPr>
-          <p:nvPr>
-            <p:ph type="title"/>
-          </p:nvPr>
-        </p:nvSpPr>
-        <p:spPr>
-          <a:xfrm>
-            <a:off x="714240" y="752400"/>
-            <a:ext cx="4161960" cy="1018800"/>
-          </a:xfrm>
-          <a:prstGeom prst="rect">
-            <a:avLst/>
-          </a:prstGeom>
-          <a:noFill/>
-          <a:ln w="0">
-            <a:noFill/>
-          </a:ln>
-        </p:spPr>
-        <p:txBody>
-          <a:bodyPr lIns="91440" tIns="91440" rIns="91440" bIns="91440" anchor="b">
-            <a:normAutofit/>
-          </a:bodyPr>
-          <a:lstStyle/>
-          <a:p>
-            <a:pPr indent="0">
-              <a:lnSpc>
-                <a:spcPct val="100000"/>
-              </a:lnSpc>
-              <a:buNone/>
-              <a:tabLst>
-                <a:tab pos="0" algn="l"/>
-              </a:tabLst>
-            </a:pPr>
-            <a:r>
-              <a:rPr lang="hu-HU" sz="3000" b="0" strike="noStrike" spc="-1" dirty="0">
-                <a:solidFill>
-                  <a:schemeClr val="dk1"/>
-                </a:solidFill>
-                <a:latin typeface="Inter"/>
-                <a:ea typeface="Inter"/>
-              </a:rPr>
-              <a:t>1.3 </a:t>
-            </a:r>
-            <a:r>
-              <a:rPr lang="en" sz="3000" b="0" strike="noStrike" spc="-1" dirty="0">
-                <a:solidFill>
-                  <a:schemeClr val="dk1"/>
-                </a:solidFill>
-                <a:latin typeface="Inter"/>
-                <a:ea typeface="Inter"/>
-              </a:rPr>
-              <a:t>Célok és célközönség</a:t>
-            </a:r>
-            <a:endParaRPr lang="fr-FR" sz="3000" b="0" strike="noStrike" spc="-1" dirty="0">
-              <a:solidFill>
-                <a:schemeClr val="dk1"/>
-              </a:solidFill>
-              <a:latin typeface="Arial"/>
-            </a:endParaRPr>
-          </a:p>
-        </p:txBody>
-      </p:sp>
-      <p:sp>
-        <p:nvSpPr>
-          <p:cNvPr id="213" name="PlaceHolder 2"/>
-          <p:cNvSpPr>
-            <a:spLocks noGrp="1"/>
-          </p:cNvSpPr>
-          <p:nvPr>
-            <p:ph type="subTitle"/>
-          </p:nvPr>
-        </p:nvSpPr>
-        <p:spPr>
-          <a:xfrm>
-            <a:off x="714240" y="1914480"/>
-            <a:ext cx="4161960" cy="2104560"/>
-          </a:xfrm>
-          <a:prstGeom prst="rect">
-            <a:avLst/>
-          </a:prstGeom>
-          <a:noFill/>
-          <a:ln w="0">
-            <a:noFill/>
-          </a:ln>
-        </p:spPr>
-        <p:txBody>
-          <a:bodyPr lIns="91440" tIns="91440" rIns="91440" bIns="91440" anchor="t">
-            <a:normAutofit/>
-          </a:bodyPr>
-          <a:lstStyle/>
-          <a:p>
-            <a:pPr indent="0">
-              <a:lnSpc>
-                <a:spcPct val="100000"/>
-              </a:lnSpc>
-              <a:buNone/>
-              <a:tabLst>
-                <a:tab pos="0" algn="l"/>
-              </a:tabLst>
-            </a:pPr>
-            <a:r>
-              <a:rPr lang="en" sz="1200" b="0" strike="noStrike" spc="-1" dirty="0">
-                <a:solidFill>
-                  <a:schemeClr val="dk1"/>
-                </a:solidFill>
-                <a:latin typeface="Raleway"/>
-                <a:ea typeface="Raleway"/>
-              </a:rPr>
-              <a:t>A weboldal célja, hogy egy interaktív fórumot biztosítson, ahol a felhasználók korlátozott hozzáféréssel rendelkező bejegyzéseket készíthetnek, illetve bármi féle korlátozás nélkül szavazhatnak és kommentelhetnek. A célközönség közé tartoznak azok a felhasználók, akik szeretnének információt kapni az iskola által rendezett eseményekről.</a:t>
-            </a:r>
-            <a:endParaRPr lang="en-US" sz="1200" b="0" strike="noStrike" spc="-1" dirty="0">
-              <a:solidFill>
-                <a:srgbClr val="FFFFFF"/>
-              </a:solidFill>
-              <a:latin typeface="OpenSymbol"/>
-            </a:endParaRPr>
-          </a:p>
-        </p:txBody>
-      </p:sp>
-      <p:pic>
-        <p:nvPicPr>
-          <p:cNvPr id="214" name="Google Shape;320;p34"/>
-          <p:cNvPicPr/>
-          <p:nvPr/>
-        </p:nvPicPr>
-        <p:blipFill>
-          <a:blip r:embed="rId2"/>
-          <a:srcRect t="1392" b="1392"/>
-          <a:stretch/>
-        </p:blipFill>
-        <p:spPr>
-          <a:xfrm>
-            <a:off x="5827320" y="539640"/>
-            <a:ext cx="2786760" cy="4064040"/>
-          </a:xfrm>
-          <a:prstGeom prst="rect">
-            <a:avLst/>
-          </a:prstGeom>
-          <a:ln w="9525">
-            <a:solidFill>
-              <a:srgbClr val="FFFFFF"/>
-            </a:solidFill>
-            <a:round/>
-          </a:ln>
-        </p:spPr>
-      </p:pic>
-      <p:grpSp>
-        <p:nvGrpSpPr>
-          <p:cNvPr id="215" name="Google Shape;321;p34"/>
-          <p:cNvGrpSpPr/>
-          <p:nvPr/>
-        </p:nvGrpSpPr>
-        <p:grpSpPr>
-          <a:xfrm>
-            <a:off x="4878360" y="663480"/>
-            <a:ext cx="600120" cy="226800"/>
-            <a:chOff x="4878360" y="663480"/>
-            <a:chExt cx="600120" cy="226800"/>
-          </a:xfrm>
-        </p:grpSpPr>
-        <p:sp>
-          <p:nvSpPr>
-            <p:cNvPr id="216" name="Google Shape;322;p34"/>
-            <p:cNvSpPr/>
-            <p:nvPr/>
-          </p:nvSpPr>
-          <p:spPr>
-            <a:xfrm>
-              <a:off x="4878360" y="663480"/>
-              <a:ext cx="226800" cy="226800"/>
-            </a:xfrm>
-            <a:prstGeom prst="rect">
-              <a:avLst/>
-            </a:prstGeom>
-            <a:noFill/>
-            <a:ln w="9525">
-              <a:solidFill>
-                <a:srgbClr val="FFFFFF"/>
-              </a:solidFill>
-              <a:round/>
-            </a:ln>
-          </p:spPr>
-          <p:style>
-            <a:lnRef idx="0">
-              <a:scrgbClr r="0" g="0" b="0"/>
-            </a:lnRef>
-            <a:fillRef idx="0">
-              <a:scrgbClr r="0" g="0" b="0"/>
-            </a:fillRef>
-            <a:effectRef idx="0">
-              <a:scrgbClr r="0" g="0" b="0"/>
-            </a:effectRef>
-            <a:fontRef idx="minor"/>
-          </p:style>
-          <p:txBody>
-            <a:bodyPr tIns="91440" bIns="91440" anchor="ctr">
-              <a:noAutofit/>
-            </a:bodyPr>
-            <a:lstStyle/>
-            <a:p>
-              <a:pPr algn="ctr" defTabSz="914400">
-                <a:lnSpc>
-                  <a:spcPct val="100000"/>
-                </a:lnSpc>
-                <a:tabLst>
-                  <a:tab pos="0" algn="l"/>
-                </a:tabLst>
-              </a:pPr>
-              <a:endParaRPr lang="en-US" sz="1800" b="0" strike="noStrike" spc="-1">
-                <a:solidFill>
-                  <a:srgbClr val="FFFFFF"/>
-                </a:solidFill>
-                <a:latin typeface="OpenSymbol"/>
-              </a:endParaRPr>
-            </a:p>
-          </p:txBody>
-        </p:sp>
-        <p:sp>
-          <p:nvSpPr>
-            <p:cNvPr id="217" name="Google Shape;323;p34"/>
-            <p:cNvSpPr/>
-            <p:nvPr/>
-          </p:nvSpPr>
-          <p:spPr>
-            <a:xfrm>
-              <a:off x="5251680" y="663480"/>
-              <a:ext cx="226800" cy="226800"/>
-            </a:xfrm>
-            <a:prstGeom prst="rect">
-              <a:avLst/>
-            </a:prstGeom>
-            <a:noFill/>
-            <a:ln w="9525">
-              <a:solidFill>
-                <a:srgbClr val="FFFFFF"/>
-              </a:solidFill>
-              <a:round/>
-            </a:ln>
-          </p:spPr>
-          <p:style>
-            <a:lnRef idx="0">
-              <a:scrgbClr r="0" g="0" b="0"/>
-            </a:lnRef>
-            <a:fillRef idx="0">
-              <a:scrgbClr r="0" g="0" b="0"/>
-            </a:fillRef>
-            <a:effectRef idx="0">
-              <a:scrgbClr r="0" g="0" b="0"/>
-            </a:effectRef>
-            <a:fontRef idx="minor"/>
-          </p:style>
-          <p:txBody>
-            <a:bodyPr tIns="91440" bIns="91440" anchor="ctr">
-              <a:noAutofit/>
-            </a:bodyPr>
-            <a:lstStyle/>
-            <a:p>
-              <a:pPr algn="ctr" defTabSz="914400">
-                <a:lnSpc>
-                  <a:spcPct val="100000"/>
-                </a:lnSpc>
-                <a:tabLst>
-                  <a:tab pos="0" algn="l"/>
-                </a:tabLst>
-              </a:pPr>
-              <a:endParaRPr lang="en-US" sz="1800" b="0" strike="noStrike" spc="-1">
-                <a:solidFill>
-                  <a:srgbClr val="FFFFFF"/>
-                </a:solidFill>
-                <a:latin typeface="OpenSymbol"/>
-              </a:endParaRPr>
-            </a:p>
-          </p:txBody>
-        </p:sp>
-      </p:grpSp>
-    </p:spTree>
+    <p:extLst>
+      <p:ext uri="{BB962C8B-B14F-4D97-AF65-F5344CB8AC3E}">
+        <p14:creationId xmlns:p14="http://schemas.microsoft.com/office/powerpoint/2010/main" val="1967371809"/>
+      </p:ext>
+    </p:extLst>
   </p:cSld>
   <p:clrMapOvr>
     <a:masterClrMapping/>
@@ -20140,6 +21456,7 @@
           </a:bodyPr>
           <a:lstStyle/>
           <a:p>
+            <a:pPr algn="just"/>
             <a:r>
               <a:rPr lang="hu-HU" sz="1200" b="0" strike="noStrike" spc="-1" dirty="0">
                 <a:solidFill>
@@ -20152,7 +21469,7 @@
             </a:r>
           </a:p>
           <a:p>
-            <a:pPr lvl="1"/>
+            <a:pPr lvl="1" algn="just"/>
             <a:r>
               <a:rPr lang="hu-HU" sz="1000" b="0" strike="noStrike" spc="-1" dirty="0">
                 <a:solidFill>
@@ -20165,7 +21482,7 @@
             </a:r>
           </a:p>
           <a:p>
-            <a:pPr lvl="1"/>
+            <a:pPr lvl="1" algn="just"/>
             <a:r>
               <a:rPr lang="hu-HU" sz="1000" dirty="0">
                 <a:latin typeface="Raleway" pitchFamily="2" charset="-18"/>
@@ -20174,6 +21491,7 @@
             </a:r>
           </a:p>
           <a:p>
+            <a:pPr algn="just"/>
             <a:r>
               <a:rPr lang="hu-HU" sz="1200" dirty="0">
                 <a:latin typeface="Raleway" pitchFamily="2" charset="-18"/>
@@ -20182,7 +21500,7 @@
             </a:r>
           </a:p>
           <a:p>
-            <a:pPr lvl="1"/>
+            <a:pPr lvl="1" algn="just"/>
             <a:r>
               <a:rPr lang="hu-HU" sz="1000" dirty="0">
                 <a:latin typeface="Raleway" pitchFamily="2" charset="-18"/>
@@ -20191,7 +21509,7 @@
             </a:r>
           </a:p>
           <a:p>
-            <a:pPr lvl="1"/>
+            <a:pPr lvl="1" algn="just"/>
             <a:r>
               <a:rPr lang="hu-HU" sz="1000" dirty="0">
                 <a:latin typeface="Raleway" pitchFamily="2" charset="-18"/>
@@ -20200,6 +21518,7 @@
             </a:r>
           </a:p>
           <a:p>
+            <a:pPr algn="just"/>
             <a:r>
               <a:rPr lang="hu-HU" sz="1200" dirty="0">
                 <a:latin typeface="Raleway" pitchFamily="2" charset="-18"/>
@@ -20208,7 +21527,7 @@
             </a:r>
           </a:p>
           <a:p>
-            <a:pPr lvl="1"/>
+            <a:pPr lvl="1" algn="just"/>
             <a:r>
               <a:rPr lang="hu-HU" sz="1000" dirty="0">
                 <a:latin typeface="Raleway" pitchFamily="2" charset="-18"/>
@@ -20217,7 +21536,7 @@
             </a:r>
           </a:p>
           <a:p>
-            <a:pPr lvl="1"/>
+            <a:pPr lvl="1" algn="just"/>
             <a:r>
               <a:rPr lang="hu-HU" sz="1000" dirty="0">
                 <a:latin typeface="Raleway" pitchFamily="2" charset="-18"/>
@@ -20226,7 +21545,7 @@
             </a:r>
           </a:p>
           <a:p>
-            <a:pPr lvl="1"/>
+            <a:pPr lvl="1" algn="just"/>
             <a:r>
               <a:rPr lang="hu-HU" sz="1000" dirty="0">
                 <a:latin typeface="Raleway" pitchFamily="2" charset="-18"/>
@@ -20400,6 +21719,2375 @@
 </p:sld>
 </file>
 
+<file path=ppt/slides/slide30.xml><?xml version="1.0" encoding="utf-8"?>
+<p:sld xmlns:a="http://schemas.openxmlformats.org/drawingml/2006/main" xmlns:r="http://schemas.openxmlformats.org/officeDocument/2006/relationships" xmlns:p="http://schemas.openxmlformats.org/presentationml/2006/main">
+  <p:cSld>
+    <p:spTree>
+      <p:nvGrpSpPr>
+        <p:cNvPr id="1" name="">
+          <a:extLst>
+            <a:ext uri="{FF2B5EF4-FFF2-40B4-BE49-F238E27FC236}">
+              <a16:creationId xmlns:a16="http://schemas.microsoft.com/office/drawing/2014/main" id="{346DD655-62D7-66C4-D0C2-540885D75233}"/>
+            </a:ext>
+          </a:extLst>
+        </p:cNvPr>
+        <p:cNvGrpSpPr/>
+        <p:nvPr/>
+      </p:nvGrpSpPr>
+      <p:grpSpPr>
+        <a:xfrm>
+          <a:off x="0" y="0"/>
+          <a:ext cx="0" cy="0"/>
+          <a:chOff x="0" y="0"/>
+          <a:chExt cx="0" cy="0"/>
+        </a:xfrm>
+      </p:grpSpPr>
+      <p:sp>
+        <p:nvSpPr>
+          <p:cNvPr id="202" name="PlaceHolder 1">
+            <a:extLst>
+              <a:ext uri="{FF2B5EF4-FFF2-40B4-BE49-F238E27FC236}">
+                <a16:creationId xmlns:a16="http://schemas.microsoft.com/office/drawing/2014/main" id="{D8BE0CB3-8585-8D0A-358F-5B2710E3DE04}"/>
+              </a:ext>
+            </a:extLst>
+          </p:cNvPr>
+          <p:cNvSpPr>
+            <a:spLocks noGrp="1"/>
+          </p:cNvSpPr>
+          <p:nvPr>
+            <p:ph type="title"/>
+          </p:nvPr>
+        </p:nvSpPr>
+        <p:spPr>
+          <a:xfrm>
+            <a:off x="714240" y="752400"/>
+            <a:ext cx="6724713" cy="1018800"/>
+          </a:xfrm>
+          <a:prstGeom prst="rect">
+            <a:avLst/>
+          </a:prstGeom>
+          <a:noFill/>
+          <a:ln w="0">
+            <a:noFill/>
+          </a:ln>
+        </p:spPr>
+        <p:txBody>
+          <a:bodyPr lIns="91440" tIns="91440" rIns="91440" bIns="91440" anchor="b">
+            <a:noAutofit/>
+          </a:bodyPr>
+          <a:lstStyle/>
+          <a:p>
+            <a:pPr indent="0">
+              <a:lnSpc>
+                <a:spcPct val="100000"/>
+              </a:lnSpc>
+              <a:buNone/>
+              <a:tabLst>
+                <a:tab pos="0" algn="l"/>
+              </a:tabLst>
+            </a:pPr>
+            <a:r>
+              <a:rPr lang="hu-HU" sz="3200" dirty="0">
+                <a:latin typeface="Inter"/>
+              </a:rPr>
+              <a:t>3.1.5.3 Adatszerkezet ábra</a:t>
+            </a:r>
+            <a:endParaRPr lang="fr-FR" sz="3000" b="0" strike="noStrike" spc="-1" dirty="0">
+              <a:solidFill>
+                <a:schemeClr val="dk1"/>
+              </a:solidFill>
+              <a:latin typeface="Inter"/>
+            </a:endParaRPr>
+          </a:p>
+        </p:txBody>
+      </p:sp>
+      <p:sp>
+        <p:nvSpPr>
+          <p:cNvPr id="203" name="PlaceHolder 2">
+            <a:extLst>
+              <a:ext uri="{FF2B5EF4-FFF2-40B4-BE49-F238E27FC236}">
+                <a16:creationId xmlns:a16="http://schemas.microsoft.com/office/drawing/2014/main" id="{83C3E4B9-5DE4-7B2A-534E-83FC8CF7F473}"/>
+              </a:ext>
+            </a:extLst>
+          </p:cNvPr>
+          <p:cNvSpPr>
+            <a:spLocks noGrp="1"/>
+          </p:cNvSpPr>
+          <p:nvPr>
+            <p:ph type="subTitle"/>
+          </p:nvPr>
+        </p:nvSpPr>
+        <p:spPr>
+          <a:xfrm>
+            <a:off x="714240" y="1852602"/>
+            <a:ext cx="5026542" cy="2746898"/>
+          </a:xfrm>
+          <a:prstGeom prst="rect">
+            <a:avLst/>
+          </a:prstGeom>
+          <a:noFill/>
+          <a:ln w="0">
+            <a:noFill/>
+          </a:ln>
+        </p:spPr>
+        <p:txBody>
+          <a:bodyPr lIns="91440" tIns="91440" rIns="91440" bIns="91440" anchor="t">
+            <a:normAutofit/>
+          </a:bodyPr>
+          <a:lstStyle/>
+          <a:p>
+            <a:pPr algn="just"/>
+            <a:r>
+              <a:rPr lang="hu-HU" sz="1200" dirty="0">
+                <a:latin typeface="Raleway" pitchFamily="2" charset="-18"/>
+              </a:rPr>
+              <a:t>Az adatbázis táblái közötti kapcsolatok szemléltetése</a:t>
+            </a:r>
+          </a:p>
+          <a:p>
+            <a:pPr algn="just"/>
+            <a:r>
+              <a:rPr lang="hu-HU" sz="1200" dirty="0">
+                <a:latin typeface="Raleway" pitchFamily="2" charset="-18"/>
+              </a:rPr>
+              <a:t>Tábla és mezők közötti viszonyok ábrázolása</a:t>
+            </a:r>
+          </a:p>
+          <a:p>
+            <a:pPr algn="just"/>
+            <a:r>
+              <a:rPr lang="hu-HU" sz="1200" dirty="0">
+                <a:latin typeface="Raleway" pitchFamily="2" charset="-18"/>
+              </a:rPr>
+              <a:t>Főbb entitások, kapcsolatok és attribútumok kiemelése</a:t>
+            </a:r>
+          </a:p>
+          <a:p>
+            <a:pPr algn="just"/>
+            <a:r>
+              <a:rPr lang="hu-HU" sz="1200" dirty="0">
+                <a:latin typeface="Raleway" pitchFamily="2" charset="-18"/>
+              </a:rPr>
+              <a:t>Az ábra segíti a program adatkezelési logikájának megértését</a:t>
+            </a:r>
+            <a:endParaRPr lang="hu-HU" sz="1000" dirty="0">
+              <a:latin typeface="Raleway" pitchFamily="2" charset="-18"/>
+            </a:endParaRPr>
+          </a:p>
+        </p:txBody>
+      </p:sp>
+    </p:spTree>
+    <p:extLst>
+      <p:ext uri="{BB962C8B-B14F-4D97-AF65-F5344CB8AC3E}">
+        <p14:creationId xmlns:p14="http://schemas.microsoft.com/office/powerpoint/2010/main" val="3829399485"/>
+      </p:ext>
+    </p:extLst>
+  </p:cSld>
+  <p:clrMapOvr>
+    <a:masterClrMapping/>
+  </p:clrMapOvr>
+</p:sld>
+</file>
+
+<file path=ppt/slides/slide31.xml><?xml version="1.0" encoding="utf-8"?>
+<p:sld xmlns:a="http://schemas.openxmlformats.org/drawingml/2006/main" xmlns:r="http://schemas.openxmlformats.org/officeDocument/2006/relationships" xmlns:p="http://schemas.openxmlformats.org/presentationml/2006/main">
+  <p:cSld>
+    <p:spTree>
+      <p:nvGrpSpPr>
+        <p:cNvPr id="1" name="">
+          <a:extLst>
+            <a:ext uri="{FF2B5EF4-FFF2-40B4-BE49-F238E27FC236}">
+              <a16:creationId xmlns:a16="http://schemas.microsoft.com/office/drawing/2014/main" id="{4994AF7C-FD0C-08AA-DC6A-172366587A76}"/>
+            </a:ext>
+          </a:extLst>
+        </p:cNvPr>
+        <p:cNvGrpSpPr/>
+        <p:nvPr/>
+      </p:nvGrpSpPr>
+      <p:grpSpPr>
+        <a:xfrm>
+          <a:off x="0" y="0"/>
+          <a:ext cx="0" cy="0"/>
+          <a:chOff x="0" y="0"/>
+          <a:chExt cx="0" cy="0"/>
+        </a:xfrm>
+      </p:grpSpPr>
+      <p:sp>
+        <p:nvSpPr>
+          <p:cNvPr id="202" name="PlaceHolder 1">
+            <a:extLst>
+              <a:ext uri="{FF2B5EF4-FFF2-40B4-BE49-F238E27FC236}">
+                <a16:creationId xmlns:a16="http://schemas.microsoft.com/office/drawing/2014/main" id="{B59E6693-F164-8864-6044-DB328ECEF415}"/>
+              </a:ext>
+            </a:extLst>
+          </p:cNvPr>
+          <p:cNvSpPr>
+            <a:spLocks noGrp="1"/>
+          </p:cNvSpPr>
+          <p:nvPr>
+            <p:ph type="title"/>
+          </p:nvPr>
+        </p:nvSpPr>
+        <p:spPr>
+          <a:xfrm>
+            <a:off x="707365" y="298638"/>
+            <a:ext cx="6724713" cy="1018800"/>
+          </a:xfrm>
+          <a:prstGeom prst="rect">
+            <a:avLst/>
+          </a:prstGeom>
+          <a:noFill/>
+          <a:ln w="0">
+            <a:noFill/>
+          </a:ln>
+        </p:spPr>
+        <p:txBody>
+          <a:bodyPr lIns="91440" tIns="91440" rIns="91440" bIns="91440" anchor="b">
+            <a:noAutofit/>
+          </a:bodyPr>
+          <a:lstStyle/>
+          <a:p>
+            <a:pPr indent="0">
+              <a:lnSpc>
+                <a:spcPct val="100000"/>
+              </a:lnSpc>
+              <a:buNone/>
+              <a:tabLst>
+                <a:tab pos="0" algn="l"/>
+              </a:tabLst>
+            </a:pPr>
+            <a:r>
+              <a:rPr lang="hu-HU" sz="3200" dirty="0">
+                <a:latin typeface="Inter"/>
+              </a:rPr>
+              <a:t>3.1.5.3 Adatszerkezet ábra</a:t>
+            </a:r>
+            <a:endParaRPr lang="fr-FR" sz="3000" b="0" strike="noStrike" spc="-1" dirty="0">
+              <a:solidFill>
+                <a:schemeClr val="dk1"/>
+              </a:solidFill>
+              <a:latin typeface="Inter"/>
+            </a:endParaRPr>
+          </a:p>
+        </p:txBody>
+      </p:sp>
+      <p:sp>
+        <p:nvSpPr>
+          <p:cNvPr id="10" name="Téglalap 9">
+            <a:extLst>
+              <a:ext uri="{FF2B5EF4-FFF2-40B4-BE49-F238E27FC236}">
+                <a16:creationId xmlns:a16="http://schemas.microsoft.com/office/drawing/2014/main" id="{329522D0-AE45-A68C-51E5-FBAC7C1A4D85}"/>
+              </a:ext>
+            </a:extLst>
+          </p:cNvPr>
+          <p:cNvSpPr/>
+          <p:nvPr/>
+        </p:nvSpPr>
+        <p:spPr>
+          <a:xfrm>
+            <a:off x="851744" y="1511895"/>
+            <a:ext cx="4187769" cy="2610222"/>
+          </a:xfrm>
+          <a:prstGeom prst="rect">
+            <a:avLst/>
+          </a:prstGeom>
+          <a:ln/>
+        </p:spPr>
+        <p:style>
+          <a:lnRef idx="1">
+            <a:schemeClr val="accent6"/>
+          </a:lnRef>
+          <a:fillRef idx="2">
+            <a:schemeClr val="accent6"/>
+          </a:fillRef>
+          <a:effectRef idx="1">
+            <a:schemeClr val="accent6"/>
+          </a:effectRef>
+          <a:fontRef idx="minor">
+            <a:schemeClr val="dk1"/>
+          </a:fontRef>
+        </p:style>
+        <p:txBody>
+          <a:bodyPr rtlCol="0" anchor="ctr"/>
+          <a:lstStyle/>
+          <a:p>
+            <a:pPr algn="ctr"/>
+            <a:endParaRPr lang="hu-HU">
+              <a:solidFill>
+                <a:srgbClr val="000000"/>
+              </a:solidFill>
+            </a:endParaRPr>
+          </a:p>
+        </p:txBody>
+      </p:sp>
+      <p:pic>
+        <p:nvPicPr>
+          <p:cNvPr id="13" name="Kép 12">
+            <a:extLst>
+              <a:ext uri="{FF2B5EF4-FFF2-40B4-BE49-F238E27FC236}">
+                <a16:creationId xmlns:a16="http://schemas.microsoft.com/office/drawing/2014/main" id="{59019847-66D0-2F64-D58D-28B646E703D3}"/>
+              </a:ext>
+            </a:extLst>
+          </p:cNvPr>
+          <p:cNvPicPr>
+            <a:picLocks noChangeAspect="1"/>
+          </p:cNvPicPr>
+          <p:nvPr/>
+        </p:nvPicPr>
+        <p:blipFill>
+          <a:blip r:embed="rId2">
+            <a:extLst>
+              <a:ext uri="{28A0092B-C50C-407E-A947-70E740481C1C}">
+                <a14:useLocalDpi xmlns:a14="http://schemas.microsoft.com/office/drawing/2010/main" val="0"/>
+              </a:ext>
+            </a:extLst>
+          </a:blip>
+          <a:stretch>
+            <a:fillRect/>
+          </a:stretch>
+        </p:blipFill>
+        <p:spPr>
+          <a:xfrm>
+            <a:off x="894644" y="1614553"/>
+            <a:ext cx="4079564" cy="2507564"/>
+          </a:xfrm>
+          <a:prstGeom prst="rect">
+            <a:avLst/>
+          </a:prstGeom>
+        </p:spPr>
+      </p:pic>
+    </p:spTree>
+    <p:extLst>
+      <p:ext uri="{BB962C8B-B14F-4D97-AF65-F5344CB8AC3E}">
+        <p14:creationId xmlns:p14="http://schemas.microsoft.com/office/powerpoint/2010/main" val="979774010"/>
+      </p:ext>
+    </p:extLst>
+  </p:cSld>
+  <p:clrMapOvr>
+    <a:masterClrMapping/>
+  </p:clrMapOvr>
+</p:sld>
+</file>
+
+<file path=ppt/slides/slide32.xml><?xml version="1.0" encoding="utf-8"?>
+<p:sld xmlns:a="http://schemas.openxmlformats.org/drawingml/2006/main" xmlns:r="http://schemas.openxmlformats.org/officeDocument/2006/relationships" xmlns:p="http://schemas.openxmlformats.org/presentationml/2006/main">
+  <p:cSld>
+    <p:spTree>
+      <p:nvGrpSpPr>
+        <p:cNvPr id="1" name="">
+          <a:extLst>
+            <a:ext uri="{FF2B5EF4-FFF2-40B4-BE49-F238E27FC236}">
+              <a16:creationId xmlns:a16="http://schemas.microsoft.com/office/drawing/2014/main" id="{E09DFB99-9FD0-3B64-38A6-66D05FD5BD5E}"/>
+            </a:ext>
+          </a:extLst>
+        </p:cNvPr>
+        <p:cNvGrpSpPr/>
+        <p:nvPr/>
+      </p:nvGrpSpPr>
+      <p:grpSpPr>
+        <a:xfrm>
+          <a:off x="0" y="0"/>
+          <a:ext cx="0" cy="0"/>
+          <a:chOff x="0" y="0"/>
+          <a:chExt cx="0" cy="0"/>
+        </a:xfrm>
+      </p:grpSpPr>
+      <p:sp>
+        <p:nvSpPr>
+          <p:cNvPr id="7" name="PlaceHolder 1">
+            <a:extLst>
+              <a:ext uri="{FF2B5EF4-FFF2-40B4-BE49-F238E27FC236}">
+                <a16:creationId xmlns:a16="http://schemas.microsoft.com/office/drawing/2014/main" id="{56D60CCF-24A9-E66A-7577-C542731D22E6}"/>
+              </a:ext>
+            </a:extLst>
+          </p:cNvPr>
+          <p:cNvSpPr txBox="1">
+            <a:spLocks/>
+          </p:cNvSpPr>
+          <p:nvPr/>
+        </p:nvSpPr>
+        <p:spPr>
+          <a:xfrm>
+            <a:off x="2610765" y="2730510"/>
+            <a:ext cx="4422552" cy="923400"/>
+          </a:xfrm>
+          <a:prstGeom prst="rect">
+            <a:avLst/>
+          </a:prstGeom>
+          <a:noFill/>
+          <a:ln w="0">
+            <a:noFill/>
+          </a:ln>
+        </p:spPr>
+        <p:txBody>
+          <a:bodyPr lIns="91440" tIns="91440" rIns="91440" bIns="91440" anchor="t">
+            <a:normAutofit fontScale="97500"/>
+          </a:bodyPr>
+          <a:lstStyle>
+            <a:lvl1pPr algn="l" defTabSz="914400" rtl="0" eaLnBrk="1" latinLnBrk="0" hangingPunct="1">
+              <a:lnSpc>
+                <a:spcPct val="90000"/>
+              </a:lnSpc>
+              <a:spcBef>
+                <a:spcPct val="0"/>
+              </a:spcBef>
+              <a:buNone/>
+              <a:defRPr sz="4400" kern="1200">
+                <a:solidFill>
+                  <a:schemeClr val="tx1"/>
+                </a:solidFill>
+                <a:latin typeface="+mj-lt"/>
+                <a:ea typeface="+mj-ea"/>
+                <a:cs typeface="+mj-cs"/>
+              </a:defRPr>
+            </a:lvl1pPr>
+          </a:lstStyle>
+          <a:p>
+            <a:pPr algn="ctr">
+              <a:lnSpc>
+                <a:spcPct val="100000"/>
+              </a:lnSpc>
+              <a:tabLst>
+                <a:tab pos="0" algn="l"/>
+              </a:tabLst>
+            </a:pPr>
+            <a:r>
+              <a:rPr lang="hu-HU" sz="4800" dirty="0">
+                <a:latin typeface="Inter"/>
+              </a:rPr>
+              <a:t>Algoritmusok</a:t>
+            </a:r>
+            <a:endParaRPr lang="fr-FR" sz="4800" spc="-1" dirty="0">
+              <a:solidFill>
+                <a:schemeClr val="dk1"/>
+              </a:solidFill>
+              <a:latin typeface="Inter"/>
+            </a:endParaRPr>
+          </a:p>
+        </p:txBody>
+      </p:sp>
+      <p:sp>
+        <p:nvSpPr>
+          <p:cNvPr id="8" name="PlaceHolder 2">
+            <a:extLst>
+              <a:ext uri="{FF2B5EF4-FFF2-40B4-BE49-F238E27FC236}">
+                <a16:creationId xmlns:a16="http://schemas.microsoft.com/office/drawing/2014/main" id="{9C1260B3-C128-010A-524C-8860841C7D02}"/>
+              </a:ext>
+            </a:extLst>
+          </p:cNvPr>
+          <p:cNvSpPr txBox="1">
+            <a:spLocks/>
+          </p:cNvSpPr>
+          <p:nvPr/>
+        </p:nvSpPr>
+        <p:spPr>
+          <a:xfrm>
+            <a:off x="2610765" y="1768590"/>
+            <a:ext cx="1238040" cy="647280"/>
+          </a:xfrm>
+          <a:prstGeom prst="rect">
+            <a:avLst/>
+          </a:prstGeom>
+          <a:noFill/>
+          <a:ln w="0">
+            <a:noFill/>
+          </a:ln>
+        </p:spPr>
+        <p:txBody>
+          <a:bodyPr lIns="91440" tIns="91440" rIns="91440" bIns="91440" anchor="b">
+            <a:normAutofit/>
+          </a:bodyPr>
+          <a:lstStyle>
+            <a:lvl1pPr algn="l" defTabSz="914400" rtl="0" eaLnBrk="1" latinLnBrk="0" hangingPunct="1">
+              <a:lnSpc>
+                <a:spcPct val="90000"/>
+              </a:lnSpc>
+              <a:spcBef>
+                <a:spcPct val="0"/>
+              </a:spcBef>
+              <a:buNone/>
+              <a:defRPr sz="4400" kern="1200">
+                <a:solidFill>
+                  <a:schemeClr val="tx1"/>
+                </a:solidFill>
+                <a:latin typeface="+mj-lt"/>
+                <a:ea typeface="+mj-ea"/>
+                <a:cs typeface="+mj-cs"/>
+              </a:defRPr>
+            </a:lvl1pPr>
+          </a:lstStyle>
+          <a:p>
+            <a:pPr>
+              <a:lnSpc>
+                <a:spcPct val="100000"/>
+              </a:lnSpc>
+              <a:tabLst>
+                <a:tab pos="0" algn="l"/>
+              </a:tabLst>
+            </a:pPr>
+            <a:r>
+              <a:rPr lang="hu-HU" sz="3000" spc="-1" dirty="0">
+                <a:solidFill>
+                  <a:schemeClr val="accent2"/>
+                </a:solidFill>
+                <a:latin typeface="Inter"/>
+                <a:ea typeface="Inter"/>
+              </a:rPr>
+              <a:t>3.1.6</a:t>
+            </a:r>
+            <a:endParaRPr lang="fr-FR" sz="3000" spc="-1" dirty="0">
+              <a:solidFill>
+                <a:schemeClr val="dk1"/>
+              </a:solidFill>
+              <a:latin typeface="Arial"/>
+            </a:endParaRPr>
+          </a:p>
+        </p:txBody>
+      </p:sp>
+      <p:cxnSp>
+        <p:nvCxnSpPr>
+          <p:cNvPr id="9" name="Google Shape;331;p35">
+            <a:extLst>
+              <a:ext uri="{FF2B5EF4-FFF2-40B4-BE49-F238E27FC236}">
+                <a16:creationId xmlns:a16="http://schemas.microsoft.com/office/drawing/2014/main" id="{013165CE-9C22-C776-7F48-A3DBB5020994}"/>
+              </a:ext>
+            </a:extLst>
+          </p:cNvPr>
+          <p:cNvCxnSpPr/>
+          <p:nvPr/>
+        </p:nvCxnSpPr>
+        <p:spPr>
+          <a:xfrm>
+            <a:off x="2702925" y="2571390"/>
+            <a:ext cx="3869280" cy="360"/>
+          </a:xfrm>
+          <a:prstGeom prst="straightConnector1">
+            <a:avLst/>
+          </a:prstGeom>
+          <a:ln w="9525">
+            <a:solidFill>
+              <a:srgbClr val="FFFFFF"/>
+            </a:solidFill>
+            <a:round/>
+          </a:ln>
+        </p:spPr>
+      </p:cxnSp>
+    </p:spTree>
+    <p:extLst>
+      <p:ext uri="{BB962C8B-B14F-4D97-AF65-F5344CB8AC3E}">
+        <p14:creationId xmlns:p14="http://schemas.microsoft.com/office/powerpoint/2010/main" val="3892086714"/>
+      </p:ext>
+    </p:extLst>
+  </p:cSld>
+  <p:clrMapOvr>
+    <a:masterClrMapping/>
+  </p:clrMapOvr>
+</p:sld>
+</file>
+
+<file path=ppt/slides/slide33.xml><?xml version="1.0" encoding="utf-8"?>
+<p:sld xmlns:a="http://schemas.openxmlformats.org/drawingml/2006/main" xmlns:r="http://schemas.openxmlformats.org/officeDocument/2006/relationships" xmlns:p="http://schemas.openxmlformats.org/presentationml/2006/main">
+  <p:cSld>
+    <p:spTree>
+      <p:nvGrpSpPr>
+        <p:cNvPr id="1" name="">
+          <a:extLst>
+            <a:ext uri="{FF2B5EF4-FFF2-40B4-BE49-F238E27FC236}">
+              <a16:creationId xmlns:a16="http://schemas.microsoft.com/office/drawing/2014/main" id="{F9CD9309-909A-63B4-2C52-B311E9B05E09}"/>
+            </a:ext>
+          </a:extLst>
+        </p:cNvPr>
+        <p:cNvGrpSpPr/>
+        <p:nvPr/>
+      </p:nvGrpSpPr>
+      <p:grpSpPr>
+        <a:xfrm>
+          <a:off x="0" y="0"/>
+          <a:ext cx="0" cy="0"/>
+          <a:chOff x="0" y="0"/>
+          <a:chExt cx="0" cy="0"/>
+        </a:xfrm>
+      </p:grpSpPr>
+      <p:sp>
+        <p:nvSpPr>
+          <p:cNvPr id="202" name="PlaceHolder 1">
+            <a:extLst>
+              <a:ext uri="{FF2B5EF4-FFF2-40B4-BE49-F238E27FC236}">
+                <a16:creationId xmlns:a16="http://schemas.microsoft.com/office/drawing/2014/main" id="{44AE48BE-CB68-FDAA-AB7E-8F425B69B2AD}"/>
+              </a:ext>
+            </a:extLst>
+          </p:cNvPr>
+          <p:cNvSpPr>
+            <a:spLocks noGrp="1"/>
+          </p:cNvSpPr>
+          <p:nvPr>
+            <p:ph type="title"/>
+          </p:nvPr>
+        </p:nvSpPr>
+        <p:spPr>
+          <a:xfrm>
+            <a:off x="714240" y="752400"/>
+            <a:ext cx="6724713" cy="1018800"/>
+          </a:xfrm>
+          <a:prstGeom prst="rect">
+            <a:avLst/>
+          </a:prstGeom>
+          <a:noFill/>
+          <a:ln w="0">
+            <a:noFill/>
+          </a:ln>
+        </p:spPr>
+        <p:txBody>
+          <a:bodyPr lIns="91440" tIns="91440" rIns="91440" bIns="91440" anchor="b">
+            <a:noAutofit/>
+          </a:bodyPr>
+          <a:lstStyle/>
+          <a:p>
+            <a:pPr indent="0">
+              <a:lnSpc>
+                <a:spcPct val="100000"/>
+              </a:lnSpc>
+              <a:buNone/>
+              <a:tabLst>
+                <a:tab pos="0" algn="l"/>
+              </a:tabLst>
+            </a:pPr>
+            <a:r>
+              <a:rPr lang="hu-HU" sz="3200" dirty="0">
+                <a:latin typeface="Inter"/>
+              </a:rPr>
+              <a:t>3.1.6.1 Jogosultságellenőrzés</a:t>
+            </a:r>
+            <a:endParaRPr lang="fr-FR" sz="3000" b="0" strike="noStrike" spc="-1" dirty="0">
+              <a:solidFill>
+                <a:schemeClr val="dk1"/>
+              </a:solidFill>
+              <a:latin typeface="Inter"/>
+            </a:endParaRPr>
+          </a:p>
+        </p:txBody>
+      </p:sp>
+      <p:sp>
+        <p:nvSpPr>
+          <p:cNvPr id="203" name="PlaceHolder 2">
+            <a:extLst>
+              <a:ext uri="{FF2B5EF4-FFF2-40B4-BE49-F238E27FC236}">
+                <a16:creationId xmlns:a16="http://schemas.microsoft.com/office/drawing/2014/main" id="{BB1362E9-B652-C839-4600-FCFFC2626524}"/>
+              </a:ext>
+            </a:extLst>
+          </p:cNvPr>
+          <p:cNvSpPr>
+            <a:spLocks noGrp="1"/>
+          </p:cNvSpPr>
+          <p:nvPr>
+            <p:ph type="subTitle"/>
+          </p:nvPr>
+        </p:nvSpPr>
+        <p:spPr>
+          <a:xfrm>
+            <a:off x="714240" y="1852602"/>
+            <a:ext cx="5026542" cy="2746898"/>
+          </a:xfrm>
+          <a:prstGeom prst="rect">
+            <a:avLst/>
+          </a:prstGeom>
+          <a:noFill/>
+          <a:ln w="0">
+            <a:noFill/>
+          </a:ln>
+        </p:spPr>
+        <p:txBody>
+          <a:bodyPr lIns="91440" tIns="91440" rIns="91440" bIns="91440" anchor="t">
+            <a:normAutofit/>
+          </a:bodyPr>
+          <a:lstStyle/>
+          <a:p>
+            <a:pPr algn="just"/>
+            <a:r>
+              <a:rPr lang="hu-HU" sz="1200" dirty="0">
+                <a:latin typeface="Raleway" pitchFamily="2" charset="-18"/>
+              </a:rPr>
+              <a:t>Bejelentkezés után, az oldal betöltésekor ellenőrizzük: Jogosult-e az adott felület megtekintésére</a:t>
+            </a:r>
+          </a:p>
+          <a:p>
+            <a:pPr lvl="1" algn="just"/>
+            <a:r>
+              <a:rPr lang="hu-HU" sz="1000" dirty="0">
+                <a:latin typeface="Raleway" pitchFamily="2" charset="-18"/>
+              </a:rPr>
+              <a:t>pl. csak bejelentkezett felhasználók használhatják az oldalt</a:t>
+            </a:r>
+          </a:p>
+          <a:p>
+            <a:pPr algn="just"/>
+            <a:r>
+              <a:rPr lang="hu-HU" sz="1200" dirty="0">
+                <a:latin typeface="Raleway" pitchFamily="2" charset="-18"/>
+              </a:rPr>
+              <a:t>További jogosultságellenőrzések: Osztály beállítva-e</a:t>
+            </a:r>
+          </a:p>
+          <a:p>
+            <a:pPr lvl="1" algn="just"/>
+            <a:r>
+              <a:rPr lang="hu-HU" sz="1000" dirty="0">
+                <a:latin typeface="Raleway" pitchFamily="2" charset="-18"/>
+              </a:rPr>
+              <a:t>ha nem → átirányítás a profiloldalra</a:t>
+            </a:r>
+          </a:p>
+          <a:p>
+            <a:pPr algn="just"/>
+            <a:r>
+              <a:rPr lang="hu-HU" sz="1200" dirty="0">
+                <a:latin typeface="Raleway" pitchFamily="2" charset="-18"/>
+              </a:rPr>
+              <a:t>DÖK jogosultság ellenőrzése: Adott funkciók (pl. posztolás, szavazás indítása) csak akkor érhetők el, ha</a:t>
+            </a:r>
+          </a:p>
+          <a:p>
+            <a:pPr lvl="1" algn="just"/>
+            <a:r>
+              <a:rPr lang="hu-HU" sz="1000" dirty="0" err="1">
+                <a:latin typeface="Raleway" pitchFamily="2" charset="-18"/>
+              </a:rPr>
+              <a:t>ustatusz</a:t>
+            </a:r>
+            <a:r>
+              <a:rPr lang="hu-HU" sz="1000" dirty="0">
+                <a:latin typeface="Raleway" pitchFamily="2" charset="-18"/>
+              </a:rPr>
+              <a:t> mező értéke 'D’</a:t>
+            </a:r>
+          </a:p>
+          <a:p>
+            <a:pPr lvl="1" algn="just"/>
+            <a:r>
+              <a:rPr lang="hu-HU" sz="1000" dirty="0">
+                <a:latin typeface="Raleway" pitchFamily="2" charset="-18"/>
+              </a:rPr>
+              <a:t>Biztonságos megvalósítás: Backend oldali kontroll</a:t>
+            </a:r>
+          </a:p>
+          <a:p>
+            <a:pPr lvl="1" algn="just"/>
+            <a:r>
+              <a:rPr lang="hu-HU" sz="1000" dirty="0">
+                <a:latin typeface="Raleway" pitchFamily="2" charset="-18"/>
+              </a:rPr>
+              <a:t>PHP vizsgál → adatbázis alapú ellenőrzés</a:t>
+            </a:r>
+          </a:p>
+        </p:txBody>
+      </p:sp>
+      <p:pic>
+        <p:nvPicPr>
+          <p:cNvPr id="258" name="Google Shape;320;p34"/>
+          <p:cNvPicPr/>
+          <p:nvPr/>
+        </p:nvPicPr>
+        <p:blipFill>
+          <a:blip r:embed="rId2"/>
+          <a:srcRect t="1392" b="1392"/>
+          <a:stretch/>
+        </p:blipFill>
+        <p:spPr>
+          <a:xfrm>
+            <a:off x="5986735" y="752400"/>
+            <a:ext cx="2786760" cy="4064040"/>
+          </a:xfrm>
+          <a:prstGeom prst="rect">
+            <a:avLst/>
+          </a:prstGeom>
+          <a:ln w="9525">
+            <a:solidFill>
+              <a:srgbClr val="FFFFFF"/>
+            </a:solidFill>
+            <a:round/>
+          </a:ln>
+        </p:spPr>
+      </p:pic>
+    </p:spTree>
+    <p:extLst>
+      <p:ext uri="{BB962C8B-B14F-4D97-AF65-F5344CB8AC3E}">
+        <p14:creationId xmlns:p14="http://schemas.microsoft.com/office/powerpoint/2010/main" val="3891602977"/>
+      </p:ext>
+    </p:extLst>
+  </p:cSld>
+  <p:clrMapOvr>
+    <a:masterClrMapping/>
+  </p:clrMapOvr>
+</p:sld>
+</file>
+
+<file path=ppt/slides/slide34.xml><?xml version="1.0" encoding="utf-8"?>
+<p:sld xmlns:a="http://schemas.openxmlformats.org/drawingml/2006/main" xmlns:r="http://schemas.openxmlformats.org/officeDocument/2006/relationships" xmlns:p="http://schemas.openxmlformats.org/presentationml/2006/main">
+  <p:cSld>
+    <p:spTree>
+      <p:nvGrpSpPr>
+        <p:cNvPr id="1" name="">
+          <a:extLst>
+            <a:ext uri="{FF2B5EF4-FFF2-40B4-BE49-F238E27FC236}">
+              <a16:creationId xmlns:a16="http://schemas.microsoft.com/office/drawing/2014/main" id="{6CD0E828-0798-84AE-8A98-F0025A6B5E4B}"/>
+            </a:ext>
+          </a:extLst>
+        </p:cNvPr>
+        <p:cNvGrpSpPr/>
+        <p:nvPr/>
+      </p:nvGrpSpPr>
+      <p:grpSpPr>
+        <a:xfrm>
+          <a:off x="0" y="0"/>
+          <a:ext cx="0" cy="0"/>
+          <a:chOff x="0" y="0"/>
+          <a:chExt cx="0" cy="0"/>
+        </a:xfrm>
+      </p:grpSpPr>
+      <p:sp>
+        <p:nvSpPr>
+          <p:cNvPr id="202" name="PlaceHolder 1">
+            <a:extLst>
+              <a:ext uri="{FF2B5EF4-FFF2-40B4-BE49-F238E27FC236}">
+                <a16:creationId xmlns:a16="http://schemas.microsoft.com/office/drawing/2014/main" id="{FA6BB5D8-7448-BFFF-5F71-EBEDE1D714D2}"/>
+              </a:ext>
+            </a:extLst>
+          </p:cNvPr>
+          <p:cNvSpPr>
+            <a:spLocks noGrp="1"/>
+          </p:cNvSpPr>
+          <p:nvPr>
+            <p:ph type="title"/>
+          </p:nvPr>
+        </p:nvSpPr>
+        <p:spPr>
+          <a:xfrm>
+            <a:off x="714240" y="752400"/>
+            <a:ext cx="6724713" cy="1018800"/>
+          </a:xfrm>
+          <a:prstGeom prst="rect">
+            <a:avLst/>
+          </a:prstGeom>
+          <a:noFill/>
+          <a:ln w="0">
+            <a:noFill/>
+          </a:ln>
+        </p:spPr>
+        <p:txBody>
+          <a:bodyPr lIns="91440" tIns="91440" rIns="91440" bIns="91440" anchor="b">
+            <a:noAutofit/>
+          </a:bodyPr>
+          <a:lstStyle/>
+          <a:p>
+            <a:pPr indent="0">
+              <a:lnSpc>
+                <a:spcPct val="100000"/>
+              </a:lnSpc>
+              <a:buNone/>
+              <a:tabLst>
+                <a:tab pos="0" algn="l"/>
+              </a:tabLst>
+            </a:pPr>
+            <a:r>
+              <a:rPr lang="hu-HU" sz="3200" dirty="0">
+                <a:latin typeface="Inter"/>
+              </a:rPr>
+              <a:t>3.1.6.2 Fájlkezelés</a:t>
+            </a:r>
+            <a:endParaRPr lang="fr-FR" sz="3000" b="0" strike="noStrike" spc="-1" dirty="0">
+              <a:solidFill>
+                <a:schemeClr val="dk1"/>
+              </a:solidFill>
+              <a:latin typeface="Inter"/>
+            </a:endParaRPr>
+          </a:p>
+        </p:txBody>
+      </p:sp>
+      <p:sp>
+        <p:nvSpPr>
+          <p:cNvPr id="203" name="PlaceHolder 2">
+            <a:extLst>
+              <a:ext uri="{FF2B5EF4-FFF2-40B4-BE49-F238E27FC236}">
+                <a16:creationId xmlns:a16="http://schemas.microsoft.com/office/drawing/2014/main" id="{5B4893BD-E131-F312-4361-C4DACB843838}"/>
+              </a:ext>
+            </a:extLst>
+          </p:cNvPr>
+          <p:cNvSpPr>
+            <a:spLocks noGrp="1"/>
+          </p:cNvSpPr>
+          <p:nvPr>
+            <p:ph type="subTitle"/>
+          </p:nvPr>
+        </p:nvSpPr>
+        <p:spPr>
+          <a:xfrm>
+            <a:off x="714240" y="1852602"/>
+            <a:ext cx="5026542" cy="2746898"/>
+          </a:xfrm>
+          <a:prstGeom prst="rect">
+            <a:avLst/>
+          </a:prstGeom>
+          <a:noFill/>
+          <a:ln w="0">
+            <a:noFill/>
+          </a:ln>
+        </p:spPr>
+        <p:txBody>
+          <a:bodyPr lIns="91440" tIns="91440" rIns="91440" bIns="91440" anchor="t">
+            <a:normAutofit/>
+          </a:bodyPr>
+          <a:lstStyle/>
+          <a:p>
+            <a:pPr algn="just"/>
+            <a:r>
+              <a:rPr lang="hu-HU" sz="1200" dirty="0">
+                <a:latin typeface="Raleway" pitchFamily="2" charset="-18"/>
+              </a:rPr>
+              <a:t>Fájlok feltöltése </a:t>
+            </a:r>
+            <a:r>
+              <a:rPr lang="hu-HU" sz="1200" dirty="0" err="1">
+                <a:latin typeface="Raleway" pitchFamily="2" charset="-18"/>
+              </a:rPr>
+              <a:t>dok-files</a:t>
+            </a:r>
+            <a:r>
+              <a:rPr lang="hu-HU" sz="1200" dirty="0">
+                <a:latin typeface="Raleway" pitchFamily="2" charset="-18"/>
+              </a:rPr>
+              <a:t>/ mappába történik</a:t>
+            </a:r>
+          </a:p>
+          <a:p>
+            <a:pPr lvl="1" algn="just"/>
+            <a:r>
+              <a:rPr lang="hu-HU" sz="1000" dirty="0">
+                <a:latin typeface="Raleway" pitchFamily="2" charset="-18"/>
+              </a:rPr>
+              <a:t>fájlnév ütközés elkerüléséhez egyedi név generálása</a:t>
+            </a:r>
+          </a:p>
+          <a:p>
+            <a:pPr lvl="1" algn="just"/>
+            <a:r>
+              <a:rPr lang="hu-HU" sz="1000" dirty="0">
+                <a:latin typeface="Raleway" pitchFamily="2" charset="-18"/>
+              </a:rPr>
+              <a:t>egyedi fájlnév mentése az adatbázisba (</a:t>
+            </a:r>
+            <a:r>
+              <a:rPr lang="hu-HU" sz="1000" dirty="0" err="1">
+                <a:latin typeface="Raleway" pitchFamily="2" charset="-18"/>
+              </a:rPr>
+              <a:t>dfile</a:t>
+            </a:r>
+            <a:r>
+              <a:rPr lang="hu-HU" sz="1000" dirty="0">
+                <a:latin typeface="Raleway" pitchFamily="2" charset="-18"/>
+              </a:rPr>
+              <a:t> mező)</a:t>
+            </a:r>
+          </a:p>
+          <a:p>
+            <a:pPr algn="just"/>
+            <a:r>
+              <a:rPr lang="hu-HU" sz="1200" dirty="0">
+                <a:latin typeface="Raleway" pitchFamily="2" charset="-18"/>
+              </a:rPr>
+              <a:t>Feltöltéskor ellenőrzések:</a:t>
+            </a:r>
+          </a:p>
+          <a:p>
+            <a:pPr lvl="1" algn="just"/>
+            <a:r>
+              <a:rPr lang="hu-HU" sz="1000" dirty="0">
+                <a:latin typeface="Raleway" pitchFamily="2" charset="-18"/>
+              </a:rPr>
+              <a:t>fájlméret</a:t>
+            </a:r>
+          </a:p>
+          <a:p>
+            <a:pPr algn="just"/>
+            <a:r>
+              <a:rPr lang="hu-HU" sz="1200" dirty="0">
+                <a:latin typeface="Raleway" pitchFamily="2" charset="-18"/>
+              </a:rPr>
+              <a:t>Lekéréskor:</a:t>
+            </a:r>
+          </a:p>
+          <a:p>
+            <a:pPr lvl="1" algn="just"/>
+            <a:r>
+              <a:rPr lang="hu-HU" sz="1000" dirty="0">
+                <a:latin typeface="Raleway" pitchFamily="2" charset="-18"/>
+              </a:rPr>
+              <a:t>a letöltés nem módosítja az URL-t</a:t>
+            </a:r>
+          </a:p>
+          <a:p>
+            <a:pPr lvl="1" algn="just"/>
+            <a:r>
+              <a:rPr lang="hu-HU" sz="1000" dirty="0">
+                <a:latin typeface="Raleway" pitchFamily="2" charset="-18"/>
+              </a:rPr>
+              <a:t>PHP közvetíti a fájlt a böngésző felé</a:t>
+            </a:r>
+          </a:p>
+          <a:p>
+            <a:pPr lvl="1" algn="just"/>
+            <a:r>
+              <a:rPr lang="hu-HU" sz="1000" dirty="0">
+                <a:latin typeface="Raleway" pitchFamily="2" charset="-18"/>
+              </a:rPr>
+              <a:t>biztonsági ellenőrzés: csak létező és jogos fájl kérhető le</a:t>
+            </a:r>
+          </a:p>
+          <a:p>
+            <a:pPr algn="just"/>
+            <a:r>
+              <a:rPr lang="hu-HU" sz="1200" dirty="0">
+                <a:latin typeface="Raleway" pitchFamily="2" charset="-18"/>
+              </a:rPr>
+              <a:t>Megjelenítéskor:</a:t>
+            </a:r>
+          </a:p>
+          <a:p>
+            <a:pPr lvl="1" algn="just"/>
+            <a:r>
+              <a:rPr lang="hu-HU" sz="1000" dirty="0">
+                <a:latin typeface="Raleway" pitchFamily="2" charset="-18"/>
+              </a:rPr>
+              <a:t>A fájl eredeti nevét mutatja</a:t>
+            </a:r>
+          </a:p>
+        </p:txBody>
+      </p:sp>
+    </p:spTree>
+    <p:extLst>
+      <p:ext uri="{BB962C8B-B14F-4D97-AF65-F5344CB8AC3E}">
+        <p14:creationId xmlns:p14="http://schemas.microsoft.com/office/powerpoint/2010/main" val="1954203504"/>
+      </p:ext>
+    </p:extLst>
+  </p:cSld>
+  <p:clrMapOvr>
+    <a:masterClrMapping/>
+  </p:clrMapOvr>
+</p:sld>
+</file>
+
+<file path=ppt/slides/slide35.xml><?xml version="1.0" encoding="utf-8"?>
+<p:sld xmlns:a="http://schemas.openxmlformats.org/drawingml/2006/main" xmlns:r="http://schemas.openxmlformats.org/officeDocument/2006/relationships" xmlns:p="http://schemas.openxmlformats.org/presentationml/2006/main">
+  <p:cSld>
+    <p:spTree>
+      <p:nvGrpSpPr>
+        <p:cNvPr id="1" name="">
+          <a:extLst>
+            <a:ext uri="{FF2B5EF4-FFF2-40B4-BE49-F238E27FC236}">
+              <a16:creationId xmlns:a16="http://schemas.microsoft.com/office/drawing/2014/main" id="{9B02FF37-E9E6-46A7-9AC4-2D3C9C293F1E}"/>
+            </a:ext>
+          </a:extLst>
+        </p:cNvPr>
+        <p:cNvGrpSpPr/>
+        <p:nvPr/>
+      </p:nvGrpSpPr>
+      <p:grpSpPr>
+        <a:xfrm>
+          <a:off x="0" y="0"/>
+          <a:ext cx="0" cy="0"/>
+          <a:chOff x="0" y="0"/>
+          <a:chExt cx="0" cy="0"/>
+        </a:xfrm>
+      </p:grpSpPr>
+      <p:sp>
+        <p:nvSpPr>
+          <p:cNvPr id="202" name="PlaceHolder 1">
+            <a:extLst>
+              <a:ext uri="{FF2B5EF4-FFF2-40B4-BE49-F238E27FC236}">
+                <a16:creationId xmlns:a16="http://schemas.microsoft.com/office/drawing/2014/main" id="{2493FA34-C4B6-DE3D-9E10-A649BFF40C83}"/>
+              </a:ext>
+            </a:extLst>
+          </p:cNvPr>
+          <p:cNvSpPr>
+            <a:spLocks noGrp="1"/>
+          </p:cNvSpPr>
+          <p:nvPr>
+            <p:ph type="title"/>
+          </p:nvPr>
+        </p:nvSpPr>
+        <p:spPr>
+          <a:xfrm>
+            <a:off x="714240" y="752400"/>
+            <a:ext cx="6724713" cy="1018800"/>
+          </a:xfrm>
+          <a:prstGeom prst="rect">
+            <a:avLst/>
+          </a:prstGeom>
+          <a:noFill/>
+          <a:ln w="0">
+            <a:noFill/>
+          </a:ln>
+        </p:spPr>
+        <p:txBody>
+          <a:bodyPr lIns="91440" tIns="91440" rIns="91440" bIns="91440" anchor="b">
+            <a:noAutofit/>
+          </a:bodyPr>
+          <a:lstStyle/>
+          <a:p>
+            <a:pPr indent="0">
+              <a:lnSpc>
+                <a:spcPct val="100000"/>
+              </a:lnSpc>
+              <a:buNone/>
+              <a:tabLst>
+                <a:tab pos="0" algn="l"/>
+              </a:tabLst>
+            </a:pPr>
+            <a:r>
+              <a:rPr lang="hu-HU" sz="3200" dirty="0">
+                <a:latin typeface="Inter"/>
+              </a:rPr>
+              <a:t>3.1.6.3 Szavazási opciók kezelése</a:t>
+            </a:r>
+            <a:endParaRPr lang="fr-FR" sz="3000" b="0" strike="noStrike" spc="-1" dirty="0">
+              <a:solidFill>
+                <a:schemeClr val="dk1"/>
+              </a:solidFill>
+              <a:latin typeface="Inter"/>
+            </a:endParaRPr>
+          </a:p>
+        </p:txBody>
+      </p:sp>
+      <p:sp>
+        <p:nvSpPr>
+          <p:cNvPr id="203" name="PlaceHolder 2">
+            <a:extLst>
+              <a:ext uri="{FF2B5EF4-FFF2-40B4-BE49-F238E27FC236}">
+                <a16:creationId xmlns:a16="http://schemas.microsoft.com/office/drawing/2014/main" id="{1E9A3ADF-46A1-B358-19E6-2607E6050430}"/>
+              </a:ext>
+            </a:extLst>
+          </p:cNvPr>
+          <p:cNvSpPr>
+            <a:spLocks noGrp="1"/>
+          </p:cNvSpPr>
+          <p:nvPr>
+            <p:ph type="subTitle"/>
+          </p:nvPr>
+        </p:nvSpPr>
+        <p:spPr>
+          <a:xfrm>
+            <a:off x="714240" y="1852602"/>
+            <a:ext cx="5026542" cy="2746898"/>
+          </a:xfrm>
+          <a:prstGeom prst="rect">
+            <a:avLst/>
+          </a:prstGeom>
+          <a:noFill/>
+          <a:ln w="0">
+            <a:noFill/>
+          </a:ln>
+        </p:spPr>
+        <p:txBody>
+          <a:bodyPr lIns="91440" tIns="91440" rIns="91440" bIns="91440" anchor="t">
+            <a:normAutofit/>
+          </a:bodyPr>
+          <a:lstStyle/>
+          <a:p>
+            <a:pPr algn="just"/>
+            <a:r>
+              <a:rPr lang="hu-HU" sz="1200" dirty="0">
+                <a:latin typeface="Raleway" pitchFamily="2" charset="-18"/>
+              </a:rPr>
+              <a:t>Szavazás létrehozása csak DÖK tagok számára elérhető</a:t>
+            </a:r>
+          </a:p>
+          <a:p>
+            <a:pPr lvl="1" algn="just"/>
+            <a:r>
+              <a:rPr lang="hu-HU" sz="1000" dirty="0" err="1">
+                <a:latin typeface="Raleway" pitchFamily="2" charset="-18"/>
+              </a:rPr>
+              <a:t>dvote</a:t>
+            </a:r>
+            <a:r>
+              <a:rPr lang="hu-HU" sz="1000" dirty="0">
+                <a:latin typeface="Raleway" pitchFamily="2" charset="-18"/>
+              </a:rPr>
+              <a:t> mezőben ; karakterrel elválasztva tároljuk az opciókat</a:t>
+            </a:r>
+          </a:p>
+          <a:p>
+            <a:pPr algn="just"/>
+            <a:r>
+              <a:rPr lang="hu-HU" sz="1200" dirty="0">
+                <a:latin typeface="Raleway" pitchFamily="2" charset="-18"/>
+              </a:rPr>
+              <a:t>Megjelenítéskor:</a:t>
+            </a:r>
+          </a:p>
+          <a:p>
+            <a:pPr lvl="1" algn="just"/>
+            <a:r>
+              <a:rPr lang="hu-HU" sz="1000" dirty="0" err="1">
+                <a:latin typeface="Raleway" pitchFamily="2" charset="-18"/>
+              </a:rPr>
+              <a:t>explode</a:t>
+            </a:r>
+            <a:r>
+              <a:rPr lang="hu-HU" sz="1000" dirty="0">
+                <a:latin typeface="Raleway" pitchFamily="2" charset="-18"/>
+              </a:rPr>
+              <a:t>(';') segítségével tömbbé alakítás</a:t>
+            </a:r>
+          </a:p>
+          <a:p>
+            <a:pPr lvl="1" algn="just"/>
+            <a:r>
+              <a:rPr lang="hu-HU" sz="1000" dirty="0">
+                <a:latin typeface="Raleway" pitchFamily="2" charset="-18"/>
+              </a:rPr>
+              <a:t>szavazat leadása rádiógombokkal</a:t>
+            </a:r>
+          </a:p>
+          <a:p>
+            <a:pPr algn="just"/>
+            <a:r>
+              <a:rPr lang="hu-HU" sz="1200" dirty="0">
+                <a:latin typeface="Raleway" pitchFamily="2" charset="-18"/>
+              </a:rPr>
+              <a:t>Szavazat rögzítése </a:t>
+            </a:r>
+            <a:r>
+              <a:rPr lang="hu-HU" sz="1200" dirty="0" err="1">
+                <a:latin typeface="Raleway" pitchFamily="2" charset="-18"/>
+              </a:rPr>
+              <a:t>votelog</a:t>
+            </a:r>
+            <a:r>
+              <a:rPr lang="hu-HU" sz="1200" dirty="0">
+                <a:latin typeface="Raleway" pitchFamily="2" charset="-18"/>
+              </a:rPr>
+              <a:t> táblában:</a:t>
+            </a:r>
+          </a:p>
+          <a:p>
+            <a:pPr lvl="1" algn="just"/>
+            <a:r>
+              <a:rPr lang="hu-HU" sz="1000" dirty="0" err="1">
+                <a:latin typeface="Raleway" pitchFamily="2" charset="-18"/>
+              </a:rPr>
+              <a:t>vdpostid</a:t>
+            </a:r>
+            <a:r>
+              <a:rPr lang="hu-HU" sz="1000" dirty="0">
+                <a:latin typeface="Raleway" pitchFamily="2" charset="-18"/>
+              </a:rPr>
+              <a:t>: szavazáshoz tartozó poszt</a:t>
+            </a:r>
+          </a:p>
+          <a:p>
+            <a:pPr lvl="1" algn="just"/>
+            <a:r>
+              <a:rPr lang="hu-HU" sz="1000" dirty="0">
+                <a:latin typeface="Raleway" pitchFamily="2" charset="-18"/>
+              </a:rPr>
+              <a:t>vuid: szavazó felhasználó</a:t>
+            </a:r>
+          </a:p>
+          <a:p>
+            <a:pPr lvl="1" algn="just"/>
+            <a:r>
+              <a:rPr lang="hu-HU" sz="1000" dirty="0" err="1">
+                <a:latin typeface="Raleway" pitchFamily="2" charset="-18"/>
+              </a:rPr>
+              <a:t>vchoice</a:t>
+            </a:r>
+            <a:r>
+              <a:rPr lang="hu-HU" sz="1000" dirty="0">
+                <a:latin typeface="Raleway" pitchFamily="2" charset="-18"/>
+              </a:rPr>
+              <a:t>: választott opció szövege</a:t>
+            </a:r>
+          </a:p>
+          <a:p>
+            <a:pPr algn="just"/>
+            <a:r>
+              <a:rPr lang="hu-HU" sz="1200" dirty="0" err="1">
+                <a:latin typeface="Raleway" pitchFamily="2" charset="-18"/>
+              </a:rPr>
+              <a:t>Újraszavazás</a:t>
+            </a:r>
+            <a:r>
+              <a:rPr lang="hu-HU" sz="1200" dirty="0">
+                <a:latin typeface="Raleway" pitchFamily="2" charset="-18"/>
+              </a:rPr>
+              <a:t> engedélyezett</a:t>
+            </a:r>
+          </a:p>
+        </p:txBody>
+      </p:sp>
+    </p:spTree>
+    <p:extLst>
+      <p:ext uri="{BB962C8B-B14F-4D97-AF65-F5344CB8AC3E}">
+        <p14:creationId xmlns:p14="http://schemas.microsoft.com/office/powerpoint/2010/main" val="1749917841"/>
+      </p:ext>
+    </p:extLst>
+  </p:cSld>
+  <p:clrMapOvr>
+    <a:masterClrMapping/>
+  </p:clrMapOvr>
+</p:sld>
+</file>
+
+<file path=ppt/slides/slide36.xml><?xml version="1.0" encoding="utf-8"?>
+<p:sld xmlns:a="http://schemas.openxmlformats.org/drawingml/2006/main" xmlns:r="http://schemas.openxmlformats.org/officeDocument/2006/relationships" xmlns:p="http://schemas.openxmlformats.org/presentationml/2006/main">
+  <p:cSld>
+    <p:spTree>
+      <p:nvGrpSpPr>
+        <p:cNvPr id="1" name="">
+          <a:extLst>
+            <a:ext uri="{FF2B5EF4-FFF2-40B4-BE49-F238E27FC236}">
+              <a16:creationId xmlns:a16="http://schemas.microsoft.com/office/drawing/2014/main" id="{ADE79901-3CBC-55A7-2ECA-2B2434A78D5F}"/>
+            </a:ext>
+          </a:extLst>
+        </p:cNvPr>
+        <p:cNvGrpSpPr/>
+        <p:nvPr/>
+      </p:nvGrpSpPr>
+      <p:grpSpPr>
+        <a:xfrm>
+          <a:off x="0" y="0"/>
+          <a:ext cx="0" cy="0"/>
+          <a:chOff x="0" y="0"/>
+          <a:chExt cx="0" cy="0"/>
+        </a:xfrm>
+      </p:grpSpPr>
+      <p:sp>
+        <p:nvSpPr>
+          <p:cNvPr id="202" name="PlaceHolder 1">
+            <a:extLst>
+              <a:ext uri="{FF2B5EF4-FFF2-40B4-BE49-F238E27FC236}">
+                <a16:creationId xmlns:a16="http://schemas.microsoft.com/office/drawing/2014/main" id="{7FCDAE15-7D86-7C00-0116-A3D2FA13545C}"/>
+              </a:ext>
+            </a:extLst>
+          </p:cNvPr>
+          <p:cNvSpPr>
+            <a:spLocks noGrp="1"/>
+          </p:cNvSpPr>
+          <p:nvPr>
+            <p:ph type="title"/>
+          </p:nvPr>
+        </p:nvSpPr>
+        <p:spPr>
+          <a:xfrm>
+            <a:off x="714240" y="752400"/>
+            <a:ext cx="6724713" cy="1018800"/>
+          </a:xfrm>
+          <a:prstGeom prst="rect">
+            <a:avLst/>
+          </a:prstGeom>
+          <a:noFill/>
+          <a:ln w="0">
+            <a:noFill/>
+          </a:ln>
+        </p:spPr>
+        <p:txBody>
+          <a:bodyPr lIns="91440" tIns="91440" rIns="91440" bIns="91440" anchor="b">
+            <a:noAutofit/>
+          </a:bodyPr>
+          <a:lstStyle/>
+          <a:p>
+            <a:pPr indent="0">
+              <a:lnSpc>
+                <a:spcPct val="100000"/>
+              </a:lnSpc>
+              <a:buNone/>
+              <a:tabLst>
+                <a:tab pos="0" algn="l"/>
+              </a:tabLst>
+            </a:pPr>
+            <a:r>
+              <a:rPr lang="hu-HU" sz="3200" dirty="0">
+                <a:latin typeface="Inter"/>
+              </a:rPr>
+              <a:t>3.1.6.4 Bejegyzések megkülönböztetése</a:t>
+            </a:r>
+            <a:endParaRPr lang="fr-FR" sz="3000" b="0" strike="noStrike" spc="-1" dirty="0">
+              <a:solidFill>
+                <a:schemeClr val="dk1"/>
+              </a:solidFill>
+              <a:latin typeface="Inter"/>
+            </a:endParaRPr>
+          </a:p>
+        </p:txBody>
+      </p:sp>
+      <p:sp>
+        <p:nvSpPr>
+          <p:cNvPr id="203" name="PlaceHolder 2">
+            <a:extLst>
+              <a:ext uri="{FF2B5EF4-FFF2-40B4-BE49-F238E27FC236}">
+                <a16:creationId xmlns:a16="http://schemas.microsoft.com/office/drawing/2014/main" id="{AD6E05F3-90E3-F29C-C9B4-EC0EA1A6CF31}"/>
+              </a:ext>
+            </a:extLst>
+          </p:cNvPr>
+          <p:cNvSpPr>
+            <a:spLocks noGrp="1"/>
+          </p:cNvSpPr>
+          <p:nvPr>
+            <p:ph type="subTitle"/>
+          </p:nvPr>
+        </p:nvSpPr>
+        <p:spPr>
+          <a:xfrm>
+            <a:off x="714240" y="1852602"/>
+            <a:ext cx="5026542" cy="2746898"/>
+          </a:xfrm>
+          <a:prstGeom prst="rect">
+            <a:avLst/>
+          </a:prstGeom>
+          <a:noFill/>
+          <a:ln w="0">
+            <a:noFill/>
+          </a:ln>
+        </p:spPr>
+        <p:txBody>
+          <a:bodyPr lIns="91440" tIns="91440" rIns="91440" bIns="91440" anchor="t">
+            <a:normAutofit/>
+          </a:bodyPr>
+          <a:lstStyle/>
+          <a:p>
+            <a:pPr algn="just"/>
+            <a:r>
+              <a:rPr lang="hu-HU" sz="1200" dirty="0">
+                <a:latin typeface="Raleway" pitchFamily="2" charset="-18"/>
+              </a:rPr>
+              <a:t>Bejegyzés ≠ Komment:</a:t>
+            </a:r>
+          </a:p>
+          <a:p>
+            <a:pPr lvl="1" algn="just"/>
+            <a:r>
+              <a:rPr lang="hu-HU" sz="1000" dirty="0">
+                <a:latin typeface="Raleway" pitchFamily="2" charset="-18"/>
+              </a:rPr>
+              <a:t>új bejegyzés: </a:t>
+            </a:r>
+            <a:r>
+              <a:rPr lang="hu-HU" sz="1000" dirty="0" err="1">
+                <a:latin typeface="Raleway" pitchFamily="2" charset="-18"/>
+              </a:rPr>
+              <a:t>dtextid</a:t>
+            </a:r>
+            <a:r>
+              <a:rPr lang="hu-HU" sz="1000" dirty="0">
+                <a:latin typeface="Raleway" pitchFamily="2" charset="-18"/>
+              </a:rPr>
+              <a:t> = 0, </a:t>
+            </a:r>
+            <a:r>
+              <a:rPr lang="hu-HU" sz="1000" dirty="0" err="1">
+                <a:latin typeface="Raleway" pitchFamily="2" charset="-18"/>
+              </a:rPr>
+              <a:t>dpostid</a:t>
+            </a:r>
+            <a:r>
+              <a:rPr lang="hu-HU" sz="1000" dirty="0">
+                <a:latin typeface="Raleway" pitchFamily="2" charset="-18"/>
+              </a:rPr>
+              <a:t> új értéket kap</a:t>
+            </a:r>
+          </a:p>
+          <a:p>
+            <a:pPr lvl="1" algn="just"/>
+            <a:r>
+              <a:rPr lang="hu-HU" sz="1000" dirty="0">
+                <a:latin typeface="Raleway" pitchFamily="2" charset="-18"/>
+              </a:rPr>
+              <a:t>komment: </a:t>
+            </a:r>
+            <a:r>
+              <a:rPr lang="hu-HU" sz="1000" dirty="0" err="1">
+                <a:latin typeface="Raleway" pitchFamily="2" charset="-18"/>
+              </a:rPr>
+              <a:t>dtextid</a:t>
+            </a:r>
+            <a:r>
+              <a:rPr lang="hu-HU" sz="1000" dirty="0">
+                <a:latin typeface="Raleway" pitchFamily="2" charset="-18"/>
+              </a:rPr>
+              <a:t> &gt; 0, </a:t>
+            </a:r>
+            <a:r>
+              <a:rPr lang="hu-HU" sz="1000" dirty="0" err="1">
+                <a:latin typeface="Raleway" pitchFamily="2" charset="-18"/>
+              </a:rPr>
+              <a:t>dpostid</a:t>
+            </a:r>
+            <a:r>
+              <a:rPr lang="hu-HU" sz="1000" dirty="0">
+                <a:latin typeface="Raleway" pitchFamily="2" charset="-18"/>
+              </a:rPr>
+              <a:t> megegyezik a hozzászólás eredeti bejegyzésének azonosítójával</a:t>
+            </a:r>
+          </a:p>
+          <a:p>
+            <a:pPr algn="just"/>
+            <a:r>
+              <a:rPr lang="hu-HU" sz="1200" dirty="0">
+                <a:latin typeface="Raleway" pitchFamily="2" charset="-18"/>
+              </a:rPr>
+              <a:t>Új bejegyzés létrehozásakor:</a:t>
+            </a:r>
+          </a:p>
+          <a:p>
+            <a:pPr lvl="1" algn="just"/>
+            <a:r>
+              <a:rPr lang="hu-HU" sz="800" dirty="0">
+                <a:latin typeface="Raleway" pitchFamily="2" charset="-18"/>
+              </a:rPr>
+              <a:t>l</a:t>
+            </a:r>
+            <a:r>
+              <a:rPr lang="hu-HU" sz="1000" dirty="0">
+                <a:latin typeface="Raleway" pitchFamily="2" charset="-18"/>
+              </a:rPr>
+              <a:t>ekérjük az aktuális legnagyobb </a:t>
+            </a:r>
+            <a:r>
+              <a:rPr lang="hu-HU" sz="1000" dirty="0" err="1">
+                <a:latin typeface="Raleway" pitchFamily="2" charset="-18"/>
+              </a:rPr>
+              <a:t>dpostid</a:t>
+            </a:r>
+            <a:r>
+              <a:rPr lang="hu-HU" sz="1000" dirty="0">
+                <a:latin typeface="Raleway" pitchFamily="2" charset="-18"/>
+              </a:rPr>
+              <a:t> értéket, </a:t>
+            </a:r>
+            <a:r>
+              <a:rPr lang="hu-HU" sz="1000" dirty="0" err="1">
+                <a:latin typeface="Raleway" pitchFamily="2" charset="-18"/>
+              </a:rPr>
+              <a:t>dpostid</a:t>
+            </a:r>
+            <a:r>
+              <a:rPr lang="hu-HU" sz="1000" dirty="0">
+                <a:latin typeface="Raleway" pitchFamily="2" charset="-18"/>
+              </a:rPr>
+              <a:t> = </a:t>
+            </a:r>
+            <a:r>
+              <a:rPr lang="hu-HU" sz="1000" dirty="0" err="1">
+                <a:latin typeface="Raleway" pitchFamily="2" charset="-18"/>
+              </a:rPr>
+              <a:t>max</a:t>
+            </a:r>
+            <a:r>
+              <a:rPr lang="hu-HU" sz="1000" dirty="0">
+                <a:latin typeface="Raleway" pitchFamily="2" charset="-18"/>
+              </a:rPr>
+              <a:t> + 1</a:t>
+            </a:r>
+          </a:p>
+          <a:p>
+            <a:pPr lvl="1" algn="just"/>
+            <a:r>
+              <a:rPr lang="hu-HU" sz="1000" dirty="0">
+                <a:latin typeface="Raleway" pitchFamily="2" charset="-18"/>
+              </a:rPr>
+              <a:t>ehhez képest új bejegyzés </a:t>
+            </a:r>
+            <a:r>
+              <a:rPr lang="hu-HU" sz="1000" dirty="0" err="1">
+                <a:latin typeface="Raleway" pitchFamily="2" charset="-18"/>
+              </a:rPr>
+              <a:t>dtextid</a:t>
+            </a:r>
+            <a:r>
+              <a:rPr lang="hu-HU" sz="1000" dirty="0">
+                <a:latin typeface="Raleway" pitchFamily="2" charset="-18"/>
+              </a:rPr>
+              <a:t> = 0, azaz saját maga a "főszöveg„</a:t>
+            </a:r>
+          </a:p>
+          <a:p>
+            <a:pPr algn="just"/>
+            <a:r>
+              <a:rPr lang="hu-HU" sz="1200" dirty="0">
+                <a:latin typeface="Raleway" pitchFamily="2" charset="-18"/>
+              </a:rPr>
+              <a:t>Komment esetén:</a:t>
+            </a:r>
+          </a:p>
+          <a:p>
+            <a:pPr lvl="1" algn="just"/>
+            <a:r>
+              <a:rPr lang="hu-HU" sz="1000" dirty="0" err="1">
+                <a:latin typeface="Raleway" pitchFamily="2" charset="-18"/>
+              </a:rPr>
+              <a:t>dpostid</a:t>
+            </a:r>
+            <a:r>
+              <a:rPr lang="hu-HU" sz="1000" dirty="0">
+                <a:latin typeface="Raleway" pitchFamily="2" charset="-18"/>
+              </a:rPr>
+              <a:t> megegyezik a szülőbejegyzésével</a:t>
+            </a:r>
+          </a:p>
+          <a:p>
+            <a:pPr lvl="1" algn="just"/>
+            <a:r>
+              <a:rPr lang="hu-HU" sz="1000" dirty="0">
+                <a:latin typeface="Raleway" pitchFamily="2" charset="-18"/>
+              </a:rPr>
+              <a:t>lekérjük az aktuális legnagyobb </a:t>
+            </a:r>
+            <a:r>
+              <a:rPr lang="hu-HU" sz="1000" dirty="0" err="1">
+                <a:latin typeface="Raleway" pitchFamily="2" charset="-18"/>
+              </a:rPr>
+              <a:t>dtextid</a:t>
+            </a:r>
+            <a:r>
+              <a:rPr lang="hu-HU" sz="1000" dirty="0">
+                <a:latin typeface="Raleway" pitchFamily="2" charset="-18"/>
+              </a:rPr>
+              <a:t> értéket, </a:t>
+            </a:r>
+            <a:r>
+              <a:rPr lang="hu-HU" sz="1000" dirty="0" err="1">
+                <a:latin typeface="Raleway" pitchFamily="2" charset="-18"/>
+              </a:rPr>
+              <a:t>dtextid</a:t>
+            </a:r>
+            <a:r>
+              <a:rPr lang="hu-HU" sz="1000" dirty="0">
+                <a:latin typeface="Raleway" pitchFamily="2" charset="-18"/>
+              </a:rPr>
+              <a:t> = </a:t>
+            </a:r>
+            <a:r>
+              <a:rPr lang="hu-HU" sz="1000" dirty="0" err="1">
+                <a:latin typeface="Raleway" pitchFamily="2" charset="-18"/>
+              </a:rPr>
+              <a:t>max</a:t>
+            </a:r>
+            <a:r>
+              <a:rPr lang="hu-HU" sz="1000" dirty="0">
+                <a:latin typeface="Raleway" pitchFamily="2" charset="-18"/>
+              </a:rPr>
+              <a:t> + 1</a:t>
+            </a:r>
+          </a:p>
+          <a:p>
+            <a:pPr algn="just"/>
+            <a:r>
+              <a:rPr lang="hu-HU" sz="1200" dirty="0">
+                <a:latin typeface="Raleway" pitchFamily="2" charset="-18"/>
+              </a:rPr>
+              <a:t>Keveredhetnek is a típusok (pl. szavazás + fájl)</a:t>
+            </a:r>
+          </a:p>
+        </p:txBody>
+      </p:sp>
+    </p:spTree>
+    <p:extLst>
+      <p:ext uri="{BB962C8B-B14F-4D97-AF65-F5344CB8AC3E}">
+        <p14:creationId xmlns:p14="http://schemas.microsoft.com/office/powerpoint/2010/main" val="3205133632"/>
+      </p:ext>
+    </p:extLst>
+  </p:cSld>
+  <p:clrMapOvr>
+    <a:masterClrMapping/>
+  </p:clrMapOvr>
+</p:sld>
+</file>
+
+<file path=ppt/slides/slide37.xml><?xml version="1.0" encoding="utf-8"?>
+<p:sld xmlns:a="http://schemas.openxmlformats.org/drawingml/2006/main" xmlns:r="http://schemas.openxmlformats.org/officeDocument/2006/relationships" xmlns:p="http://schemas.openxmlformats.org/presentationml/2006/main">
+  <p:cSld>
+    <p:spTree>
+      <p:nvGrpSpPr>
+        <p:cNvPr id="1" name="">
+          <a:extLst>
+            <a:ext uri="{FF2B5EF4-FFF2-40B4-BE49-F238E27FC236}">
+              <a16:creationId xmlns:a16="http://schemas.microsoft.com/office/drawing/2014/main" id="{2206F547-5EAD-4C24-FA55-F7529BA06686}"/>
+            </a:ext>
+          </a:extLst>
+        </p:cNvPr>
+        <p:cNvGrpSpPr/>
+        <p:nvPr/>
+      </p:nvGrpSpPr>
+      <p:grpSpPr>
+        <a:xfrm>
+          <a:off x="0" y="0"/>
+          <a:ext cx="0" cy="0"/>
+          <a:chOff x="0" y="0"/>
+          <a:chExt cx="0" cy="0"/>
+        </a:xfrm>
+      </p:grpSpPr>
+      <p:sp>
+        <p:nvSpPr>
+          <p:cNvPr id="7" name="PlaceHolder 1">
+            <a:extLst>
+              <a:ext uri="{FF2B5EF4-FFF2-40B4-BE49-F238E27FC236}">
+                <a16:creationId xmlns:a16="http://schemas.microsoft.com/office/drawing/2014/main" id="{F1BC82AA-F45C-71A5-155C-270AEC3E7E06}"/>
+              </a:ext>
+            </a:extLst>
+          </p:cNvPr>
+          <p:cNvSpPr txBox="1">
+            <a:spLocks/>
+          </p:cNvSpPr>
+          <p:nvPr/>
+        </p:nvSpPr>
+        <p:spPr>
+          <a:xfrm>
+            <a:off x="2610765" y="2730510"/>
+            <a:ext cx="4422552" cy="923400"/>
+          </a:xfrm>
+          <a:prstGeom prst="rect">
+            <a:avLst/>
+          </a:prstGeom>
+          <a:noFill/>
+          <a:ln w="0">
+            <a:noFill/>
+          </a:ln>
+        </p:spPr>
+        <p:txBody>
+          <a:bodyPr lIns="91440" tIns="91440" rIns="91440" bIns="91440" anchor="t">
+            <a:normAutofit fontScale="97500"/>
+          </a:bodyPr>
+          <a:lstStyle>
+            <a:lvl1pPr algn="l" defTabSz="914400" rtl="0" eaLnBrk="1" latinLnBrk="0" hangingPunct="1">
+              <a:lnSpc>
+                <a:spcPct val="90000"/>
+              </a:lnSpc>
+              <a:spcBef>
+                <a:spcPct val="0"/>
+              </a:spcBef>
+              <a:buNone/>
+              <a:defRPr sz="4400" kern="1200">
+                <a:solidFill>
+                  <a:schemeClr val="tx1"/>
+                </a:solidFill>
+                <a:latin typeface="+mj-lt"/>
+                <a:ea typeface="+mj-ea"/>
+                <a:cs typeface="+mj-cs"/>
+              </a:defRPr>
+            </a:lvl1pPr>
+          </a:lstStyle>
+          <a:p>
+            <a:pPr algn="ctr">
+              <a:lnSpc>
+                <a:spcPct val="100000"/>
+              </a:lnSpc>
+              <a:tabLst>
+                <a:tab pos="0" algn="l"/>
+              </a:tabLst>
+            </a:pPr>
+            <a:r>
+              <a:rPr lang="hu-HU" sz="4800" dirty="0">
+                <a:latin typeface="Inter"/>
+              </a:rPr>
+              <a:t>Tesztelés</a:t>
+            </a:r>
+            <a:endParaRPr lang="fr-FR" sz="4800" spc="-1" dirty="0">
+              <a:solidFill>
+                <a:schemeClr val="dk1"/>
+              </a:solidFill>
+              <a:latin typeface="Inter"/>
+            </a:endParaRPr>
+          </a:p>
+        </p:txBody>
+      </p:sp>
+      <p:sp>
+        <p:nvSpPr>
+          <p:cNvPr id="8" name="PlaceHolder 2">
+            <a:extLst>
+              <a:ext uri="{FF2B5EF4-FFF2-40B4-BE49-F238E27FC236}">
+                <a16:creationId xmlns:a16="http://schemas.microsoft.com/office/drawing/2014/main" id="{E08C73C1-4573-D7A4-C1B6-6291EAFF9B7F}"/>
+              </a:ext>
+            </a:extLst>
+          </p:cNvPr>
+          <p:cNvSpPr txBox="1">
+            <a:spLocks/>
+          </p:cNvSpPr>
+          <p:nvPr/>
+        </p:nvSpPr>
+        <p:spPr>
+          <a:xfrm>
+            <a:off x="2610765" y="1768590"/>
+            <a:ext cx="1238040" cy="647280"/>
+          </a:xfrm>
+          <a:prstGeom prst="rect">
+            <a:avLst/>
+          </a:prstGeom>
+          <a:noFill/>
+          <a:ln w="0">
+            <a:noFill/>
+          </a:ln>
+        </p:spPr>
+        <p:txBody>
+          <a:bodyPr lIns="91440" tIns="91440" rIns="91440" bIns="91440" anchor="b">
+            <a:normAutofit/>
+          </a:bodyPr>
+          <a:lstStyle>
+            <a:lvl1pPr algn="l" defTabSz="914400" rtl="0" eaLnBrk="1" latinLnBrk="0" hangingPunct="1">
+              <a:lnSpc>
+                <a:spcPct val="90000"/>
+              </a:lnSpc>
+              <a:spcBef>
+                <a:spcPct val="0"/>
+              </a:spcBef>
+              <a:buNone/>
+              <a:defRPr sz="4400" kern="1200">
+                <a:solidFill>
+                  <a:schemeClr val="tx1"/>
+                </a:solidFill>
+                <a:latin typeface="+mj-lt"/>
+                <a:ea typeface="+mj-ea"/>
+                <a:cs typeface="+mj-cs"/>
+              </a:defRPr>
+            </a:lvl1pPr>
+          </a:lstStyle>
+          <a:p>
+            <a:pPr>
+              <a:lnSpc>
+                <a:spcPct val="100000"/>
+              </a:lnSpc>
+              <a:tabLst>
+                <a:tab pos="0" algn="l"/>
+              </a:tabLst>
+            </a:pPr>
+            <a:r>
+              <a:rPr lang="hu-HU" sz="3000" spc="-1" dirty="0">
+                <a:solidFill>
+                  <a:schemeClr val="accent2"/>
+                </a:solidFill>
+                <a:latin typeface="Inter"/>
+                <a:ea typeface="Inter"/>
+              </a:rPr>
+              <a:t>3.1.7</a:t>
+            </a:r>
+            <a:endParaRPr lang="fr-FR" sz="3000" spc="-1" dirty="0">
+              <a:solidFill>
+                <a:schemeClr val="dk1"/>
+              </a:solidFill>
+              <a:latin typeface="Arial"/>
+            </a:endParaRPr>
+          </a:p>
+        </p:txBody>
+      </p:sp>
+      <p:cxnSp>
+        <p:nvCxnSpPr>
+          <p:cNvPr id="9" name="Google Shape;331;p35">
+            <a:extLst>
+              <a:ext uri="{FF2B5EF4-FFF2-40B4-BE49-F238E27FC236}">
+                <a16:creationId xmlns:a16="http://schemas.microsoft.com/office/drawing/2014/main" id="{D2369093-E961-3443-C00C-E12E7E436442}"/>
+              </a:ext>
+            </a:extLst>
+          </p:cNvPr>
+          <p:cNvCxnSpPr/>
+          <p:nvPr/>
+        </p:nvCxnSpPr>
+        <p:spPr>
+          <a:xfrm>
+            <a:off x="2702925" y="2571390"/>
+            <a:ext cx="3869280" cy="360"/>
+          </a:xfrm>
+          <a:prstGeom prst="straightConnector1">
+            <a:avLst/>
+          </a:prstGeom>
+          <a:ln w="9525">
+            <a:solidFill>
+              <a:srgbClr val="FFFFFF"/>
+            </a:solidFill>
+            <a:round/>
+          </a:ln>
+        </p:spPr>
+      </p:cxnSp>
+    </p:spTree>
+    <p:extLst>
+      <p:ext uri="{BB962C8B-B14F-4D97-AF65-F5344CB8AC3E}">
+        <p14:creationId xmlns:p14="http://schemas.microsoft.com/office/powerpoint/2010/main" val="3806319175"/>
+      </p:ext>
+    </p:extLst>
+  </p:cSld>
+  <p:clrMapOvr>
+    <a:masterClrMapping/>
+  </p:clrMapOvr>
+</p:sld>
+</file>
+
+<file path=ppt/slides/slide38.xml><?xml version="1.0" encoding="utf-8"?>
+<p:sld xmlns:a="http://schemas.openxmlformats.org/drawingml/2006/main" xmlns:r="http://schemas.openxmlformats.org/officeDocument/2006/relationships" xmlns:p="http://schemas.openxmlformats.org/presentationml/2006/main">
+  <p:cSld>
+    <p:spTree>
+      <p:nvGrpSpPr>
+        <p:cNvPr id="1" name="">
+          <a:extLst>
+            <a:ext uri="{FF2B5EF4-FFF2-40B4-BE49-F238E27FC236}">
+              <a16:creationId xmlns:a16="http://schemas.microsoft.com/office/drawing/2014/main" id="{16A8C409-B3AA-DB27-56AE-6EE25E0C6EC8}"/>
+            </a:ext>
+          </a:extLst>
+        </p:cNvPr>
+        <p:cNvGrpSpPr/>
+        <p:nvPr/>
+      </p:nvGrpSpPr>
+      <p:grpSpPr>
+        <a:xfrm>
+          <a:off x="0" y="0"/>
+          <a:ext cx="0" cy="0"/>
+          <a:chOff x="0" y="0"/>
+          <a:chExt cx="0" cy="0"/>
+        </a:xfrm>
+      </p:grpSpPr>
+      <p:sp>
+        <p:nvSpPr>
+          <p:cNvPr id="202" name="PlaceHolder 1">
+            <a:extLst>
+              <a:ext uri="{FF2B5EF4-FFF2-40B4-BE49-F238E27FC236}">
+                <a16:creationId xmlns:a16="http://schemas.microsoft.com/office/drawing/2014/main" id="{9F69295B-1710-D2B2-45FF-4519868840DD}"/>
+              </a:ext>
+            </a:extLst>
+          </p:cNvPr>
+          <p:cNvSpPr>
+            <a:spLocks noGrp="1"/>
+          </p:cNvSpPr>
+          <p:nvPr>
+            <p:ph type="title"/>
+          </p:nvPr>
+        </p:nvSpPr>
+        <p:spPr>
+          <a:xfrm>
+            <a:off x="714240" y="752400"/>
+            <a:ext cx="6724713" cy="1018800"/>
+          </a:xfrm>
+          <a:prstGeom prst="rect">
+            <a:avLst/>
+          </a:prstGeom>
+          <a:noFill/>
+          <a:ln w="0">
+            <a:noFill/>
+          </a:ln>
+        </p:spPr>
+        <p:txBody>
+          <a:bodyPr lIns="91440" tIns="91440" rIns="91440" bIns="91440" anchor="b">
+            <a:noAutofit/>
+          </a:bodyPr>
+          <a:lstStyle/>
+          <a:p>
+            <a:pPr indent="0">
+              <a:lnSpc>
+                <a:spcPct val="100000"/>
+              </a:lnSpc>
+              <a:buNone/>
+              <a:tabLst>
+                <a:tab pos="0" algn="l"/>
+              </a:tabLst>
+            </a:pPr>
+            <a:r>
+              <a:rPr lang="hu-HU" sz="3200" dirty="0">
+                <a:latin typeface="Inter"/>
+              </a:rPr>
+              <a:t>3.1.7.1 Platformok és böngészők</a:t>
+            </a:r>
+            <a:endParaRPr lang="fr-FR" sz="3000" b="0" strike="noStrike" spc="-1" dirty="0">
+              <a:solidFill>
+                <a:schemeClr val="dk1"/>
+              </a:solidFill>
+              <a:latin typeface="Inter"/>
+            </a:endParaRPr>
+          </a:p>
+        </p:txBody>
+      </p:sp>
+      <p:sp>
+        <p:nvSpPr>
+          <p:cNvPr id="203" name="PlaceHolder 2">
+            <a:extLst>
+              <a:ext uri="{FF2B5EF4-FFF2-40B4-BE49-F238E27FC236}">
+                <a16:creationId xmlns:a16="http://schemas.microsoft.com/office/drawing/2014/main" id="{93FEB274-660C-432A-A4FC-F5DCB0B44F93}"/>
+              </a:ext>
+            </a:extLst>
+          </p:cNvPr>
+          <p:cNvSpPr>
+            <a:spLocks noGrp="1"/>
+          </p:cNvSpPr>
+          <p:nvPr>
+            <p:ph type="subTitle"/>
+          </p:nvPr>
+        </p:nvSpPr>
+        <p:spPr>
+          <a:xfrm>
+            <a:off x="714240" y="1852602"/>
+            <a:ext cx="5026542" cy="2746898"/>
+          </a:xfrm>
+          <a:prstGeom prst="rect">
+            <a:avLst/>
+          </a:prstGeom>
+          <a:noFill/>
+          <a:ln w="0">
+            <a:noFill/>
+          </a:ln>
+        </p:spPr>
+        <p:txBody>
+          <a:bodyPr lIns="91440" tIns="91440" rIns="91440" bIns="91440" anchor="t">
+            <a:normAutofit/>
+          </a:bodyPr>
+          <a:lstStyle/>
+          <a:p>
+            <a:pPr algn="just"/>
+            <a:r>
+              <a:rPr lang="hu-HU" sz="1200" dirty="0">
+                <a:latin typeface="Raleway" pitchFamily="2" charset="-18"/>
+              </a:rPr>
+              <a:t>Asztali környezet:</a:t>
+            </a:r>
+          </a:p>
+          <a:p>
+            <a:pPr lvl="1" algn="just"/>
+            <a:r>
+              <a:rPr lang="hu-HU" sz="1000" dirty="0">
+                <a:latin typeface="Raleway" pitchFamily="2" charset="-18"/>
+              </a:rPr>
+              <a:t>Windows 10, 11 (Chrome, Edge, </a:t>
+            </a:r>
+            <a:r>
+              <a:rPr lang="hu-HU" sz="1000" dirty="0" err="1">
+                <a:latin typeface="Raleway" pitchFamily="2" charset="-18"/>
+              </a:rPr>
+              <a:t>OperaGX</a:t>
+            </a:r>
+            <a:r>
+              <a:rPr lang="hu-HU" sz="1000" dirty="0">
+                <a:latin typeface="Raleway" pitchFamily="2" charset="-18"/>
+              </a:rPr>
+              <a:t>)</a:t>
+            </a:r>
+          </a:p>
+          <a:p>
+            <a:pPr lvl="1" algn="just"/>
+            <a:r>
+              <a:rPr lang="hu-HU" sz="1000" dirty="0">
+                <a:latin typeface="Raleway" pitchFamily="2" charset="-18"/>
+              </a:rPr>
+              <a:t>Felbontások: 1920×1080, 1366×768</a:t>
+            </a:r>
+          </a:p>
+          <a:p>
+            <a:pPr algn="just"/>
+            <a:r>
+              <a:rPr lang="hu-HU" sz="1200" dirty="0">
+                <a:latin typeface="Raleway" pitchFamily="2" charset="-18"/>
+              </a:rPr>
+              <a:t>Mobilkörnyezet:</a:t>
+            </a:r>
+          </a:p>
+          <a:p>
+            <a:pPr lvl="1" algn="just"/>
+            <a:r>
+              <a:rPr lang="hu-HU" sz="1000" dirty="0">
+                <a:latin typeface="Raleway" pitchFamily="2" charset="-18"/>
+              </a:rPr>
+              <a:t>Android (Chrome) 1080 x 2340</a:t>
+            </a:r>
+          </a:p>
+          <a:p>
+            <a:pPr lvl="1" algn="just"/>
+            <a:r>
+              <a:rPr lang="hu-HU" sz="1000" dirty="0">
+                <a:latin typeface="Raleway" pitchFamily="2" charset="-18"/>
+              </a:rPr>
+              <a:t>iOS (</a:t>
+            </a:r>
+            <a:r>
+              <a:rPr lang="hu-HU" sz="1000" dirty="0" err="1">
+                <a:latin typeface="Raleway" pitchFamily="2" charset="-18"/>
+              </a:rPr>
+              <a:t>Safari</a:t>
+            </a:r>
+            <a:r>
+              <a:rPr lang="hu-HU" sz="1000" dirty="0">
+                <a:latin typeface="Raleway" pitchFamily="2" charset="-18"/>
+              </a:rPr>
+              <a:t>) 375×667, </a:t>
+            </a:r>
+          </a:p>
+          <a:p>
+            <a:pPr algn="just"/>
+            <a:r>
+              <a:rPr lang="hu-HU" sz="1200" dirty="0">
+                <a:latin typeface="Raleway" pitchFamily="2" charset="-18"/>
+              </a:rPr>
+              <a:t>Tesztelés célja:</a:t>
+            </a:r>
+          </a:p>
+          <a:p>
+            <a:pPr lvl="1" algn="just"/>
+            <a:r>
+              <a:rPr lang="hu-HU" sz="1000" dirty="0" err="1">
+                <a:latin typeface="Raleway" pitchFamily="2" charset="-18"/>
+              </a:rPr>
+              <a:t>reszponzivitás</a:t>
+            </a:r>
+            <a:r>
+              <a:rPr lang="hu-HU" sz="1000" dirty="0">
+                <a:latin typeface="Raleway" pitchFamily="2" charset="-18"/>
+              </a:rPr>
+              <a:t> ellenőrzése</a:t>
+            </a:r>
+          </a:p>
+          <a:p>
+            <a:pPr lvl="1" algn="just"/>
+            <a:r>
+              <a:rPr lang="hu-HU" sz="1000" dirty="0">
+                <a:latin typeface="Raleway" pitchFamily="2" charset="-18"/>
+              </a:rPr>
+              <a:t>funkciók egyenletes elérhetősége minden platformon</a:t>
+            </a:r>
+          </a:p>
+          <a:p>
+            <a:pPr lvl="1" algn="just"/>
+            <a:r>
+              <a:rPr lang="hu-HU" sz="1000" dirty="0">
+                <a:latin typeface="Raleway" pitchFamily="2" charset="-18"/>
+              </a:rPr>
+              <a:t>hibamentes megjelenítés és működés</a:t>
+            </a:r>
+          </a:p>
+          <a:p>
+            <a:pPr lvl="1" algn="just"/>
+            <a:r>
+              <a:rPr lang="hu-HU" sz="1000" dirty="0">
+                <a:latin typeface="Raleway" pitchFamily="2" charset="-18"/>
+              </a:rPr>
+              <a:t>automatikusan átrendeződés kisebb képernyőn</a:t>
+            </a:r>
+          </a:p>
+        </p:txBody>
+      </p:sp>
+    </p:spTree>
+    <p:extLst>
+      <p:ext uri="{BB962C8B-B14F-4D97-AF65-F5344CB8AC3E}">
+        <p14:creationId xmlns:p14="http://schemas.microsoft.com/office/powerpoint/2010/main" val="3005269700"/>
+      </p:ext>
+    </p:extLst>
+  </p:cSld>
+  <p:clrMapOvr>
+    <a:masterClrMapping/>
+  </p:clrMapOvr>
+</p:sld>
+</file>
+
+<file path=ppt/slides/slide39.xml><?xml version="1.0" encoding="utf-8"?>
+<p:sld xmlns:a="http://schemas.openxmlformats.org/drawingml/2006/main" xmlns:r="http://schemas.openxmlformats.org/officeDocument/2006/relationships" xmlns:p="http://schemas.openxmlformats.org/presentationml/2006/main">
+  <p:cSld>
+    <p:spTree>
+      <p:nvGrpSpPr>
+        <p:cNvPr id="1" name="">
+          <a:extLst>
+            <a:ext uri="{FF2B5EF4-FFF2-40B4-BE49-F238E27FC236}">
+              <a16:creationId xmlns:a16="http://schemas.microsoft.com/office/drawing/2014/main" id="{037E5B03-D858-8FF8-CA0B-EDDED21AD2E1}"/>
+            </a:ext>
+          </a:extLst>
+        </p:cNvPr>
+        <p:cNvGrpSpPr/>
+        <p:nvPr/>
+      </p:nvGrpSpPr>
+      <p:grpSpPr>
+        <a:xfrm>
+          <a:off x="0" y="0"/>
+          <a:ext cx="0" cy="0"/>
+          <a:chOff x="0" y="0"/>
+          <a:chExt cx="0" cy="0"/>
+        </a:xfrm>
+      </p:grpSpPr>
+      <p:sp>
+        <p:nvSpPr>
+          <p:cNvPr id="202" name="PlaceHolder 1">
+            <a:extLst>
+              <a:ext uri="{FF2B5EF4-FFF2-40B4-BE49-F238E27FC236}">
+                <a16:creationId xmlns:a16="http://schemas.microsoft.com/office/drawing/2014/main" id="{177379F6-9477-27D4-F2CA-E4A838365697}"/>
+              </a:ext>
+            </a:extLst>
+          </p:cNvPr>
+          <p:cNvSpPr>
+            <a:spLocks noGrp="1"/>
+          </p:cNvSpPr>
+          <p:nvPr>
+            <p:ph type="title"/>
+          </p:nvPr>
+        </p:nvSpPr>
+        <p:spPr>
+          <a:xfrm>
+            <a:off x="714240" y="752400"/>
+            <a:ext cx="6724713" cy="1018800"/>
+          </a:xfrm>
+          <a:prstGeom prst="rect">
+            <a:avLst/>
+          </a:prstGeom>
+          <a:noFill/>
+          <a:ln w="0">
+            <a:noFill/>
+          </a:ln>
+        </p:spPr>
+        <p:txBody>
+          <a:bodyPr lIns="91440" tIns="91440" rIns="91440" bIns="91440" anchor="b">
+            <a:noAutofit/>
+          </a:bodyPr>
+          <a:lstStyle/>
+          <a:p>
+            <a:pPr indent="0">
+              <a:lnSpc>
+                <a:spcPct val="100000"/>
+              </a:lnSpc>
+              <a:buNone/>
+              <a:tabLst>
+                <a:tab pos="0" algn="l"/>
+              </a:tabLst>
+            </a:pPr>
+            <a:r>
+              <a:rPr lang="hu-HU" sz="3200" dirty="0">
+                <a:latin typeface="Inter"/>
+              </a:rPr>
+              <a:t>3.1.7.2 Hibakezelés</a:t>
+            </a:r>
+            <a:endParaRPr lang="fr-FR" sz="3000" b="0" strike="noStrike" spc="-1" dirty="0">
+              <a:solidFill>
+                <a:schemeClr val="dk1"/>
+              </a:solidFill>
+              <a:latin typeface="Inter"/>
+            </a:endParaRPr>
+          </a:p>
+        </p:txBody>
+      </p:sp>
+      <p:sp>
+        <p:nvSpPr>
+          <p:cNvPr id="203" name="PlaceHolder 2">
+            <a:extLst>
+              <a:ext uri="{FF2B5EF4-FFF2-40B4-BE49-F238E27FC236}">
+                <a16:creationId xmlns:a16="http://schemas.microsoft.com/office/drawing/2014/main" id="{5D239765-8B83-4C36-7F09-EE82C1768234}"/>
+              </a:ext>
+            </a:extLst>
+          </p:cNvPr>
+          <p:cNvSpPr>
+            <a:spLocks noGrp="1"/>
+          </p:cNvSpPr>
+          <p:nvPr>
+            <p:ph type="subTitle"/>
+          </p:nvPr>
+        </p:nvSpPr>
+        <p:spPr>
+          <a:xfrm>
+            <a:off x="714240" y="1852602"/>
+            <a:ext cx="5026542" cy="2746898"/>
+          </a:xfrm>
+          <a:prstGeom prst="rect">
+            <a:avLst/>
+          </a:prstGeom>
+          <a:noFill/>
+          <a:ln w="0">
+            <a:noFill/>
+          </a:ln>
+        </p:spPr>
+        <p:txBody>
+          <a:bodyPr lIns="91440" tIns="91440" rIns="91440" bIns="91440" anchor="t">
+            <a:normAutofit/>
+          </a:bodyPr>
+          <a:lstStyle/>
+          <a:p>
+            <a:pPr algn="just"/>
+            <a:r>
+              <a:rPr lang="hu-HU" sz="1200" dirty="0">
+                <a:latin typeface="Raleway" pitchFamily="2" charset="-18"/>
+              </a:rPr>
+              <a:t>Üres mezők ellenőrzése:</a:t>
+            </a:r>
+          </a:p>
+          <a:p>
+            <a:pPr lvl="1" algn="just"/>
+            <a:r>
+              <a:rPr lang="hu-HU" sz="1000" dirty="0">
+                <a:latin typeface="Raleway" pitchFamily="2" charset="-18"/>
+              </a:rPr>
+              <a:t>kötelező mezők figyelése (pl. hozzászólás)</a:t>
+            </a:r>
+          </a:p>
+          <a:p>
+            <a:pPr lvl="1" algn="just"/>
+            <a:r>
+              <a:rPr lang="hu-HU" sz="1000" dirty="0">
+                <a:latin typeface="Raleway" pitchFamily="2" charset="-18"/>
+              </a:rPr>
+              <a:t>hibajelzés üzenettel / utasítással</a:t>
+            </a:r>
+          </a:p>
+          <a:p>
+            <a:pPr algn="just"/>
+            <a:r>
+              <a:rPr lang="hu-HU" sz="1200" dirty="0">
+                <a:latin typeface="Raleway" pitchFamily="2" charset="-18"/>
+              </a:rPr>
+              <a:t>Nagy fájlméret:</a:t>
+            </a:r>
+          </a:p>
+          <a:p>
+            <a:pPr lvl="1" algn="just"/>
+            <a:r>
+              <a:rPr lang="hu-HU" sz="1000" dirty="0">
+                <a:latin typeface="Raleway" pitchFamily="2" charset="-18"/>
+              </a:rPr>
+              <a:t>fájlméret-korlát beállítása (2 MB)</a:t>
+            </a:r>
+          </a:p>
+          <a:p>
+            <a:pPr lvl="1" algn="just"/>
+            <a:r>
+              <a:rPr lang="hu-HU" sz="1000" dirty="0">
+                <a:latin typeface="Raleway" pitchFamily="2" charset="-18"/>
+              </a:rPr>
+              <a:t>hibaüzenet és feltöltés megszakítása</a:t>
+            </a:r>
+          </a:p>
+          <a:p>
+            <a:pPr algn="just"/>
+            <a:r>
+              <a:rPr lang="hu-HU" sz="1200" dirty="0">
+                <a:latin typeface="Raleway" pitchFamily="2" charset="-18"/>
+              </a:rPr>
+              <a:t>Osztályválasztás hiánya:</a:t>
+            </a:r>
+          </a:p>
+          <a:p>
+            <a:pPr lvl="1" algn="just"/>
+            <a:r>
+              <a:rPr lang="hu-HU" sz="1000" dirty="0">
+                <a:latin typeface="Raleway" pitchFamily="2" charset="-18"/>
+              </a:rPr>
+              <a:t>profiloldalra irányításfigyelmeztetés: „Az osztály kiválasztása kötelező</a:t>
+            </a:r>
+            <a:r>
+              <a:rPr lang="hu-HU" sz="800" dirty="0">
+                <a:latin typeface="Raleway" pitchFamily="2" charset="-18"/>
+              </a:rPr>
+              <a:t>!”</a:t>
+            </a:r>
+          </a:p>
+        </p:txBody>
+      </p:sp>
+    </p:spTree>
+    <p:extLst>
+      <p:ext uri="{BB962C8B-B14F-4D97-AF65-F5344CB8AC3E}">
+        <p14:creationId xmlns:p14="http://schemas.microsoft.com/office/powerpoint/2010/main" val="3836147102"/>
+      </p:ext>
+    </p:extLst>
+  </p:cSld>
+  <p:clrMapOvr>
+    <a:masterClrMapping/>
+  </p:clrMapOvr>
+</p:sld>
+</file>
+
 <file path=ppt/slides/slide4.xml><?xml version="1.0" encoding="utf-8"?>
 <p:sld xmlns:a="http://schemas.openxmlformats.org/drawingml/2006/main" xmlns:r="http://schemas.openxmlformats.org/officeDocument/2006/relationships" xmlns:p="http://schemas.openxmlformats.org/presentationml/2006/main">
   <p:cSld>
@@ -20465,247 +24153,6 @@
       </p:sp>
       <p:sp>
         <p:nvSpPr>
-          <p:cNvPr id="3" name="Tartalom helye 2">
-            <a:extLst>
-              <a:ext uri="{FF2B5EF4-FFF2-40B4-BE49-F238E27FC236}">
-                <a16:creationId xmlns:a16="http://schemas.microsoft.com/office/drawing/2014/main" id="{A450E99C-324E-19A9-00BD-60F71C96A7FE}"/>
-              </a:ext>
-            </a:extLst>
-          </p:cNvPr>
-          <p:cNvSpPr>
-            <a:spLocks noGrp="1"/>
-          </p:cNvSpPr>
-          <p:nvPr>
-            <p:ph/>
-          </p:nvPr>
-        </p:nvSpPr>
-        <p:spPr>
-          <a:xfrm>
-            <a:off x="453961" y="1800790"/>
-            <a:ext cx="4015800" cy="2982960"/>
-          </a:xfrm>
-        </p:spPr>
-        <p:txBody>
-          <a:bodyPr>
-            <a:normAutofit/>
-          </a:bodyPr>
-          <a:lstStyle/>
-          <a:p>
-            <a:r>
-              <a:rPr lang="hu-HU" sz="1200" b="0" strike="noStrike" spc="-1" dirty="0">
-                <a:solidFill>
-                  <a:schemeClr val="dk1"/>
-                </a:solidFill>
-                <a:latin typeface="Raleway" pitchFamily="2" charset="-18"/>
-                <a:ea typeface="Raleway"/>
-              </a:rPr>
-              <a:t>Közösségi / fórum jellegű diákoldal</a:t>
-            </a:r>
-          </a:p>
-          <a:p>
-            <a:r>
-              <a:rPr lang="hu-HU" sz="1200" b="0" strike="noStrike" spc="-1" dirty="0">
-                <a:solidFill>
-                  <a:schemeClr val="dk1"/>
-                </a:solidFill>
-                <a:latin typeface="Raleway" pitchFamily="2" charset="-18"/>
-                <a:ea typeface="Raleway"/>
-              </a:rPr>
-              <a:t>Beépített csevegőfelület diákok között</a:t>
-            </a:r>
-          </a:p>
-          <a:p>
-            <a:r>
-              <a:rPr lang="hu-HU" sz="1200" b="0" strike="noStrike" spc="-1" dirty="0">
-                <a:solidFill>
-                  <a:schemeClr val="dk1"/>
-                </a:solidFill>
-                <a:latin typeface="Raleway" pitchFamily="2" charset="-18"/>
-                <a:ea typeface="Raleway"/>
-              </a:rPr>
-              <a:t>Kétirányú kommunikáció</a:t>
-            </a:r>
-          </a:p>
-          <a:p>
-            <a:pPr lvl="1"/>
-            <a:r>
-              <a:rPr lang="hu-HU" sz="1000" b="0" strike="noStrike" spc="-1" dirty="0">
-                <a:solidFill>
-                  <a:schemeClr val="dk1"/>
-                </a:solidFill>
-                <a:latin typeface="Raleway" pitchFamily="2" charset="-18"/>
-                <a:ea typeface="Raleway"/>
-              </a:rPr>
-              <a:t>Diákönkormányzat ↔ Diák</a:t>
-            </a:r>
-          </a:p>
-          <a:p>
-            <a:pPr lvl="1"/>
-            <a:r>
-              <a:rPr lang="hu-HU" sz="1000" spc="-1" dirty="0">
-                <a:solidFill>
-                  <a:schemeClr val="dk1"/>
-                </a:solidFill>
-                <a:latin typeface="Raleway" pitchFamily="2" charset="-18"/>
-                <a:ea typeface="Raleway"/>
-              </a:rPr>
-              <a:t>Diák </a:t>
-            </a:r>
-            <a:r>
-              <a:rPr lang="hu-HU" sz="1000" b="0" strike="noStrike" spc="-1" dirty="0">
-                <a:solidFill>
-                  <a:schemeClr val="dk1"/>
-                </a:solidFill>
-                <a:latin typeface="Raleway" pitchFamily="2" charset="-18"/>
-                <a:ea typeface="Raleway"/>
-              </a:rPr>
-              <a:t>↔ Diák</a:t>
-            </a:r>
-          </a:p>
-          <a:p>
-            <a:r>
-              <a:rPr lang="hu-HU" sz="1200" b="0" strike="noStrike" spc="-1" dirty="0">
-                <a:solidFill>
-                  <a:schemeClr val="dk1"/>
-                </a:solidFill>
-                <a:latin typeface="Raleway" pitchFamily="2" charset="-18"/>
-                <a:ea typeface="Raleway"/>
-              </a:rPr>
-              <a:t>Két modul – közös projekt</a:t>
-            </a:r>
-          </a:p>
-          <a:p>
-            <a:pPr lvl="1"/>
-            <a:r>
-              <a:rPr lang="hu-HU" sz="1000" b="0" strike="noStrike" spc="-1" dirty="0">
-                <a:solidFill>
-                  <a:schemeClr val="dk1"/>
-                </a:solidFill>
-                <a:latin typeface="Raleway" pitchFamily="2" charset="-18"/>
-                <a:ea typeface="Raleway"/>
-              </a:rPr>
-              <a:t>Fórum / közösségi oldal</a:t>
-            </a:r>
-          </a:p>
-          <a:p>
-            <a:pPr lvl="1"/>
-            <a:r>
-              <a:rPr lang="hu-HU" sz="1000" b="0" strike="noStrike" spc="-1" dirty="0">
-                <a:solidFill>
-                  <a:schemeClr val="dk1"/>
-                </a:solidFill>
-                <a:latin typeface="Raleway" pitchFamily="2" charset="-18"/>
-                <a:ea typeface="Raleway"/>
-              </a:rPr>
-              <a:t>Chat rendszer</a:t>
-            </a:r>
-          </a:p>
-          <a:p>
-            <a:pPr lvl="1"/>
-            <a:r>
-              <a:rPr lang="hu-HU" sz="1000" b="0" strike="noStrike" spc="-1" dirty="0">
-                <a:solidFill>
-                  <a:schemeClr val="dk1"/>
-                </a:solidFill>
-                <a:latin typeface="Raleway" pitchFamily="2" charset="-18"/>
-                <a:ea typeface="Raleway"/>
-              </a:rPr>
-              <a:t>Független fejlesztés, összehangolt célok</a:t>
-            </a:r>
-          </a:p>
-          <a:p>
-            <a:pPr lvl="1"/>
-            <a:r>
-              <a:rPr lang="hu-HU" sz="1000" b="0" strike="noStrike" spc="-1" dirty="0">
-                <a:solidFill>
-                  <a:schemeClr val="dk1"/>
-                </a:solidFill>
-                <a:latin typeface="Raleway" pitchFamily="2" charset="-18"/>
-                <a:ea typeface="Raleway"/>
-              </a:rPr>
-              <a:t>Egymást kiegészítő funkciók</a:t>
-            </a:r>
-          </a:p>
-          <a:p>
-            <a:pPr lvl="1"/>
-            <a:r>
-              <a:rPr lang="hu-HU" sz="1000" b="0" strike="noStrike" spc="-1" dirty="0">
-                <a:solidFill>
-                  <a:schemeClr val="dk1"/>
-                </a:solidFill>
-                <a:latin typeface="Raleway" pitchFamily="2" charset="-18"/>
-                <a:ea typeface="Raleway"/>
-              </a:rPr>
-              <a:t>Valódi csapatmunka, nem elkülönült projektek</a:t>
-            </a:r>
-            <a:endParaRPr lang="hu-HU" sz="1200" b="0" strike="noStrike" spc="-1" dirty="0">
-              <a:solidFill>
-                <a:schemeClr val="dk1"/>
-              </a:solidFill>
-              <a:latin typeface="Raleway" pitchFamily="2" charset="-18"/>
-              <a:ea typeface="Raleway"/>
-            </a:endParaRPr>
-          </a:p>
-          <a:p>
-            <a:endParaRPr lang="hu-HU" sz="1200" dirty="0"/>
-          </a:p>
-        </p:txBody>
-      </p:sp>
-      <p:sp>
-        <p:nvSpPr>
-          <p:cNvPr id="4" name="Tartalom helye 3">
-            <a:extLst>
-              <a:ext uri="{FF2B5EF4-FFF2-40B4-BE49-F238E27FC236}">
-                <a16:creationId xmlns:a16="http://schemas.microsoft.com/office/drawing/2014/main" id="{D4CD95A8-6790-6B70-0FF2-93E432C1AA2B}"/>
-              </a:ext>
-            </a:extLst>
-          </p:cNvPr>
-          <p:cNvSpPr>
-            <a:spLocks noGrp="1"/>
-          </p:cNvSpPr>
-          <p:nvPr>
-            <p:ph/>
-          </p:nvPr>
-        </p:nvSpPr>
-        <p:spPr>
-          <a:xfrm>
-            <a:off x="4674241" y="1800790"/>
-            <a:ext cx="4015800" cy="2982960"/>
-          </a:xfrm>
-        </p:spPr>
-        <p:txBody>
-          <a:bodyPr>
-            <a:normAutofit/>
-          </a:bodyPr>
-          <a:lstStyle/>
-          <a:p>
-            <a:r>
-              <a:rPr lang="hu-HU" sz="1200" dirty="0"/>
-              <a:t>Profilnévre / képre kattintva: Chat azonnal elérhető</a:t>
-            </a:r>
-          </a:p>
-          <a:p>
-            <a:r>
-              <a:rPr lang="hu-HU" sz="1200" dirty="0"/>
-              <a:t>Bejegyzésnél osztály megjelölése →Automatikus üzenet generálódik a chatben</a:t>
-            </a:r>
-          </a:p>
-          <a:p>
-            <a:r>
-              <a:rPr lang="hu-HU" sz="1200" dirty="0"/>
-              <a:t>Értesítés a megjelölt osztálynak (rendszerüzenetként)</a:t>
-            </a:r>
-          </a:p>
-          <a:p>
-            <a:r>
-              <a:rPr lang="hu-HU" sz="1200" dirty="0"/>
-              <a:t>Két rendszer összhangban kommunikál egymással</a:t>
-            </a:r>
-          </a:p>
-        </p:txBody>
-      </p:sp>
-      <p:sp>
-        <p:nvSpPr>
           <p:cNvPr id="5" name="Szövegdoboz 4">
             <a:extLst>
               <a:ext uri="{FF2B5EF4-FFF2-40B4-BE49-F238E27FC236}">
@@ -20780,10 +24227,1147 @@
           </a:p>
         </p:txBody>
       </p:sp>
+      <p:sp>
+        <p:nvSpPr>
+          <p:cNvPr id="7" name="PlaceHolder 2">
+            <a:extLst>
+              <a:ext uri="{FF2B5EF4-FFF2-40B4-BE49-F238E27FC236}">
+                <a16:creationId xmlns:a16="http://schemas.microsoft.com/office/drawing/2014/main" id="{42E77B1D-D8FE-B854-DCC7-869E0499BF38}"/>
+              </a:ext>
+            </a:extLst>
+          </p:cNvPr>
+          <p:cNvSpPr txBox="1">
+            <a:spLocks/>
+          </p:cNvSpPr>
+          <p:nvPr/>
+        </p:nvSpPr>
+        <p:spPr>
+          <a:xfrm>
+            <a:off x="453600" y="1800789"/>
+            <a:ext cx="4118400" cy="2982959"/>
+          </a:xfrm>
+          <a:prstGeom prst="rect">
+            <a:avLst/>
+          </a:prstGeom>
+          <a:noFill/>
+          <a:ln w="0">
+            <a:noFill/>
+          </a:ln>
+        </p:spPr>
+        <p:txBody>
+          <a:bodyPr lIns="91440" tIns="91440" rIns="91440" bIns="91440" anchor="t">
+            <a:normAutofit/>
+          </a:bodyPr>
+          <a:lstStyle>
+            <a:lvl1pPr algn="l" defTabSz="914400" rtl="0" eaLnBrk="1" latinLnBrk="0" hangingPunct="1">
+              <a:lnSpc>
+                <a:spcPct val="90000"/>
+              </a:lnSpc>
+              <a:spcBef>
+                <a:spcPct val="0"/>
+              </a:spcBef>
+              <a:buNone/>
+              <a:defRPr sz="4400" kern="1200">
+                <a:solidFill>
+                  <a:schemeClr val="tx1"/>
+                </a:solidFill>
+                <a:latin typeface="+mj-lt"/>
+                <a:ea typeface="+mj-ea"/>
+                <a:cs typeface="+mj-cs"/>
+              </a:defRPr>
+            </a:lvl1pPr>
+          </a:lstStyle>
+          <a:p>
+            <a:pPr marL="171450" indent="-171450" algn="just">
+              <a:buFont typeface="Arial" panose="020B0604020202020204" pitchFamily="34" charset="0"/>
+              <a:buChar char="•"/>
+            </a:pPr>
+            <a:r>
+              <a:rPr lang="hu-HU" sz="1200" dirty="0">
+                <a:latin typeface="Raleway" pitchFamily="2" charset="-18"/>
+              </a:rPr>
+              <a:t>Közösségi / fórum jellegű diákoldal</a:t>
+            </a:r>
+          </a:p>
+          <a:p>
+            <a:pPr marL="171450" indent="-171450" algn="just">
+              <a:buFont typeface="Arial" panose="020B0604020202020204" pitchFamily="34" charset="0"/>
+              <a:buChar char="•"/>
+            </a:pPr>
+            <a:r>
+              <a:rPr lang="hu-HU" sz="1200" dirty="0">
+                <a:latin typeface="Raleway" pitchFamily="2" charset="-18"/>
+              </a:rPr>
+              <a:t>Beépített csevegőfelület diákok között</a:t>
+            </a:r>
+          </a:p>
+          <a:p>
+            <a:pPr marL="171450" indent="-171450" algn="just">
+              <a:buFont typeface="Arial" panose="020B0604020202020204" pitchFamily="34" charset="0"/>
+              <a:buChar char="•"/>
+            </a:pPr>
+            <a:r>
+              <a:rPr lang="hu-HU" sz="1200" dirty="0">
+                <a:latin typeface="Raleway" pitchFamily="2" charset="-18"/>
+              </a:rPr>
+              <a:t>Kétirányú kommunikáció</a:t>
+            </a:r>
+          </a:p>
+          <a:p>
+            <a:pPr marL="628650" lvl="2" indent="-171450" algn="just">
+              <a:buFont typeface="Arial" panose="020B0604020202020204" pitchFamily="34" charset="0"/>
+              <a:buChar char="•"/>
+            </a:pPr>
+            <a:r>
+              <a:rPr lang="hu-HU" sz="1000" dirty="0">
+                <a:solidFill>
+                  <a:schemeClr val="accent6"/>
+                </a:solidFill>
+                <a:latin typeface="Raleway" pitchFamily="2" charset="-18"/>
+              </a:rPr>
+              <a:t>Diákönkormányzat ↔ Diák</a:t>
+            </a:r>
+          </a:p>
+          <a:p>
+            <a:pPr marL="628650" lvl="2" indent="-171450" algn="just">
+              <a:buFont typeface="Arial" panose="020B0604020202020204" pitchFamily="34" charset="0"/>
+              <a:buChar char="•"/>
+            </a:pPr>
+            <a:r>
+              <a:rPr lang="hu-HU" sz="1000" dirty="0">
+                <a:solidFill>
+                  <a:schemeClr val="accent6"/>
+                </a:solidFill>
+                <a:latin typeface="Raleway" pitchFamily="2" charset="-18"/>
+              </a:rPr>
+              <a:t>Diák ↔ Diák</a:t>
+            </a:r>
+          </a:p>
+          <a:p>
+            <a:pPr marL="171450" indent="-171450" algn="just">
+              <a:buFont typeface="Arial" panose="020B0604020202020204" pitchFamily="34" charset="0"/>
+              <a:buChar char="•"/>
+            </a:pPr>
+            <a:r>
+              <a:rPr lang="hu-HU" sz="1200" dirty="0">
+                <a:latin typeface="Raleway" pitchFamily="2" charset="-18"/>
+              </a:rPr>
+              <a:t>Két modul – közös projekt</a:t>
+            </a:r>
+          </a:p>
+          <a:p>
+            <a:pPr marL="628650" lvl="1" indent="-171450" algn="just">
+              <a:buFont typeface="Arial" panose="020B0604020202020204" pitchFamily="34" charset="0"/>
+              <a:buChar char="•"/>
+            </a:pPr>
+            <a:r>
+              <a:rPr lang="hu-HU" sz="1000" dirty="0">
+                <a:latin typeface="Raleway" pitchFamily="2" charset="-18"/>
+              </a:rPr>
+              <a:t>Fórum / közösségi oldal</a:t>
+            </a:r>
+          </a:p>
+          <a:p>
+            <a:pPr marL="628650" lvl="1" indent="-171450" algn="just">
+              <a:buFont typeface="Arial" panose="020B0604020202020204" pitchFamily="34" charset="0"/>
+              <a:buChar char="•"/>
+            </a:pPr>
+            <a:r>
+              <a:rPr lang="hu-HU" sz="1000" dirty="0">
+                <a:latin typeface="Raleway" pitchFamily="2" charset="-18"/>
+              </a:rPr>
+              <a:t>Chat rendszer</a:t>
+            </a:r>
+          </a:p>
+          <a:p>
+            <a:pPr marL="171450" indent="-171450" algn="just">
+              <a:buFont typeface="Arial" panose="020B0604020202020204" pitchFamily="34" charset="0"/>
+              <a:buChar char="•"/>
+            </a:pPr>
+            <a:r>
+              <a:rPr lang="hu-HU" sz="1200" dirty="0">
+                <a:latin typeface="Raleway" pitchFamily="2" charset="-18"/>
+              </a:rPr>
+              <a:t>Független fejlesztés, összehangolt célok</a:t>
+            </a:r>
+          </a:p>
+          <a:p>
+            <a:pPr marL="628650" lvl="1" indent="-171450" algn="just">
+              <a:buFont typeface="Arial" panose="020B0604020202020204" pitchFamily="34" charset="0"/>
+              <a:buChar char="•"/>
+            </a:pPr>
+            <a:r>
+              <a:rPr lang="hu-HU" sz="1000" dirty="0">
+                <a:latin typeface="Raleway" pitchFamily="2" charset="-18"/>
+              </a:rPr>
+              <a:t>Egymást kiegészítő funkciók</a:t>
+            </a:r>
+          </a:p>
+          <a:p>
+            <a:pPr marL="628650" lvl="1" indent="-171450" algn="just">
+              <a:buFont typeface="Arial" panose="020B0604020202020204" pitchFamily="34" charset="0"/>
+              <a:buChar char="•"/>
+            </a:pPr>
+            <a:r>
+              <a:rPr lang="hu-HU" sz="1000" dirty="0">
+                <a:latin typeface="Raleway" pitchFamily="2" charset="-18"/>
+              </a:rPr>
+              <a:t>Valódi csapatmunka, nem elkülönült projektek</a:t>
+            </a:r>
+          </a:p>
+        </p:txBody>
+      </p:sp>
+      <p:sp>
+        <p:nvSpPr>
+          <p:cNvPr id="10" name="PlaceHolder 2">
+            <a:extLst>
+              <a:ext uri="{FF2B5EF4-FFF2-40B4-BE49-F238E27FC236}">
+                <a16:creationId xmlns:a16="http://schemas.microsoft.com/office/drawing/2014/main" id="{BF9BF165-C069-793B-5C6B-CEA307BD8A46}"/>
+              </a:ext>
+            </a:extLst>
+          </p:cNvPr>
+          <p:cNvSpPr txBox="1">
+            <a:spLocks/>
+          </p:cNvSpPr>
+          <p:nvPr/>
+        </p:nvSpPr>
+        <p:spPr>
+          <a:xfrm>
+            <a:off x="4572000" y="1800789"/>
+            <a:ext cx="4118400" cy="2982959"/>
+          </a:xfrm>
+          <a:prstGeom prst="rect">
+            <a:avLst/>
+          </a:prstGeom>
+          <a:noFill/>
+          <a:ln w="0">
+            <a:noFill/>
+          </a:ln>
+        </p:spPr>
+        <p:txBody>
+          <a:bodyPr lIns="91440" tIns="91440" rIns="91440" bIns="91440" anchor="t">
+            <a:normAutofit/>
+          </a:bodyPr>
+          <a:lstStyle>
+            <a:lvl1pPr algn="l" defTabSz="914400" rtl="0" eaLnBrk="1" latinLnBrk="0" hangingPunct="1">
+              <a:lnSpc>
+                <a:spcPct val="90000"/>
+              </a:lnSpc>
+              <a:spcBef>
+                <a:spcPct val="0"/>
+              </a:spcBef>
+              <a:buNone/>
+              <a:defRPr sz="4400" kern="1200">
+                <a:solidFill>
+                  <a:schemeClr val="tx1"/>
+                </a:solidFill>
+                <a:latin typeface="+mj-lt"/>
+                <a:ea typeface="+mj-ea"/>
+                <a:cs typeface="+mj-cs"/>
+              </a:defRPr>
+            </a:lvl1pPr>
+          </a:lstStyle>
+          <a:p>
+            <a:pPr marL="171450" indent="-171450" algn="just">
+              <a:buFont typeface="Arial" panose="020B0604020202020204" pitchFamily="34" charset="0"/>
+              <a:buChar char="•"/>
+            </a:pPr>
+            <a:r>
+              <a:rPr lang="hu-HU" sz="1200" dirty="0">
+                <a:latin typeface="Raleway" pitchFamily="2" charset="-18"/>
+              </a:rPr>
+              <a:t>Profilnévre / képre kattintva: Chat azonnal elérhető</a:t>
+            </a:r>
+          </a:p>
+          <a:p>
+            <a:pPr marL="171450" indent="-171450" algn="just">
+              <a:buFont typeface="Arial" panose="020B0604020202020204" pitchFamily="34" charset="0"/>
+              <a:buChar char="•"/>
+            </a:pPr>
+            <a:r>
+              <a:rPr lang="hu-HU" sz="1200" dirty="0">
+                <a:latin typeface="Raleway" pitchFamily="2" charset="-18"/>
+              </a:rPr>
+              <a:t>Bejegyzésnél osztály megjelölése → Automatikus üzenet a chatben</a:t>
+            </a:r>
+          </a:p>
+          <a:p>
+            <a:pPr marL="171450" indent="-171450" algn="just">
+              <a:buFont typeface="Arial" panose="020B0604020202020204" pitchFamily="34" charset="0"/>
+              <a:buChar char="•"/>
+            </a:pPr>
+            <a:r>
+              <a:rPr lang="hu-HU" sz="1200" dirty="0">
+                <a:latin typeface="Raleway" pitchFamily="2" charset="-18"/>
+              </a:rPr>
+              <a:t>Értesítés a megjelölt osztálynak (rendszerüzenetként)</a:t>
+            </a:r>
+          </a:p>
+          <a:p>
+            <a:pPr marL="171450" indent="-171450" algn="just">
+              <a:buFont typeface="Arial" panose="020B0604020202020204" pitchFamily="34" charset="0"/>
+              <a:buChar char="•"/>
+            </a:pPr>
+            <a:r>
+              <a:rPr lang="hu-HU" sz="1200" dirty="0">
+                <a:latin typeface="Raleway" pitchFamily="2" charset="-18"/>
+              </a:rPr>
+              <a:t>Két rendszer összhangban kommunikál egymással</a:t>
+            </a:r>
+          </a:p>
+        </p:txBody>
+      </p:sp>
     </p:spTree>
     <p:extLst>
       <p:ext uri="{BB962C8B-B14F-4D97-AF65-F5344CB8AC3E}">
         <p14:creationId xmlns:p14="http://schemas.microsoft.com/office/powerpoint/2010/main" val="651334164"/>
+      </p:ext>
+    </p:extLst>
+  </p:cSld>
+  <p:clrMapOvr>
+    <a:masterClrMapping/>
+  </p:clrMapOvr>
+</p:sld>
+</file>
+
+<file path=ppt/slides/slide40.xml><?xml version="1.0" encoding="utf-8"?>
+<p:sld xmlns:a="http://schemas.openxmlformats.org/drawingml/2006/main" xmlns:r="http://schemas.openxmlformats.org/officeDocument/2006/relationships" xmlns:p="http://schemas.openxmlformats.org/presentationml/2006/main">
+  <p:cSld>
+    <p:spTree>
+      <p:nvGrpSpPr>
+        <p:cNvPr id="1" name="">
+          <a:extLst>
+            <a:ext uri="{FF2B5EF4-FFF2-40B4-BE49-F238E27FC236}">
+              <a16:creationId xmlns:a16="http://schemas.microsoft.com/office/drawing/2014/main" id="{E4F8A50D-4134-8CC7-BAA1-0F5C1BAB7534}"/>
+            </a:ext>
+          </a:extLst>
+        </p:cNvPr>
+        <p:cNvGrpSpPr/>
+        <p:nvPr/>
+      </p:nvGrpSpPr>
+      <p:grpSpPr>
+        <a:xfrm>
+          <a:off x="0" y="0"/>
+          <a:ext cx="0" cy="0"/>
+          <a:chOff x="0" y="0"/>
+          <a:chExt cx="0" cy="0"/>
+        </a:xfrm>
+      </p:grpSpPr>
+      <p:sp>
+        <p:nvSpPr>
+          <p:cNvPr id="202" name="PlaceHolder 1">
+            <a:extLst>
+              <a:ext uri="{FF2B5EF4-FFF2-40B4-BE49-F238E27FC236}">
+                <a16:creationId xmlns:a16="http://schemas.microsoft.com/office/drawing/2014/main" id="{EA01482C-ABBD-C3B2-22D9-D9A0631C3C8D}"/>
+              </a:ext>
+            </a:extLst>
+          </p:cNvPr>
+          <p:cNvSpPr>
+            <a:spLocks noGrp="1"/>
+          </p:cNvSpPr>
+          <p:nvPr>
+            <p:ph type="title"/>
+          </p:nvPr>
+        </p:nvSpPr>
+        <p:spPr>
+          <a:xfrm>
+            <a:off x="714240" y="752400"/>
+            <a:ext cx="6724713" cy="1018800"/>
+          </a:xfrm>
+          <a:prstGeom prst="rect">
+            <a:avLst/>
+          </a:prstGeom>
+          <a:noFill/>
+          <a:ln w="0">
+            <a:noFill/>
+          </a:ln>
+        </p:spPr>
+        <p:txBody>
+          <a:bodyPr lIns="91440" tIns="91440" rIns="91440" bIns="91440" anchor="b">
+            <a:noAutofit/>
+          </a:bodyPr>
+          <a:lstStyle/>
+          <a:p>
+            <a:pPr indent="0">
+              <a:lnSpc>
+                <a:spcPct val="100000"/>
+              </a:lnSpc>
+              <a:buNone/>
+              <a:tabLst>
+                <a:tab pos="0" algn="l"/>
+              </a:tabLst>
+            </a:pPr>
+            <a:r>
+              <a:rPr lang="hu-HU" sz="3200" dirty="0">
+                <a:latin typeface="Inter"/>
+              </a:rPr>
+              <a:t>3.1.7.3 Terhelés és üres értékek</a:t>
+            </a:r>
+            <a:endParaRPr lang="fr-FR" sz="3000" b="0" strike="noStrike" spc="-1" dirty="0">
+              <a:solidFill>
+                <a:schemeClr val="dk1"/>
+              </a:solidFill>
+              <a:latin typeface="Inter"/>
+            </a:endParaRPr>
+          </a:p>
+        </p:txBody>
+      </p:sp>
+      <p:sp>
+        <p:nvSpPr>
+          <p:cNvPr id="203" name="PlaceHolder 2">
+            <a:extLst>
+              <a:ext uri="{FF2B5EF4-FFF2-40B4-BE49-F238E27FC236}">
+                <a16:creationId xmlns:a16="http://schemas.microsoft.com/office/drawing/2014/main" id="{33EF2A15-4A05-7506-BFCF-7CB1AC24772E}"/>
+              </a:ext>
+            </a:extLst>
+          </p:cNvPr>
+          <p:cNvSpPr>
+            <a:spLocks noGrp="1"/>
+          </p:cNvSpPr>
+          <p:nvPr>
+            <p:ph type="subTitle"/>
+          </p:nvPr>
+        </p:nvSpPr>
+        <p:spPr>
+          <a:xfrm>
+            <a:off x="714240" y="1852602"/>
+            <a:ext cx="5026542" cy="2746898"/>
+          </a:xfrm>
+          <a:prstGeom prst="rect">
+            <a:avLst/>
+          </a:prstGeom>
+          <a:noFill/>
+          <a:ln w="0">
+            <a:noFill/>
+          </a:ln>
+        </p:spPr>
+        <p:txBody>
+          <a:bodyPr lIns="91440" tIns="91440" rIns="91440" bIns="91440" anchor="t">
+            <a:normAutofit/>
+          </a:bodyPr>
+          <a:lstStyle/>
+          <a:p>
+            <a:pPr algn="just"/>
+            <a:r>
+              <a:rPr lang="hu-HU" sz="1200" dirty="0">
+                <a:latin typeface="Raleway" pitchFamily="2" charset="-18"/>
+              </a:rPr>
+              <a:t>Egyszerre több felhasználó:</a:t>
+            </a:r>
+          </a:p>
+          <a:p>
+            <a:pPr lvl="1" algn="just"/>
+            <a:r>
+              <a:rPr lang="hu-HU" sz="1000" dirty="0">
+                <a:latin typeface="Raleway" pitchFamily="2" charset="-18"/>
+              </a:rPr>
+              <a:t>több párhuzamos bejelentkezés</a:t>
+            </a:r>
+          </a:p>
+          <a:p>
+            <a:pPr lvl="1" algn="just"/>
+            <a:r>
+              <a:rPr lang="hu-HU" sz="1000" dirty="0">
+                <a:latin typeface="Raleway" pitchFamily="2" charset="-18"/>
+              </a:rPr>
+              <a:t>stabil működés</a:t>
+            </a:r>
+          </a:p>
+          <a:p>
+            <a:pPr algn="just"/>
+            <a:r>
+              <a:rPr lang="hu-HU" sz="1200" dirty="0">
+                <a:latin typeface="Raleway" pitchFamily="2" charset="-18"/>
+              </a:rPr>
+              <a:t>Nagy méretű fájlok:</a:t>
+            </a:r>
+          </a:p>
+          <a:p>
+            <a:pPr lvl="1" algn="just"/>
+            <a:r>
+              <a:rPr lang="hu-HU" sz="1000" dirty="0">
+                <a:latin typeface="Raleway" pitchFamily="2" charset="-18"/>
+              </a:rPr>
+              <a:t>visszajelzés lassabb feltöltésnél is megtörtént</a:t>
+            </a:r>
+          </a:p>
+          <a:p>
+            <a:pPr algn="just"/>
+            <a:r>
+              <a:rPr lang="hu-HU" sz="1200" dirty="0">
+                <a:latin typeface="Raleway" pitchFamily="2" charset="-18"/>
+              </a:rPr>
+              <a:t>Üres adatbázis tesztelése:</a:t>
+            </a:r>
+          </a:p>
+          <a:p>
+            <a:pPr lvl="1" algn="just"/>
+            <a:r>
+              <a:rPr lang="hu-HU" sz="1000" dirty="0">
+                <a:latin typeface="Raleway" pitchFamily="2" charset="-18"/>
+              </a:rPr>
+              <a:t>nem okoz hibát, üres állapotokhoz igazított üzenetek</a:t>
+            </a:r>
+          </a:p>
+          <a:p>
+            <a:pPr algn="just"/>
+            <a:r>
+              <a:rPr lang="hu-HU" sz="1200" dirty="0">
+                <a:latin typeface="Raleway" pitchFamily="2" charset="-18"/>
+              </a:rPr>
+              <a:t>Gyors egymás utáni kérések:</a:t>
+            </a:r>
+          </a:p>
+          <a:p>
+            <a:pPr lvl="1" algn="just"/>
+            <a:r>
+              <a:rPr lang="hu-HU" sz="1000" dirty="0">
+                <a:latin typeface="Raleway" pitchFamily="2" charset="-18"/>
+              </a:rPr>
+              <a:t>többszöri szavazás vagy üzenetküldés gyors egymásutánban</a:t>
+            </a:r>
+          </a:p>
+        </p:txBody>
+      </p:sp>
+    </p:spTree>
+    <p:extLst>
+      <p:ext uri="{BB962C8B-B14F-4D97-AF65-F5344CB8AC3E}">
+        <p14:creationId xmlns:p14="http://schemas.microsoft.com/office/powerpoint/2010/main" val="2308101244"/>
+      </p:ext>
+    </p:extLst>
+  </p:cSld>
+  <p:clrMapOvr>
+    <a:masterClrMapping/>
+  </p:clrMapOvr>
+</p:sld>
+</file>
+
+<file path=ppt/slides/slide41.xml><?xml version="1.0" encoding="utf-8"?>
+<p:sld xmlns:a="http://schemas.openxmlformats.org/drawingml/2006/main" xmlns:r="http://schemas.openxmlformats.org/officeDocument/2006/relationships" xmlns:p="http://schemas.openxmlformats.org/presentationml/2006/main">
+  <p:cSld>
+    <p:spTree>
+      <p:nvGrpSpPr>
+        <p:cNvPr id="1" name="">
+          <a:extLst>
+            <a:ext uri="{FF2B5EF4-FFF2-40B4-BE49-F238E27FC236}">
+              <a16:creationId xmlns:a16="http://schemas.microsoft.com/office/drawing/2014/main" id="{16AA1529-EDFC-3704-CA7C-4BBD884264AC}"/>
+            </a:ext>
+          </a:extLst>
+        </p:cNvPr>
+        <p:cNvGrpSpPr/>
+        <p:nvPr/>
+      </p:nvGrpSpPr>
+      <p:grpSpPr>
+        <a:xfrm>
+          <a:off x="0" y="0"/>
+          <a:ext cx="0" cy="0"/>
+          <a:chOff x="0" y="0"/>
+          <a:chExt cx="0" cy="0"/>
+        </a:xfrm>
+      </p:grpSpPr>
+      <p:sp>
+        <p:nvSpPr>
+          <p:cNvPr id="202" name="PlaceHolder 1">
+            <a:extLst>
+              <a:ext uri="{FF2B5EF4-FFF2-40B4-BE49-F238E27FC236}">
+                <a16:creationId xmlns:a16="http://schemas.microsoft.com/office/drawing/2014/main" id="{D1D9333D-B910-8A81-8EC5-78D7C160597D}"/>
+              </a:ext>
+            </a:extLst>
+          </p:cNvPr>
+          <p:cNvSpPr>
+            <a:spLocks noGrp="1"/>
+          </p:cNvSpPr>
+          <p:nvPr>
+            <p:ph type="title"/>
+          </p:nvPr>
+        </p:nvSpPr>
+        <p:spPr>
+          <a:xfrm>
+            <a:off x="714240" y="752400"/>
+            <a:ext cx="6724713" cy="1018800"/>
+          </a:xfrm>
+          <a:prstGeom prst="rect">
+            <a:avLst/>
+          </a:prstGeom>
+          <a:noFill/>
+          <a:ln w="0">
+            <a:noFill/>
+          </a:ln>
+        </p:spPr>
+        <p:txBody>
+          <a:bodyPr lIns="91440" tIns="91440" rIns="91440" bIns="91440" anchor="b">
+            <a:noAutofit/>
+          </a:bodyPr>
+          <a:lstStyle/>
+          <a:p>
+            <a:pPr indent="0">
+              <a:lnSpc>
+                <a:spcPct val="100000"/>
+              </a:lnSpc>
+              <a:buNone/>
+              <a:tabLst>
+                <a:tab pos="0" algn="l"/>
+              </a:tabLst>
+            </a:pPr>
+            <a:r>
+              <a:rPr lang="hu-HU" sz="3200" dirty="0">
+                <a:latin typeface="Inter"/>
+              </a:rPr>
+              <a:t>3.1.7.4 Tesztfelhasználók</a:t>
+            </a:r>
+            <a:endParaRPr lang="fr-FR" sz="3000" b="0" strike="noStrike" spc="-1" dirty="0">
+              <a:solidFill>
+                <a:schemeClr val="dk1"/>
+              </a:solidFill>
+              <a:latin typeface="Inter"/>
+            </a:endParaRPr>
+          </a:p>
+        </p:txBody>
+      </p:sp>
+      <p:sp>
+        <p:nvSpPr>
+          <p:cNvPr id="203" name="PlaceHolder 2">
+            <a:extLst>
+              <a:ext uri="{FF2B5EF4-FFF2-40B4-BE49-F238E27FC236}">
+                <a16:creationId xmlns:a16="http://schemas.microsoft.com/office/drawing/2014/main" id="{47494121-567C-68D2-8022-7527CC32D48E}"/>
+              </a:ext>
+            </a:extLst>
+          </p:cNvPr>
+          <p:cNvSpPr>
+            <a:spLocks noGrp="1"/>
+          </p:cNvSpPr>
+          <p:nvPr>
+            <p:ph type="subTitle"/>
+          </p:nvPr>
+        </p:nvSpPr>
+        <p:spPr>
+          <a:xfrm>
+            <a:off x="714240" y="1852602"/>
+            <a:ext cx="5026542" cy="2746898"/>
+          </a:xfrm>
+          <a:prstGeom prst="rect">
+            <a:avLst/>
+          </a:prstGeom>
+          <a:noFill/>
+          <a:ln w="0">
+            <a:noFill/>
+          </a:ln>
+        </p:spPr>
+        <p:txBody>
+          <a:bodyPr lIns="91440" tIns="91440" rIns="91440" bIns="91440" anchor="t">
+            <a:normAutofit/>
+          </a:bodyPr>
+          <a:lstStyle/>
+          <a:p>
+            <a:pPr algn="just"/>
+            <a:r>
+              <a:rPr lang="hu-HU" sz="1200" dirty="0">
+                <a:latin typeface="Raleway" pitchFamily="2" charset="-18"/>
+              </a:rPr>
+              <a:t>Belépési adatok:</a:t>
+            </a:r>
+          </a:p>
+          <a:p>
+            <a:pPr lvl="1" algn="just"/>
+            <a:r>
+              <a:rPr lang="hu-HU" sz="1000" u="sng" dirty="0">
+                <a:latin typeface="Raleway" pitchFamily="2" charset="-18"/>
+              </a:rPr>
+              <a:t>Mint általános felhasználó: </a:t>
+            </a:r>
+          </a:p>
+          <a:p>
+            <a:pPr marL="457200" lvl="1" indent="0" algn="just">
+              <a:buNone/>
+            </a:pPr>
+            <a:r>
+              <a:rPr lang="hu-HU" sz="1000" dirty="0">
+                <a:latin typeface="Raleway" pitchFamily="2" charset="-18"/>
+              </a:rPr>
+              <a:t>       Felhasználónév: teszt</a:t>
+            </a:r>
+          </a:p>
+          <a:p>
+            <a:pPr marL="457200" lvl="1" indent="0" algn="just">
+              <a:buNone/>
+            </a:pPr>
+            <a:r>
+              <a:rPr lang="hu-HU" sz="1000" dirty="0">
+                <a:latin typeface="Raleway" pitchFamily="2" charset="-18"/>
+              </a:rPr>
+              <a:t>       Jelszó: teszt123</a:t>
+            </a:r>
+          </a:p>
+          <a:p>
+            <a:pPr lvl="1" algn="just"/>
+            <a:r>
+              <a:rPr lang="hu-HU" sz="1000" u="sng" dirty="0">
+                <a:latin typeface="Raleway" pitchFamily="2" charset="-18"/>
+              </a:rPr>
+              <a:t>Mint </a:t>
+            </a:r>
+            <a:r>
+              <a:rPr lang="hu-HU" sz="1000" u="sng" dirty="0" err="1">
+                <a:latin typeface="Raleway" pitchFamily="2" charset="-18"/>
+              </a:rPr>
+              <a:t>Dök</a:t>
+            </a:r>
+            <a:r>
+              <a:rPr lang="hu-HU" sz="1000" u="sng" dirty="0">
+                <a:latin typeface="Raleway" pitchFamily="2" charset="-18"/>
+              </a:rPr>
+              <a:t> tag:</a:t>
+            </a:r>
+          </a:p>
+          <a:p>
+            <a:pPr marL="457200" lvl="1" indent="0" algn="just">
+              <a:buNone/>
+            </a:pPr>
+            <a:r>
+              <a:rPr lang="hu-HU" sz="1000" dirty="0">
+                <a:latin typeface="Raleway" pitchFamily="2" charset="-18"/>
+              </a:rPr>
+              <a:t>       Felhasználónév: </a:t>
+            </a:r>
+            <a:r>
+              <a:rPr lang="hu-HU" sz="1000" dirty="0" err="1">
+                <a:latin typeface="Raleway" pitchFamily="2" charset="-18"/>
+              </a:rPr>
+              <a:t>tesztdok</a:t>
+            </a:r>
+            <a:endParaRPr lang="hu-HU" sz="1000" dirty="0">
+              <a:latin typeface="Raleway" pitchFamily="2" charset="-18"/>
+            </a:endParaRPr>
+          </a:p>
+          <a:p>
+            <a:pPr marL="457200" lvl="1" indent="0" algn="just">
+              <a:buNone/>
+            </a:pPr>
+            <a:r>
+              <a:rPr lang="hu-HU" sz="1000" dirty="0">
+                <a:latin typeface="Raleway" pitchFamily="2" charset="-18"/>
+              </a:rPr>
+              <a:t>       Jelszó: teszt123</a:t>
+            </a:r>
+          </a:p>
+          <a:p>
+            <a:pPr algn="just"/>
+            <a:r>
+              <a:rPr lang="hu-HU" sz="1600" dirty="0">
+                <a:latin typeface="Raleway" pitchFamily="2" charset="-18"/>
+              </a:rPr>
+              <a:t>Tesztelhető funkciók:</a:t>
+            </a:r>
+          </a:p>
+          <a:p>
+            <a:pPr lvl="1" algn="just"/>
+            <a:r>
+              <a:rPr lang="hu-HU" sz="1000" dirty="0">
+                <a:latin typeface="Raleway" pitchFamily="2" charset="-18"/>
+              </a:rPr>
+              <a:t>hozzászólás, chat, bejegyzések és hozzászólások létrehozása</a:t>
+            </a:r>
+          </a:p>
+        </p:txBody>
+      </p:sp>
+      <p:pic>
+        <p:nvPicPr>
+          <p:cNvPr id="214" name="Google Shape;320;p34"/>
+          <p:cNvPicPr/>
+          <p:nvPr/>
+        </p:nvPicPr>
+        <p:blipFill>
+          <a:blip r:embed="rId2"/>
+          <a:srcRect t="1392" b="1392"/>
+          <a:stretch/>
+        </p:blipFill>
+        <p:spPr>
+          <a:xfrm>
+            <a:off x="5827320" y="539640"/>
+            <a:ext cx="2786760" cy="4064040"/>
+          </a:xfrm>
+          <a:prstGeom prst="rect">
+            <a:avLst/>
+          </a:prstGeom>
+          <a:ln w="9525">
+            <a:solidFill>
+              <a:srgbClr val="FFFFFF"/>
+            </a:solidFill>
+            <a:round/>
+          </a:ln>
+        </p:spPr>
+      </p:pic>
+    </p:spTree>
+    <p:extLst>
+      <p:ext uri="{BB962C8B-B14F-4D97-AF65-F5344CB8AC3E}">
+        <p14:creationId xmlns:p14="http://schemas.microsoft.com/office/powerpoint/2010/main" val="1463300908"/>
+      </p:ext>
+    </p:extLst>
+  </p:cSld>
+  <p:clrMapOvr>
+    <a:masterClrMapping/>
+  </p:clrMapOvr>
+</p:sld>
+</file>
+
+<file path=ppt/slides/slide42.xml><?xml version="1.0" encoding="utf-8"?>
+<p:sld xmlns:a="http://schemas.openxmlformats.org/drawingml/2006/main" xmlns:r="http://schemas.openxmlformats.org/officeDocument/2006/relationships" xmlns:p="http://schemas.openxmlformats.org/presentationml/2006/main">
+  <p:cSld>
+    <p:spTree>
+      <p:nvGrpSpPr>
+        <p:cNvPr id="1" name="">
+          <a:extLst>
+            <a:ext uri="{FF2B5EF4-FFF2-40B4-BE49-F238E27FC236}">
+              <a16:creationId xmlns:a16="http://schemas.microsoft.com/office/drawing/2014/main" id="{706B1D41-B2DB-8052-CF91-4077478D13F7}"/>
+            </a:ext>
+          </a:extLst>
+        </p:cNvPr>
+        <p:cNvGrpSpPr/>
+        <p:nvPr/>
+      </p:nvGrpSpPr>
+      <p:grpSpPr>
+        <a:xfrm>
+          <a:off x="0" y="0"/>
+          <a:ext cx="0" cy="0"/>
+          <a:chOff x="0" y="0"/>
+          <a:chExt cx="0" cy="0"/>
+        </a:xfrm>
+      </p:grpSpPr>
+      <p:sp>
+        <p:nvSpPr>
+          <p:cNvPr id="202" name="PlaceHolder 1">
+            <a:extLst>
+              <a:ext uri="{FF2B5EF4-FFF2-40B4-BE49-F238E27FC236}">
+                <a16:creationId xmlns:a16="http://schemas.microsoft.com/office/drawing/2014/main" id="{24094FD2-B922-8971-E8C9-5F16F9D80E99}"/>
+              </a:ext>
+            </a:extLst>
+          </p:cNvPr>
+          <p:cNvSpPr>
+            <a:spLocks noGrp="1"/>
+          </p:cNvSpPr>
+          <p:nvPr>
+            <p:ph type="title"/>
+          </p:nvPr>
+        </p:nvSpPr>
+        <p:spPr>
+          <a:xfrm>
+            <a:off x="714240" y="752400"/>
+            <a:ext cx="6724713" cy="1018800"/>
+          </a:xfrm>
+          <a:prstGeom prst="rect">
+            <a:avLst/>
+          </a:prstGeom>
+          <a:noFill/>
+          <a:ln w="0">
+            <a:noFill/>
+          </a:ln>
+        </p:spPr>
+        <p:txBody>
+          <a:bodyPr lIns="91440" tIns="91440" rIns="91440" bIns="91440" anchor="b">
+            <a:noAutofit/>
+          </a:bodyPr>
+          <a:lstStyle/>
+          <a:p>
+            <a:pPr indent="0">
+              <a:lnSpc>
+                <a:spcPct val="100000"/>
+              </a:lnSpc>
+              <a:buNone/>
+              <a:tabLst>
+                <a:tab pos="0" algn="l"/>
+              </a:tabLst>
+            </a:pPr>
+            <a:r>
+              <a:rPr lang="hu-HU" sz="3200" dirty="0">
+                <a:latin typeface="Inter"/>
+              </a:rPr>
+              <a:t>3.1.8 Fejlesztési lehetőségek</a:t>
+            </a:r>
+            <a:endParaRPr lang="fr-FR" sz="3000" b="0" strike="noStrike" spc="-1" dirty="0">
+              <a:solidFill>
+                <a:schemeClr val="dk1"/>
+              </a:solidFill>
+              <a:latin typeface="Inter"/>
+            </a:endParaRPr>
+          </a:p>
+        </p:txBody>
+      </p:sp>
+      <p:sp>
+        <p:nvSpPr>
+          <p:cNvPr id="203" name="PlaceHolder 2">
+            <a:extLst>
+              <a:ext uri="{FF2B5EF4-FFF2-40B4-BE49-F238E27FC236}">
+                <a16:creationId xmlns:a16="http://schemas.microsoft.com/office/drawing/2014/main" id="{450F9711-C1ED-B4B0-AEB7-E661D063D0A0}"/>
+              </a:ext>
+            </a:extLst>
+          </p:cNvPr>
+          <p:cNvSpPr>
+            <a:spLocks noGrp="1"/>
+          </p:cNvSpPr>
+          <p:nvPr>
+            <p:ph type="subTitle"/>
+          </p:nvPr>
+        </p:nvSpPr>
+        <p:spPr>
+          <a:xfrm>
+            <a:off x="714240" y="1852602"/>
+            <a:ext cx="5026542" cy="2746898"/>
+          </a:xfrm>
+          <a:prstGeom prst="rect">
+            <a:avLst/>
+          </a:prstGeom>
+          <a:noFill/>
+          <a:ln w="0">
+            <a:noFill/>
+          </a:ln>
+        </p:spPr>
+        <p:txBody>
+          <a:bodyPr lIns="91440" tIns="91440" rIns="91440" bIns="91440" anchor="t">
+            <a:normAutofit/>
+          </a:bodyPr>
+          <a:lstStyle/>
+          <a:p>
+            <a:pPr algn="just"/>
+            <a:r>
+              <a:rPr lang="hu-HU" sz="1200" dirty="0" err="1">
+                <a:latin typeface="Raleway" pitchFamily="2" charset="-18"/>
+              </a:rPr>
+              <a:t>Dizájnolás</a:t>
+            </a:r>
+            <a:r>
+              <a:rPr lang="hu-HU" sz="1200" dirty="0">
+                <a:latin typeface="Raleway" pitchFamily="2" charset="-18"/>
+              </a:rPr>
+              <a:t> és elrendezés</a:t>
+            </a:r>
+          </a:p>
+          <a:p>
+            <a:pPr algn="just"/>
+            <a:r>
+              <a:rPr lang="hu-HU" sz="1200" dirty="0">
+                <a:latin typeface="Raleway" pitchFamily="2" charset="-18"/>
+              </a:rPr>
+              <a:t>Esemény fül telefonos megvalósítása</a:t>
+            </a:r>
+          </a:p>
+          <a:p>
+            <a:pPr algn="just"/>
+            <a:endParaRPr lang="hu-HU" sz="1200" dirty="0">
+              <a:latin typeface="Raleway" pitchFamily="2" charset="-18"/>
+            </a:endParaRPr>
+          </a:p>
+        </p:txBody>
+      </p:sp>
+      <p:pic>
+        <p:nvPicPr>
+          <p:cNvPr id="266" name="Google Shape;320;p34"/>
+          <p:cNvPicPr/>
+          <p:nvPr/>
+        </p:nvPicPr>
+        <p:blipFill>
+          <a:blip r:embed="rId2"/>
+          <a:srcRect t="1392" b="1392"/>
+          <a:stretch/>
+        </p:blipFill>
+        <p:spPr>
+          <a:xfrm>
+            <a:off x="5827320" y="539640"/>
+            <a:ext cx="2786760" cy="4064040"/>
+          </a:xfrm>
+          <a:prstGeom prst="rect">
+            <a:avLst/>
+          </a:prstGeom>
+          <a:ln w="9525">
+            <a:solidFill>
+              <a:srgbClr val="FFFFFF"/>
+            </a:solidFill>
+            <a:round/>
+          </a:ln>
+        </p:spPr>
+      </p:pic>
+    </p:spTree>
+    <p:extLst>
+      <p:ext uri="{BB962C8B-B14F-4D97-AF65-F5344CB8AC3E}">
+        <p14:creationId xmlns:p14="http://schemas.microsoft.com/office/powerpoint/2010/main" val="48903248"/>
+      </p:ext>
+    </p:extLst>
+  </p:cSld>
+  <p:clrMapOvr>
+    <a:masterClrMapping/>
+  </p:clrMapOvr>
+</p:sld>
+</file>
+
+<file path=ppt/slides/slide43.xml><?xml version="1.0" encoding="utf-8"?>
+<p:sld xmlns:a="http://schemas.openxmlformats.org/drawingml/2006/main" xmlns:r="http://schemas.openxmlformats.org/officeDocument/2006/relationships" xmlns:p="http://schemas.openxmlformats.org/presentationml/2006/main">
+  <p:cSld>
+    <p:spTree>
+      <p:nvGrpSpPr>
+        <p:cNvPr id="1" name="">
+          <a:extLst>
+            <a:ext uri="{FF2B5EF4-FFF2-40B4-BE49-F238E27FC236}">
+              <a16:creationId xmlns:a16="http://schemas.microsoft.com/office/drawing/2014/main" id="{D34D56A3-E66B-765D-25BA-1B9AEE567EAD}"/>
+            </a:ext>
+          </a:extLst>
+        </p:cNvPr>
+        <p:cNvGrpSpPr/>
+        <p:nvPr/>
+      </p:nvGrpSpPr>
+      <p:grpSpPr>
+        <a:xfrm>
+          <a:off x="0" y="0"/>
+          <a:ext cx="0" cy="0"/>
+          <a:chOff x="0" y="0"/>
+          <a:chExt cx="0" cy="0"/>
+        </a:xfrm>
+      </p:grpSpPr>
+      <p:sp>
+        <p:nvSpPr>
+          <p:cNvPr id="254" name="PlaceHolder 1">
+            <a:extLst>
+              <a:ext uri="{FF2B5EF4-FFF2-40B4-BE49-F238E27FC236}">
+                <a16:creationId xmlns:a16="http://schemas.microsoft.com/office/drawing/2014/main" id="{F088E733-CB02-6D4F-2E2C-77A1BE530F01}"/>
+              </a:ext>
+            </a:extLst>
+          </p:cNvPr>
+          <p:cNvSpPr>
+            <a:spLocks noGrp="1"/>
+          </p:cNvSpPr>
+          <p:nvPr>
+            <p:ph type="title"/>
+          </p:nvPr>
+        </p:nvSpPr>
+        <p:spPr>
+          <a:xfrm>
+            <a:off x="1371600" y="942840"/>
+            <a:ext cx="6400440" cy="1199880"/>
+          </a:xfrm>
+          <a:prstGeom prst="rect">
+            <a:avLst/>
+          </a:prstGeom>
+          <a:noFill/>
+          <a:ln w="0">
+            <a:noFill/>
+          </a:ln>
+        </p:spPr>
+        <p:txBody>
+          <a:bodyPr lIns="91440" tIns="91440" rIns="91440" bIns="91440" anchor="ctr">
+            <a:normAutofit/>
+          </a:bodyPr>
+          <a:lstStyle/>
+          <a:p>
+            <a:pPr indent="0" algn="ctr">
+              <a:lnSpc>
+                <a:spcPct val="100000"/>
+              </a:lnSpc>
+              <a:buNone/>
+              <a:tabLst>
+                <a:tab pos="0" algn="l"/>
+              </a:tabLst>
+            </a:pPr>
+            <a:r>
+              <a:rPr lang="hu-HU" sz="4000" b="0" strike="noStrike" spc="-1" dirty="0">
+                <a:solidFill>
+                  <a:schemeClr val="dk1"/>
+                </a:solidFill>
+                <a:latin typeface="Inter"/>
+                <a:ea typeface="Inter"/>
+              </a:rPr>
+              <a:t>Átirányítás</a:t>
+            </a:r>
+            <a:endParaRPr lang="fr-FR" sz="4000" b="0" strike="noStrike" spc="-1" dirty="0">
+              <a:solidFill>
+                <a:schemeClr val="dk1"/>
+              </a:solidFill>
+              <a:latin typeface="Arial"/>
+            </a:endParaRPr>
+          </a:p>
+        </p:txBody>
+      </p:sp>
+      <p:sp>
+        <p:nvSpPr>
+          <p:cNvPr id="255" name="PlaceHolder 2">
+            <a:extLst>
+              <a:ext uri="{FF2B5EF4-FFF2-40B4-BE49-F238E27FC236}">
+                <a16:creationId xmlns:a16="http://schemas.microsoft.com/office/drawing/2014/main" id="{F2717DDC-F150-F86E-9D8F-AC9C294E7E6D}"/>
+              </a:ext>
+            </a:extLst>
+          </p:cNvPr>
+          <p:cNvSpPr>
+            <a:spLocks noGrp="1"/>
+          </p:cNvSpPr>
+          <p:nvPr>
+            <p:ph type="subTitle"/>
+          </p:nvPr>
+        </p:nvSpPr>
+        <p:spPr>
+          <a:xfrm>
+            <a:off x="2133720" y="2371680"/>
+            <a:ext cx="4876560" cy="1371240"/>
+          </a:xfrm>
+          <a:prstGeom prst="rect">
+            <a:avLst/>
+          </a:prstGeom>
+          <a:noFill/>
+          <a:ln w="0">
+            <a:noFill/>
+          </a:ln>
+        </p:spPr>
+        <p:txBody>
+          <a:bodyPr lIns="91440" tIns="91440" rIns="91440" bIns="91440" anchor="t">
+            <a:normAutofit fontScale="97576"/>
+          </a:bodyPr>
+          <a:lstStyle/>
+          <a:p>
+            <a:pPr indent="0" algn="ctr">
+              <a:lnSpc>
+                <a:spcPct val="100000"/>
+              </a:lnSpc>
+              <a:buNone/>
+              <a:tabLst>
+                <a:tab pos="0" algn="l"/>
+              </a:tabLst>
+            </a:pPr>
+            <a:r>
+              <a:rPr lang="hu-HU" sz="1600" b="0" strike="noStrike" spc="-1" dirty="0">
+                <a:solidFill>
+                  <a:srgbClr val="FFFFFF"/>
+                </a:solidFill>
+                <a:latin typeface="OpenSymbol"/>
+              </a:rPr>
+              <a:t>A weboldal az alábbi linken elérhető:</a:t>
+            </a:r>
+            <a:br>
+              <a:rPr lang="hu-HU" sz="1600" b="0" strike="noStrike" spc="-1" dirty="0">
+                <a:solidFill>
+                  <a:srgbClr val="FFFFFF"/>
+                </a:solidFill>
+                <a:latin typeface="OpenSymbol"/>
+              </a:rPr>
+            </a:br>
+            <a:r>
+              <a:rPr lang="hu-HU" sz="1600" b="0" strike="noStrike" spc="-1" dirty="0">
+                <a:solidFill>
+                  <a:srgbClr val="FFFFFF"/>
+                </a:solidFill>
+                <a:latin typeface="OpenSymbol"/>
+                <a:hlinkClick r:id="rId2"/>
+              </a:rPr>
+              <a:t>http://weissesvagyok.infy.uk/</a:t>
+            </a:r>
+            <a:endParaRPr lang="en-US" sz="1600" b="0" strike="noStrike" spc="-1" dirty="0">
+              <a:solidFill>
+                <a:srgbClr val="FFFFFF"/>
+              </a:solidFill>
+              <a:latin typeface="OpenSymbol"/>
+            </a:endParaRPr>
+          </a:p>
+        </p:txBody>
+      </p:sp>
+    </p:spTree>
+    <p:extLst>
+      <p:ext uri="{BB962C8B-B14F-4D97-AF65-F5344CB8AC3E}">
+        <p14:creationId xmlns:p14="http://schemas.microsoft.com/office/powerpoint/2010/main" val="3805621568"/>
       </p:ext>
     </p:extLst>
   </p:cSld>
@@ -21310,7 +25894,7 @@
           </a:bodyPr>
           <a:lstStyle/>
           <a:p>
-            <a:pPr marL="400050" indent="-171450">
+            <a:pPr marL="400050" indent="-171450" algn="just">
               <a:lnSpc>
                 <a:spcPct val="100000"/>
               </a:lnSpc>
@@ -21330,7 +25914,7 @@
             </a:r>
           </a:p>
           <a:p>
-            <a:pPr marL="400050" indent="-171450">
+            <a:pPr marL="400050" indent="-171450" algn="just">
               <a:lnSpc>
                 <a:spcPct val="100000"/>
               </a:lnSpc>
@@ -21350,7 +25934,7 @@
             </a:r>
           </a:p>
           <a:p>
-            <a:pPr marL="400050" indent="-171450">
+            <a:pPr marL="400050" indent="-171450" algn="just">
               <a:lnSpc>
                 <a:spcPct val="100000"/>
               </a:lnSpc>
@@ -21370,7 +25954,7 @@
             </a:r>
           </a:p>
           <a:p>
-            <a:pPr marL="400050" indent="-171450">
+            <a:pPr marL="400050" indent="-171450" algn="just">
               <a:lnSpc>
                 <a:spcPct val="100000"/>
               </a:lnSpc>
@@ -21389,7 +25973,7 @@
             </a:r>
           </a:p>
           <a:p>
-            <a:pPr marL="400050" indent="-171450">
+            <a:pPr marL="400050" indent="-171450" algn="just">
               <a:lnSpc>
                 <a:spcPct val="100000"/>
               </a:lnSpc>
@@ -21409,7 +25993,7 @@
             </a:r>
           </a:p>
           <a:p>
-            <a:pPr marL="914400" lvl="1">
+            <a:pPr marL="914400" lvl="1" algn="just">
               <a:lnSpc>
                 <a:spcPct val="100000"/>
               </a:lnSpc>
@@ -21431,7 +26015,7 @@
             </a:r>
           </a:p>
           <a:p>
-            <a:pPr marL="914400" lvl="1">
+            <a:pPr marL="914400" lvl="1" algn="just">
               <a:lnSpc>
                 <a:spcPct val="100000"/>
               </a:lnSpc>
@@ -21739,6 +26323,7 @@
           </a:bodyPr>
           <a:lstStyle/>
           <a:p>
+            <a:pPr algn="just"/>
             <a:r>
               <a:rPr lang="hu-HU" sz="1200" b="0" strike="noStrike" spc="-1" dirty="0">
                 <a:solidFill>
@@ -21751,7 +26336,7 @@
             </a:r>
           </a:p>
           <a:p>
-            <a:pPr lvl="1"/>
+            <a:pPr lvl="1" algn="just"/>
             <a:r>
               <a:rPr lang="hu-HU" sz="1000" b="0" strike="noStrike" spc="-1" dirty="0">
                 <a:solidFill>
@@ -21764,7 +26349,7 @@
             </a:r>
           </a:p>
           <a:p>
-            <a:pPr lvl="1"/>
+            <a:pPr lvl="1" algn="just"/>
             <a:r>
               <a:rPr lang="hu-HU" sz="1000" b="0" strike="noStrike" spc="-1" dirty="0">
                 <a:solidFill>
@@ -21777,6 +26362,7 @@
             </a:r>
           </a:p>
           <a:p>
+            <a:pPr algn="just"/>
             <a:r>
               <a:rPr lang="hu-HU" sz="1200" b="0" strike="noStrike" spc="-1" dirty="0">
                 <a:solidFill>
@@ -21789,7 +26375,7 @@
             </a:r>
           </a:p>
           <a:p>
-            <a:pPr lvl="1"/>
+            <a:pPr lvl="1" algn="just"/>
             <a:r>
               <a:rPr lang="hu-HU" sz="1000" b="0" strike="noStrike" spc="-1" dirty="0">
                 <a:solidFill>
@@ -21822,7 +26408,7 @@
             </a:r>
           </a:p>
           <a:p>
-            <a:pPr lvl="1"/>
+            <a:pPr lvl="1" algn="just"/>
             <a:r>
               <a:rPr lang="hu-HU" sz="1000" b="0" strike="noStrike" spc="-1" dirty="0">
                 <a:solidFill>
@@ -21975,7 +26561,7 @@
           </a:bodyPr>
           <a:lstStyle/>
           <a:p>
-            <a:pPr marL="400050" indent="-171450">
+            <a:pPr marL="400050" indent="-171450" algn="just">
               <a:lnSpc>
                 <a:spcPct val="100000"/>
               </a:lnSpc>
@@ -21995,7 +26581,7 @@
             </a:r>
           </a:p>
           <a:p>
-            <a:pPr marL="400050" indent="-171450">
+            <a:pPr marL="400050" indent="-171450" algn="just">
               <a:lnSpc>
                 <a:spcPct val="100000"/>
               </a:lnSpc>
@@ -22015,7 +26601,7 @@
             </a:r>
           </a:p>
           <a:p>
-            <a:pPr marL="400050" indent="-171450">
+            <a:pPr marL="400050" indent="-171450" algn="just">
               <a:lnSpc>
                 <a:spcPct val="100000"/>
               </a:lnSpc>
@@ -22035,7 +26621,7 @@
             </a:r>
           </a:p>
           <a:p>
-            <a:pPr marL="857250" lvl="1" indent="-171450">
+            <a:pPr marL="857250" lvl="1" indent="-171450" algn="just">
               <a:lnSpc>
                 <a:spcPct val="100000"/>
               </a:lnSpc>
@@ -22055,7 +26641,7 @@
             </a:r>
           </a:p>
           <a:p>
-            <a:pPr marL="857250" lvl="1" indent="-171450">
+            <a:pPr marL="857250" lvl="1" indent="-171450" algn="just">
               <a:lnSpc>
                 <a:spcPct val="100000"/>
               </a:lnSpc>
